--- a/Oral Labo.pptx
+++ b/Oral Labo.pptx
@@ -7,7 +7,10 @@
   <p:sldIdLst>
     <p:sldId id="257" r:id="rId2"/>
     <p:sldId id="259" r:id="rId3"/>
-    <p:sldId id="260" r:id="rId4"/>
+    <p:sldId id="261" r:id="rId4"/>
+    <p:sldId id="260" r:id="rId5"/>
+    <p:sldId id="262" r:id="rId6"/>
+    <p:sldId id="263" r:id="rId7"/>
   </p:sldIdLst>
   <p:sldSz cx="12192000" cy="6858000"/>
   <p:notesSz cx="6858000" cy="9144000"/>
@@ -119,6 +122,11 @@
             <a:srgbClr val="A4A3A4"/>
           </p15:clr>
         </p15:guide>
+        <p15:guide id="3" orient="horz" pos="2160">
+          <p15:clr>
+            <a:srgbClr val="A4A3A4"/>
+          </p15:clr>
+        </p15:guide>
       </p15:sldGuideLst>
     </p:ext>
   </p:extLst>
@@ -182,7 +190,7 @@
           <a:noFill/>
           <a:extLst>
             <a:ext uri="{909E8E84-426E-40dd-AFC4-6F175D3DCCD1}">
-              <a14:hiddenFill xmlns="" xmlns:a14="http://schemas.microsoft.com/office/drawing/2010/main">
+              <a14:hiddenFill xmlns:a14="http://schemas.microsoft.com/office/drawing/2010/main" xmlns="">
                 <a:solidFill>
                   <a:srgbClr val="FFFFFF"/>
                 </a:solidFill>
@@ -241,7 +249,7 @@
             </a:ln>
             <a:extLst>
               <a:ext uri="{91240B29-F687-4f45-9708-019B960494DF}">
-                <a14:hiddenLine xmlns="" xmlns:a14="http://schemas.microsoft.com/office/drawing/2010/main" w="9525">
+                <a14:hiddenLine xmlns:a14="http://schemas.microsoft.com/office/drawing/2010/main" xmlns="" w="9525">
                   <a:solidFill>
                     <a:srgbClr val="000000"/>
                   </a:solidFill>
@@ -331,7 +339,7 @@
             </a:ln>
             <a:extLst>
               <a:ext uri="{91240B29-F687-4f45-9708-019B960494DF}">
-                <a14:hiddenLine xmlns="" xmlns:a14="http://schemas.microsoft.com/office/drawing/2010/main" w="9525">
+                <a14:hiddenLine xmlns:a14="http://schemas.microsoft.com/office/drawing/2010/main" xmlns="" w="9525">
                   <a:solidFill>
                     <a:srgbClr val="000000"/>
                   </a:solidFill>
@@ -421,7 +429,7 @@
             </a:ln>
             <a:extLst>
               <a:ext uri="{91240B29-F687-4f45-9708-019B960494DF}">
-                <a14:hiddenLine xmlns="" xmlns:a14="http://schemas.microsoft.com/office/drawing/2010/main" w="9525">
+                <a14:hiddenLine xmlns:a14="http://schemas.microsoft.com/office/drawing/2010/main" xmlns="" w="9525">
                   <a:solidFill>
                     <a:srgbClr val="000000"/>
                   </a:solidFill>
@@ -455,7 +463,7 @@
             </a:ln>
             <a:extLst>
               <a:ext uri="{91240B29-F687-4f45-9708-019B960494DF}">
-                <a14:hiddenLine xmlns="" xmlns:a14="http://schemas.microsoft.com/office/drawing/2010/main" w="9525">
+                <a14:hiddenLine xmlns:a14="http://schemas.microsoft.com/office/drawing/2010/main" xmlns="" w="9525">
                   <a:solidFill>
                     <a:srgbClr val="000000"/>
                   </a:solidFill>
@@ -545,7 +553,7 @@
             </a:ln>
             <a:extLst>
               <a:ext uri="{91240B29-F687-4f45-9708-019B960494DF}">
-                <a14:hiddenLine xmlns="" xmlns:a14="http://schemas.microsoft.com/office/drawing/2010/main" w="9525">
+                <a14:hiddenLine xmlns:a14="http://schemas.microsoft.com/office/drawing/2010/main" xmlns="" w="9525">
                   <a:solidFill>
                     <a:srgbClr val="000000"/>
                   </a:solidFill>
@@ -607,7 +615,7 @@
             </a:ln>
             <a:extLst>
               <a:ext uri="{91240B29-F687-4f45-9708-019B960494DF}">
-                <a14:hiddenLine xmlns="" xmlns:a14="http://schemas.microsoft.com/office/drawing/2010/main" w="9525">
+                <a14:hiddenLine xmlns:a14="http://schemas.microsoft.com/office/drawing/2010/main" xmlns="" w="9525">
                   <a:solidFill>
                     <a:srgbClr val="000000"/>
                   </a:solidFill>
@@ -669,7 +677,7 @@
             </a:ln>
             <a:extLst>
               <a:ext uri="{91240B29-F687-4f45-9708-019B960494DF}">
-                <a14:hiddenLine xmlns="" xmlns:a14="http://schemas.microsoft.com/office/drawing/2010/main" w="9525">
+                <a14:hiddenLine xmlns:a14="http://schemas.microsoft.com/office/drawing/2010/main" xmlns="" w="9525">
                   <a:solidFill>
                     <a:srgbClr val="000000"/>
                   </a:solidFill>
@@ -759,7 +767,7 @@
             </a:ln>
             <a:extLst>
               <a:ext uri="{91240B29-F687-4f45-9708-019B960494DF}">
-                <a14:hiddenLine xmlns="" xmlns:a14="http://schemas.microsoft.com/office/drawing/2010/main" w="9525">
+                <a14:hiddenLine xmlns:a14="http://schemas.microsoft.com/office/drawing/2010/main" xmlns="" w="9525">
                   <a:solidFill>
                     <a:srgbClr val="000000"/>
                   </a:solidFill>
@@ -821,7 +829,7 @@
             </a:ln>
             <a:extLst>
               <a:ext uri="{91240B29-F687-4f45-9708-019B960494DF}">
-                <a14:hiddenLine xmlns="" xmlns:a14="http://schemas.microsoft.com/office/drawing/2010/main" w="9525">
+                <a14:hiddenLine xmlns:a14="http://schemas.microsoft.com/office/drawing/2010/main" xmlns="" w="9525">
                   <a:solidFill>
                     <a:srgbClr val="000000"/>
                   </a:solidFill>
@@ -883,7 +891,7 @@
             </a:ln>
             <a:extLst>
               <a:ext uri="{91240B29-F687-4f45-9708-019B960494DF}">
-                <a14:hiddenLine xmlns="" xmlns:a14="http://schemas.microsoft.com/office/drawing/2010/main" w="9525">
+                <a14:hiddenLine xmlns:a14="http://schemas.microsoft.com/office/drawing/2010/main" xmlns="" w="9525">
                   <a:solidFill>
                     <a:srgbClr val="000000"/>
                   </a:solidFill>
@@ -973,7 +981,7 @@
             </a:ln>
             <a:extLst>
               <a:ext uri="{91240B29-F687-4f45-9708-019B960494DF}">
-                <a14:hiddenLine xmlns="" xmlns:a14="http://schemas.microsoft.com/office/drawing/2010/main" w="9525">
+                <a14:hiddenLine xmlns:a14="http://schemas.microsoft.com/office/drawing/2010/main" xmlns="" w="9525">
                   <a:solidFill>
                     <a:srgbClr val="000000"/>
                   </a:solidFill>
@@ -1063,7 +1071,7 @@
             </a:ln>
             <a:extLst>
               <a:ext uri="{91240B29-F687-4f45-9708-019B960494DF}">
-                <a14:hiddenLine xmlns="" xmlns:a14="http://schemas.microsoft.com/office/drawing/2010/main" w="9525">
+                <a14:hiddenLine xmlns:a14="http://schemas.microsoft.com/office/drawing/2010/main" xmlns="" w="9525">
                   <a:solidFill>
                     <a:srgbClr val="000000"/>
                   </a:solidFill>
@@ -1125,7 +1133,7 @@
             </a:ln>
             <a:extLst>
               <a:ext uri="{91240B29-F687-4f45-9708-019B960494DF}">
-                <a14:hiddenLine xmlns="" xmlns:a14="http://schemas.microsoft.com/office/drawing/2010/main" w="9525">
+                <a14:hiddenLine xmlns:a14="http://schemas.microsoft.com/office/drawing/2010/main" xmlns="" w="9525">
                   <a:solidFill>
                     <a:srgbClr val="000000"/>
                   </a:solidFill>
@@ -1235,7 +1243,7 @@
             </a:ln>
             <a:extLst>
               <a:ext uri="{91240B29-F687-4f45-9708-019B960494DF}">
-                <a14:hiddenLine xmlns="" xmlns:a14="http://schemas.microsoft.com/office/drawing/2010/main" w="9525">
+                <a14:hiddenLine xmlns:a14="http://schemas.microsoft.com/office/drawing/2010/main" xmlns="" w="9525">
                   <a:solidFill>
                     <a:srgbClr val="000000"/>
                   </a:solidFill>
@@ -1297,7 +1305,7 @@
             </a:ln>
             <a:extLst>
               <a:ext uri="{91240B29-F687-4f45-9708-019B960494DF}">
-                <a14:hiddenLine xmlns="" xmlns:a14="http://schemas.microsoft.com/office/drawing/2010/main" w="9525">
+                <a14:hiddenLine xmlns:a14="http://schemas.microsoft.com/office/drawing/2010/main" xmlns="" w="9525">
                   <a:solidFill>
                     <a:srgbClr val="000000"/>
                   </a:solidFill>
@@ -1387,7 +1395,7 @@
             </a:ln>
             <a:extLst>
               <a:ext uri="{91240B29-F687-4f45-9708-019B960494DF}">
-                <a14:hiddenLine xmlns="" xmlns:a14="http://schemas.microsoft.com/office/drawing/2010/main" w="9525">
+                <a14:hiddenLine xmlns:a14="http://schemas.microsoft.com/office/drawing/2010/main" xmlns="" w="9525">
                   <a:solidFill>
                     <a:srgbClr val="000000"/>
                   </a:solidFill>
@@ -1477,7 +1485,7 @@
             </a:ln>
             <a:extLst>
               <a:ext uri="{91240B29-F687-4f45-9708-019B960494DF}">
-                <a14:hiddenLine xmlns="" xmlns:a14="http://schemas.microsoft.com/office/drawing/2010/main" w="9525">
+                <a14:hiddenLine xmlns:a14="http://schemas.microsoft.com/office/drawing/2010/main" xmlns="" w="9525">
                   <a:solidFill>
                     <a:srgbClr val="000000"/>
                   </a:solidFill>
@@ -1539,7 +1547,7 @@
             </a:ln>
             <a:extLst>
               <a:ext uri="{91240B29-F687-4f45-9708-019B960494DF}">
-                <a14:hiddenLine xmlns="" xmlns:a14="http://schemas.microsoft.com/office/drawing/2010/main" w="9525">
+                <a14:hiddenLine xmlns:a14="http://schemas.microsoft.com/office/drawing/2010/main" xmlns="" w="9525">
                   <a:solidFill>
                     <a:srgbClr val="000000"/>
                   </a:solidFill>
@@ -1629,7 +1637,7 @@
             </a:ln>
             <a:extLst>
               <a:ext uri="{91240B29-F687-4f45-9708-019B960494DF}">
-                <a14:hiddenLine xmlns="" xmlns:a14="http://schemas.microsoft.com/office/drawing/2010/main" w="9525">
+                <a14:hiddenLine xmlns:a14="http://schemas.microsoft.com/office/drawing/2010/main" xmlns="" w="9525">
                   <a:solidFill>
                     <a:srgbClr val="000000"/>
                   </a:solidFill>
@@ -1719,7 +1727,7 @@
             </a:ln>
             <a:extLst>
               <a:ext uri="{91240B29-F687-4f45-9708-019B960494DF}">
-                <a14:hiddenLine xmlns="" xmlns:a14="http://schemas.microsoft.com/office/drawing/2010/main" w="9525">
+                <a14:hiddenLine xmlns:a14="http://schemas.microsoft.com/office/drawing/2010/main" xmlns="" w="9525">
                   <a:solidFill>
                     <a:srgbClr val="000000"/>
                   </a:solidFill>
@@ -1775,7 +1783,7 @@
             </a:ln>
             <a:extLst>
               <a:ext uri="{91240B29-F687-4f45-9708-019B960494DF}">
-                <a14:hiddenLine xmlns="" xmlns:a14="http://schemas.microsoft.com/office/drawing/2010/main" w="9525">
+                <a14:hiddenLine xmlns:a14="http://schemas.microsoft.com/office/drawing/2010/main" xmlns="" w="9525">
                   <a:solidFill>
                     <a:srgbClr val="000000"/>
                   </a:solidFill>
@@ -1865,7 +1873,7 @@
             </a:ln>
             <a:extLst>
               <a:ext uri="{91240B29-F687-4f45-9708-019B960494DF}">
-                <a14:hiddenLine xmlns="" xmlns:a14="http://schemas.microsoft.com/office/drawing/2010/main" w="9525">
+                <a14:hiddenLine xmlns:a14="http://schemas.microsoft.com/office/drawing/2010/main" xmlns="" w="9525">
                   <a:solidFill>
                     <a:srgbClr val="000000"/>
                   </a:solidFill>
@@ -1921,7 +1929,7 @@
             </a:ln>
             <a:extLst>
               <a:ext uri="{91240B29-F687-4f45-9708-019B960494DF}">
-                <a14:hiddenLine xmlns="" xmlns:a14="http://schemas.microsoft.com/office/drawing/2010/main" w="9525">
+                <a14:hiddenLine xmlns:a14="http://schemas.microsoft.com/office/drawing/2010/main" xmlns="" w="9525">
                   <a:solidFill>
                     <a:srgbClr val="000000"/>
                   </a:solidFill>
@@ -2011,7 +2019,7 @@
             </a:ln>
             <a:extLst>
               <a:ext uri="{91240B29-F687-4f45-9708-019B960494DF}">
-                <a14:hiddenLine xmlns="" xmlns:a14="http://schemas.microsoft.com/office/drawing/2010/main" w="9525">
+                <a14:hiddenLine xmlns:a14="http://schemas.microsoft.com/office/drawing/2010/main" xmlns="" w="9525">
                   <a:solidFill>
                     <a:srgbClr val="000000"/>
                   </a:solidFill>
@@ -2079,7 +2087,7 @@
             </a:ln>
             <a:extLst>
               <a:ext uri="{91240B29-F687-4f45-9708-019B960494DF}">
-                <a14:hiddenLine xmlns="" xmlns:a14="http://schemas.microsoft.com/office/drawing/2010/main" w="9525">
+                <a14:hiddenLine xmlns:a14="http://schemas.microsoft.com/office/drawing/2010/main" xmlns="" w="9525">
                   <a:solidFill>
                     <a:srgbClr val="000000"/>
                   </a:solidFill>
@@ -2169,7 +2177,7 @@
             </a:ln>
             <a:extLst>
               <a:ext uri="{91240B29-F687-4f45-9708-019B960494DF}">
-                <a14:hiddenLine xmlns="" xmlns:a14="http://schemas.microsoft.com/office/drawing/2010/main" w="9525">
+                <a14:hiddenLine xmlns:a14="http://schemas.microsoft.com/office/drawing/2010/main" xmlns="" w="9525">
                   <a:solidFill>
                     <a:srgbClr val="000000"/>
                   </a:solidFill>
@@ -2237,7 +2245,7 @@
             </a:ln>
             <a:extLst>
               <a:ext uri="{91240B29-F687-4f45-9708-019B960494DF}">
-                <a14:hiddenLine xmlns="" xmlns:a14="http://schemas.microsoft.com/office/drawing/2010/main" w="9525">
+                <a14:hiddenLine xmlns:a14="http://schemas.microsoft.com/office/drawing/2010/main" xmlns="" w="9525">
                   <a:solidFill>
                     <a:srgbClr val="000000"/>
                   </a:solidFill>
@@ -2327,7 +2335,7 @@
             </a:ln>
             <a:extLst>
               <a:ext uri="{91240B29-F687-4f45-9708-019B960494DF}">
-                <a14:hiddenLine xmlns="" xmlns:a14="http://schemas.microsoft.com/office/drawing/2010/main" w="9525">
+                <a14:hiddenLine xmlns:a14="http://schemas.microsoft.com/office/drawing/2010/main" xmlns="" w="9525">
                   <a:solidFill>
                     <a:srgbClr val="000000"/>
                   </a:solidFill>
@@ -2361,7 +2369,7 @@
             </a:ln>
             <a:extLst>
               <a:ext uri="{91240B29-F687-4f45-9708-019B960494DF}">
-                <a14:hiddenLine xmlns="" xmlns:a14="http://schemas.microsoft.com/office/drawing/2010/main" w="9525">
+                <a14:hiddenLine xmlns:a14="http://schemas.microsoft.com/office/drawing/2010/main" xmlns="" w="9525">
                   <a:solidFill>
                     <a:srgbClr val="000000"/>
                   </a:solidFill>
@@ -2451,7 +2459,7 @@
             </a:ln>
             <a:extLst>
               <a:ext uri="{91240B29-F687-4f45-9708-019B960494DF}">
-                <a14:hiddenLine xmlns="" xmlns:a14="http://schemas.microsoft.com/office/drawing/2010/main" w="9525">
+                <a14:hiddenLine xmlns:a14="http://schemas.microsoft.com/office/drawing/2010/main" xmlns="" w="9525">
                   <a:solidFill>
                     <a:srgbClr val="000000"/>
                   </a:solidFill>
@@ -2513,7 +2521,7 @@
             </a:ln>
             <a:extLst>
               <a:ext uri="{91240B29-F687-4f45-9708-019B960494DF}">
-                <a14:hiddenLine xmlns="" xmlns:a14="http://schemas.microsoft.com/office/drawing/2010/main" w="9525">
+                <a14:hiddenLine xmlns:a14="http://schemas.microsoft.com/office/drawing/2010/main" xmlns="" w="9525">
                   <a:solidFill>
                     <a:srgbClr val="000000"/>
                   </a:solidFill>
@@ -2575,7 +2583,7 @@
             </a:ln>
             <a:extLst>
               <a:ext uri="{91240B29-F687-4f45-9708-019B960494DF}">
-                <a14:hiddenLine xmlns="" xmlns:a14="http://schemas.microsoft.com/office/drawing/2010/main" w="9525">
+                <a14:hiddenLine xmlns:a14="http://schemas.microsoft.com/office/drawing/2010/main" xmlns="" w="9525">
                   <a:solidFill>
                     <a:srgbClr val="000000"/>
                   </a:solidFill>
@@ -2665,7 +2673,7 @@
             </a:ln>
             <a:extLst>
               <a:ext uri="{91240B29-F687-4f45-9708-019B960494DF}">
-                <a14:hiddenLine xmlns="" xmlns:a14="http://schemas.microsoft.com/office/drawing/2010/main" w="9525">
+                <a14:hiddenLine xmlns:a14="http://schemas.microsoft.com/office/drawing/2010/main" xmlns="" w="9525">
                   <a:solidFill>
                     <a:srgbClr val="000000"/>
                   </a:solidFill>
@@ -2733,7 +2741,7 @@
             </a:ln>
             <a:extLst>
               <a:ext uri="{91240B29-F687-4f45-9708-019B960494DF}">
-                <a14:hiddenLine xmlns="" xmlns:a14="http://schemas.microsoft.com/office/drawing/2010/main" w="9525">
+                <a14:hiddenLine xmlns:a14="http://schemas.microsoft.com/office/drawing/2010/main" xmlns="" w="9525">
                   <a:solidFill>
                     <a:srgbClr val="000000"/>
                   </a:solidFill>
@@ -2795,7 +2803,7 @@
             </a:ln>
             <a:extLst>
               <a:ext uri="{91240B29-F687-4f45-9708-019B960494DF}">
-                <a14:hiddenLine xmlns="" xmlns:a14="http://schemas.microsoft.com/office/drawing/2010/main" w="9525">
+                <a14:hiddenLine xmlns:a14="http://schemas.microsoft.com/office/drawing/2010/main" xmlns="" w="9525">
                   <a:solidFill>
                     <a:srgbClr val="000000"/>
                   </a:solidFill>
@@ -2885,7 +2893,7 @@
             </a:ln>
             <a:extLst>
               <a:ext uri="{91240B29-F687-4f45-9708-019B960494DF}">
-                <a14:hiddenLine xmlns="" xmlns:a14="http://schemas.microsoft.com/office/drawing/2010/main" w="9525">
+                <a14:hiddenLine xmlns:a14="http://schemas.microsoft.com/office/drawing/2010/main" xmlns="" w="9525">
                   <a:solidFill>
                     <a:srgbClr val="000000"/>
                   </a:solidFill>
@@ -2947,7 +2955,7 @@
             </a:ln>
             <a:extLst>
               <a:ext uri="{91240B29-F687-4f45-9708-019B960494DF}">
-                <a14:hiddenLine xmlns="" xmlns:a14="http://schemas.microsoft.com/office/drawing/2010/main" w="9525">
+                <a14:hiddenLine xmlns:a14="http://schemas.microsoft.com/office/drawing/2010/main" xmlns="" w="9525">
                   <a:solidFill>
                     <a:srgbClr val="000000"/>
                   </a:solidFill>
@@ -3037,7 +3045,7 @@
             </a:ln>
             <a:extLst>
               <a:ext uri="{91240B29-F687-4f45-9708-019B960494DF}">
-                <a14:hiddenLine xmlns="" xmlns:a14="http://schemas.microsoft.com/office/drawing/2010/main" w="9525">
+                <a14:hiddenLine xmlns:a14="http://schemas.microsoft.com/office/drawing/2010/main" xmlns="" w="9525">
                   <a:solidFill>
                     <a:srgbClr val="000000"/>
                   </a:solidFill>
@@ -3099,7 +3107,7 @@
             </a:ln>
             <a:extLst>
               <a:ext uri="{91240B29-F687-4f45-9708-019B960494DF}">
-                <a14:hiddenLine xmlns="" xmlns:a14="http://schemas.microsoft.com/office/drawing/2010/main" w="9525">
+                <a14:hiddenLine xmlns:a14="http://schemas.microsoft.com/office/drawing/2010/main" xmlns="" w="9525">
                   <a:solidFill>
                     <a:srgbClr val="000000"/>
                   </a:solidFill>
@@ -3189,7 +3197,7 @@
             </a:ln>
             <a:extLst>
               <a:ext uri="{91240B29-F687-4f45-9708-019B960494DF}">
-                <a14:hiddenLine xmlns="" xmlns:a14="http://schemas.microsoft.com/office/drawing/2010/main" w="9525">
+                <a14:hiddenLine xmlns:a14="http://schemas.microsoft.com/office/drawing/2010/main" xmlns="" w="9525">
                   <a:solidFill>
                     <a:srgbClr val="000000"/>
                   </a:solidFill>
@@ -3223,7 +3231,7 @@
             </a:ln>
             <a:extLst>
               <a:ext uri="{91240B29-F687-4f45-9708-019B960494DF}">
-                <a14:hiddenLine xmlns="" xmlns:a14="http://schemas.microsoft.com/office/drawing/2010/main" w="9525">
+                <a14:hiddenLine xmlns:a14="http://schemas.microsoft.com/office/drawing/2010/main" xmlns="" w="9525">
                   <a:solidFill>
                     <a:srgbClr val="000000"/>
                   </a:solidFill>
@@ -3288,7 +3296,7 @@
             </a:ln>
             <a:extLst>
               <a:ext uri="{91240B29-F687-4f45-9708-019B960494DF}">
-                <a14:hiddenLine xmlns="" xmlns:a14="http://schemas.microsoft.com/office/drawing/2010/main" w="9525">
+                <a14:hiddenLine xmlns:a14="http://schemas.microsoft.com/office/drawing/2010/main" xmlns="" w="9525">
                   <a:solidFill>
                     <a:srgbClr val="000000"/>
                   </a:solidFill>
@@ -3378,7 +3386,7 @@
             </a:ln>
             <a:extLst>
               <a:ext uri="{91240B29-F687-4f45-9708-019B960494DF}">
-                <a14:hiddenLine xmlns="" xmlns:a14="http://schemas.microsoft.com/office/drawing/2010/main" w="9525">
+                <a14:hiddenLine xmlns:a14="http://schemas.microsoft.com/office/drawing/2010/main" xmlns="" w="9525">
                   <a:solidFill>
                     <a:srgbClr val="000000"/>
                   </a:solidFill>
@@ -3440,7 +3448,7 @@
             </a:ln>
             <a:extLst>
               <a:ext uri="{91240B29-F687-4f45-9708-019B960494DF}">
-                <a14:hiddenLine xmlns="" xmlns:a14="http://schemas.microsoft.com/office/drawing/2010/main" w="9525">
+                <a14:hiddenLine xmlns:a14="http://schemas.microsoft.com/office/drawing/2010/main" xmlns="" w="9525">
                   <a:solidFill>
                     <a:srgbClr val="000000"/>
                   </a:solidFill>
@@ -3530,7 +3538,7 @@
             </a:ln>
             <a:extLst>
               <a:ext uri="{91240B29-F687-4f45-9708-019B960494DF}">
-                <a14:hiddenLine xmlns="" xmlns:a14="http://schemas.microsoft.com/office/drawing/2010/main" w="9525">
+                <a14:hiddenLine xmlns:a14="http://schemas.microsoft.com/office/drawing/2010/main" xmlns="" w="9525">
                   <a:solidFill>
                     <a:srgbClr val="000000"/>
                   </a:solidFill>
@@ -3620,7 +3628,7 @@
             </a:ln>
             <a:extLst>
               <a:ext uri="{91240B29-F687-4f45-9708-019B960494DF}">
-                <a14:hiddenLine xmlns="" xmlns:a14="http://schemas.microsoft.com/office/drawing/2010/main" w="9525">
+                <a14:hiddenLine xmlns:a14="http://schemas.microsoft.com/office/drawing/2010/main" xmlns="" w="9525">
                   <a:solidFill>
                     <a:srgbClr val="000000"/>
                   </a:solidFill>
@@ -3685,7 +3693,7 @@
             </a:ln>
             <a:extLst>
               <a:ext uri="{91240B29-F687-4f45-9708-019B960494DF}">
-                <a14:hiddenLine xmlns="" xmlns:a14="http://schemas.microsoft.com/office/drawing/2010/main" w="9525">
+                <a14:hiddenLine xmlns:a14="http://schemas.microsoft.com/office/drawing/2010/main" xmlns="" w="9525">
                   <a:solidFill>
                     <a:srgbClr val="000000"/>
                   </a:solidFill>
@@ -3747,7 +3755,7 @@
             </a:ln>
             <a:extLst>
               <a:ext uri="{91240B29-F687-4f45-9708-019B960494DF}">
-                <a14:hiddenLine xmlns="" xmlns:a14="http://schemas.microsoft.com/office/drawing/2010/main" w="9525">
+                <a14:hiddenLine xmlns:a14="http://schemas.microsoft.com/office/drawing/2010/main" xmlns="" w="9525">
                   <a:solidFill>
                     <a:srgbClr val="000000"/>
                   </a:solidFill>
@@ -3837,7 +3845,7 @@
             </a:ln>
             <a:extLst>
               <a:ext uri="{91240B29-F687-4f45-9708-019B960494DF}">
-                <a14:hiddenLine xmlns="" xmlns:a14="http://schemas.microsoft.com/office/drawing/2010/main" w="9525">
+                <a14:hiddenLine xmlns:a14="http://schemas.microsoft.com/office/drawing/2010/main" xmlns="" w="9525">
                   <a:solidFill>
                     <a:srgbClr val="000000"/>
                   </a:solidFill>
@@ -3927,7 +3935,7 @@
             </a:ln>
             <a:extLst>
               <a:ext uri="{91240B29-F687-4f45-9708-019B960494DF}">
-                <a14:hiddenLine xmlns="" xmlns:a14="http://schemas.microsoft.com/office/drawing/2010/main" w="9525">
+                <a14:hiddenLine xmlns:a14="http://schemas.microsoft.com/office/drawing/2010/main" xmlns="" w="9525">
                   <a:solidFill>
                     <a:srgbClr val="000000"/>
                   </a:solidFill>
@@ -3989,7 +3997,7 @@
             </a:ln>
             <a:extLst>
               <a:ext uri="{91240B29-F687-4f45-9708-019B960494DF}">
-                <a14:hiddenLine xmlns="" xmlns:a14="http://schemas.microsoft.com/office/drawing/2010/main" w="9525">
+                <a14:hiddenLine xmlns:a14="http://schemas.microsoft.com/office/drawing/2010/main" xmlns="" w="9525">
                   <a:solidFill>
                     <a:srgbClr val="000000"/>
                   </a:solidFill>
@@ -4109,7 +4117,7 @@
             </a:ln>
             <a:extLst>
               <a:ext uri="{91240B29-F687-4f45-9708-019B960494DF}">
-                <a14:hiddenLine xmlns="" xmlns:a14="http://schemas.microsoft.com/office/drawing/2010/main" w="9525">
+                <a14:hiddenLine xmlns:a14="http://schemas.microsoft.com/office/drawing/2010/main" xmlns="" w="9525">
                   <a:solidFill>
                     <a:srgbClr val="000000"/>
                   </a:solidFill>
@@ -4177,7 +4185,7 @@
             </a:ln>
             <a:extLst>
               <a:ext uri="{91240B29-F687-4f45-9708-019B960494DF}">
-                <a14:hiddenLine xmlns="" xmlns:a14="http://schemas.microsoft.com/office/drawing/2010/main" w="9525">
+                <a14:hiddenLine xmlns:a14="http://schemas.microsoft.com/office/drawing/2010/main" xmlns="" w="9525">
                   <a:solidFill>
                     <a:srgbClr val="000000"/>
                   </a:solidFill>
@@ -4267,7 +4275,7 @@
             </a:ln>
             <a:extLst>
               <a:ext uri="{91240B29-F687-4f45-9708-019B960494DF}">
-                <a14:hiddenLine xmlns="" xmlns:a14="http://schemas.microsoft.com/office/drawing/2010/main" w="9525">
+                <a14:hiddenLine xmlns:a14="http://schemas.microsoft.com/office/drawing/2010/main" xmlns="" w="9525">
                   <a:solidFill>
                     <a:srgbClr val="000000"/>
                   </a:solidFill>
@@ -8996,7 +9004,7 @@
           <a:noFill/>
           <a:extLst>
             <a:ext uri="{909E8E84-426E-40dd-AFC4-6F175D3DCCD1}">
-              <a14:hiddenFill xmlns="" xmlns:a14="http://schemas.microsoft.com/office/drawing/2010/main">
+              <a14:hiddenFill xmlns:a14="http://schemas.microsoft.com/office/drawing/2010/main" xmlns="">
                 <a:solidFill>
                   <a:srgbClr val="FFFFFF"/>
                 </a:solidFill>
@@ -9070,7 +9078,7 @@
               </a:ln>
               <a:extLst>
                 <a:ext uri="{91240B29-F687-4f45-9708-019B960494DF}">
-                  <a14:hiddenLine xmlns="" xmlns:a14="http://schemas.microsoft.com/office/drawing/2010/main" w="9525">
+                  <a14:hiddenLine xmlns:a14="http://schemas.microsoft.com/office/drawing/2010/main" xmlns="" w="9525">
                     <a:solidFill>
                       <a:srgbClr val="000000"/>
                     </a:solidFill>
@@ -9160,7 +9168,7 @@
               </a:ln>
               <a:extLst>
                 <a:ext uri="{91240B29-F687-4f45-9708-019B960494DF}">
-                  <a14:hiddenLine xmlns="" xmlns:a14="http://schemas.microsoft.com/office/drawing/2010/main" w="9525">
+                  <a14:hiddenLine xmlns:a14="http://schemas.microsoft.com/office/drawing/2010/main" xmlns="" w="9525">
                     <a:solidFill>
                       <a:srgbClr val="000000"/>
                     </a:solidFill>
@@ -9250,7 +9258,7 @@
               </a:ln>
               <a:extLst>
                 <a:ext uri="{91240B29-F687-4f45-9708-019B960494DF}">
-                  <a14:hiddenLine xmlns="" xmlns:a14="http://schemas.microsoft.com/office/drawing/2010/main" w="9525">
+                  <a14:hiddenLine xmlns:a14="http://schemas.microsoft.com/office/drawing/2010/main" xmlns="" w="9525">
                     <a:solidFill>
                       <a:srgbClr val="000000"/>
                     </a:solidFill>
@@ -9312,7 +9320,7 @@
               </a:ln>
               <a:extLst>
                 <a:ext uri="{91240B29-F687-4f45-9708-019B960494DF}">
-                  <a14:hiddenLine xmlns="" xmlns:a14="http://schemas.microsoft.com/office/drawing/2010/main" w="9525">
+                  <a14:hiddenLine xmlns:a14="http://schemas.microsoft.com/office/drawing/2010/main" xmlns="" w="9525">
                     <a:solidFill>
                       <a:srgbClr val="000000"/>
                     </a:solidFill>
@@ -9402,7 +9410,7 @@
               </a:ln>
               <a:extLst>
                 <a:ext uri="{91240B29-F687-4f45-9708-019B960494DF}">
-                  <a14:hiddenLine xmlns="" xmlns:a14="http://schemas.microsoft.com/office/drawing/2010/main" w="9525">
+                  <a14:hiddenLine xmlns:a14="http://schemas.microsoft.com/office/drawing/2010/main" xmlns="" w="9525">
                     <a:solidFill>
                       <a:srgbClr val="000000"/>
                     </a:solidFill>
@@ -9464,7 +9472,7 @@
               </a:ln>
               <a:extLst>
                 <a:ext uri="{91240B29-F687-4f45-9708-019B960494DF}">
-                  <a14:hiddenLine xmlns="" xmlns:a14="http://schemas.microsoft.com/office/drawing/2010/main" w="9525">
+                  <a14:hiddenLine xmlns:a14="http://schemas.microsoft.com/office/drawing/2010/main" xmlns="" w="9525">
                     <a:solidFill>
                       <a:srgbClr val="000000"/>
                     </a:solidFill>
@@ -9526,7 +9534,7 @@
               </a:ln>
               <a:extLst>
                 <a:ext uri="{91240B29-F687-4f45-9708-019B960494DF}">
-                  <a14:hiddenLine xmlns="" xmlns:a14="http://schemas.microsoft.com/office/drawing/2010/main" w="9525">
+                  <a14:hiddenLine xmlns:a14="http://schemas.microsoft.com/office/drawing/2010/main" xmlns="" w="9525">
                     <a:solidFill>
                       <a:srgbClr val="000000"/>
                     </a:solidFill>
@@ -9616,7 +9624,7 @@
               </a:ln>
               <a:extLst>
                 <a:ext uri="{91240B29-F687-4f45-9708-019B960494DF}">
-                  <a14:hiddenLine xmlns="" xmlns:a14="http://schemas.microsoft.com/office/drawing/2010/main" w="9525">
+                  <a14:hiddenLine xmlns:a14="http://schemas.microsoft.com/office/drawing/2010/main" xmlns="" w="9525">
                     <a:solidFill>
                       <a:srgbClr val="000000"/>
                     </a:solidFill>
@@ -9706,7 +9714,7 @@
               </a:ln>
               <a:extLst>
                 <a:ext uri="{91240B29-F687-4f45-9708-019B960494DF}">
-                  <a14:hiddenLine xmlns="" xmlns:a14="http://schemas.microsoft.com/office/drawing/2010/main" w="9525">
+                  <a14:hiddenLine xmlns:a14="http://schemas.microsoft.com/office/drawing/2010/main" xmlns="" w="9525">
                     <a:solidFill>
                       <a:srgbClr val="000000"/>
                     </a:solidFill>
@@ -9768,7 +9776,7 @@
               </a:ln>
               <a:extLst>
                 <a:ext uri="{91240B29-F687-4f45-9708-019B960494DF}">
-                  <a14:hiddenLine xmlns="" xmlns:a14="http://schemas.microsoft.com/office/drawing/2010/main" w="9525">
+                  <a14:hiddenLine xmlns:a14="http://schemas.microsoft.com/office/drawing/2010/main" xmlns="" w="9525">
                     <a:solidFill>
                       <a:srgbClr val="000000"/>
                     </a:solidFill>
@@ -9878,7 +9886,7 @@
               </a:ln>
               <a:extLst>
                 <a:ext uri="{91240B29-F687-4f45-9708-019B960494DF}">
-                  <a14:hiddenLine xmlns="" xmlns:a14="http://schemas.microsoft.com/office/drawing/2010/main" w="9525">
+                  <a14:hiddenLine xmlns:a14="http://schemas.microsoft.com/office/drawing/2010/main" xmlns="" w="9525">
                     <a:solidFill>
                       <a:srgbClr val="000000"/>
                     </a:solidFill>
@@ -9962,7 +9970,7 @@
               </a:ln>
               <a:extLst>
                 <a:ext uri="{91240B29-F687-4f45-9708-019B960494DF}">
-                  <a14:hiddenLine xmlns="" xmlns:a14="http://schemas.microsoft.com/office/drawing/2010/main" w="9525">
+                  <a14:hiddenLine xmlns:a14="http://schemas.microsoft.com/office/drawing/2010/main" xmlns="" w="9525">
                     <a:solidFill>
                       <a:srgbClr val="000000"/>
                     </a:solidFill>
@@ -10024,7 +10032,7 @@
               </a:ln>
               <a:extLst>
                 <a:ext uri="{91240B29-F687-4f45-9708-019B960494DF}">
-                  <a14:hiddenLine xmlns="" xmlns:a14="http://schemas.microsoft.com/office/drawing/2010/main" w="9525">
+                  <a14:hiddenLine xmlns:a14="http://schemas.microsoft.com/office/drawing/2010/main" xmlns="" w="9525">
                     <a:solidFill>
                       <a:srgbClr val="000000"/>
                     </a:solidFill>
@@ -10086,7 +10094,7 @@
               </a:ln>
               <a:extLst>
                 <a:ext uri="{91240B29-F687-4f45-9708-019B960494DF}">
-                  <a14:hiddenLine xmlns="" xmlns:a14="http://schemas.microsoft.com/office/drawing/2010/main" w="9525">
+                  <a14:hiddenLine xmlns:a14="http://schemas.microsoft.com/office/drawing/2010/main" xmlns="" w="9525">
                     <a:solidFill>
                       <a:srgbClr val="000000"/>
                     </a:solidFill>
@@ -10176,7 +10184,7 @@
               </a:ln>
               <a:extLst>
                 <a:ext uri="{91240B29-F687-4f45-9708-019B960494DF}">
-                  <a14:hiddenLine xmlns="" xmlns:a14="http://schemas.microsoft.com/office/drawing/2010/main" w="9525">
+                  <a14:hiddenLine xmlns:a14="http://schemas.microsoft.com/office/drawing/2010/main" xmlns="" w="9525">
                     <a:solidFill>
                       <a:srgbClr val="000000"/>
                     </a:solidFill>
@@ -10210,7 +10218,7 @@
               </a:ln>
               <a:extLst>
                 <a:ext uri="{91240B29-F687-4f45-9708-019B960494DF}">
-                  <a14:hiddenLine xmlns="" xmlns:a14="http://schemas.microsoft.com/office/drawing/2010/main" w="9525">
+                  <a14:hiddenLine xmlns:a14="http://schemas.microsoft.com/office/drawing/2010/main" xmlns="" w="9525">
                     <a:solidFill>
                       <a:srgbClr val="000000"/>
                     </a:solidFill>
@@ -10275,7 +10283,7 @@
               </a:ln>
               <a:extLst>
                 <a:ext uri="{91240B29-F687-4f45-9708-019B960494DF}">
-                  <a14:hiddenLine xmlns="" xmlns:a14="http://schemas.microsoft.com/office/drawing/2010/main" w="9525">
+                  <a14:hiddenLine xmlns:a14="http://schemas.microsoft.com/office/drawing/2010/main" xmlns="" w="9525">
                     <a:solidFill>
                       <a:srgbClr val="000000"/>
                     </a:solidFill>
@@ -10365,7 +10373,7 @@
               </a:ln>
               <a:extLst>
                 <a:ext uri="{91240B29-F687-4f45-9708-019B960494DF}">
-                  <a14:hiddenLine xmlns="" xmlns:a14="http://schemas.microsoft.com/office/drawing/2010/main" w="9525">
+                  <a14:hiddenLine xmlns:a14="http://schemas.microsoft.com/office/drawing/2010/main" xmlns="" w="9525">
                     <a:solidFill>
                       <a:srgbClr val="000000"/>
                     </a:solidFill>
@@ -10427,7 +10435,7 @@
               </a:ln>
               <a:extLst>
                 <a:ext uri="{91240B29-F687-4f45-9708-019B960494DF}">
-                  <a14:hiddenLine xmlns="" xmlns:a14="http://schemas.microsoft.com/office/drawing/2010/main" w="9525">
+                  <a14:hiddenLine xmlns:a14="http://schemas.microsoft.com/office/drawing/2010/main" xmlns="" w="9525">
                     <a:solidFill>
                       <a:srgbClr val="000000"/>
                     </a:solidFill>
@@ -10517,7 +10525,7 @@
               </a:ln>
               <a:extLst>
                 <a:ext uri="{91240B29-F687-4f45-9708-019B960494DF}">
-                  <a14:hiddenLine xmlns="" xmlns:a14="http://schemas.microsoft.com/office/drawing/2010/main" w="9525">
+                  <a14:hiddenLine xmlns:a14="http://schemas.microsoft.com/office/drawing/2010/main" xmlns="" w="9525">
                     <a:solidFill>
                       <a:srgbClr val="000000"/>
                     </a:solidFill>
@@ -10582,7 +10590,7 @@
               </a:ln>
               <a:extLst>
                 <a:ext uri="{91240B29-F687-4f45-9708-019B960494DF}">
-                  <a14:hiddenLine xmlns="" xmlns:a14="http://schemas.microsoft.com/office/drawing/2010/main" w="9525">
+                  <a14:hiddenLine xmlns:a14="http://schemas.microsoft.com/office/drawing/2010/main" xmlns="" w="9525">
                     <a:solidFill>
                       <a:srgbClr val="000000"/>
                     </a:solidFill>
@@ -10644,7 +10652,7 @@
               </a:ln>
               <a:extLst>
                 <a:ext uri="{91240B29-F687-4f45-9708-019B960494DF}">
-                  <a14:hiddenLine xmlns="" xmlns:a14="http://schemas.microsoft.com/office/drawing/2010/main" w="9525">
+                  <a14:hiddenLine xmlns:a14="http://schemas.microsoft.com/office/drawing/2010/main" xmlns="" w="9525">
                     <a:solidFill>
                       <a:srgbClr val="000000"/>
                     </a:solidFill>
@@ -10734,7 +10742,7 @@
               </a:ln>
               <a:extLst>
                 <a:ext uri="{91240B29-F687-4f45-9708-019B960494DF}">
-                  <a14:hiddenLine xmlns="" xmlns:a14="http://schemas.microsoft.com/office/drawing/2010/main" w="9525">
+                  <a14:hiddenLine xmlns:a14="http://schemas.microsoft.com/office/drawing/2010/main" xmlns="" w="9525">
                     <a:solidFill>
                       <a:srgbClr val="000000"/>
                     </a:solidFill>
@@ -10824,7 +10832,7 @@
               </a:ln>
               <a:extLst>
                 <a:ext uri="{91240B29-F687-4f45-9708-019B960494DF}">
-                  <a14:hiddenLine xmlns="" xmlns:a14="http://schemas.microsoft.com/office/drawing/2010/main" w="9525">
+                  <a14:hiddenLine xmlns:a14="http://schemas.microsoft.com/office/drawing/2010/main" xmlns="" w="9525">
                     <a:solidFill>
                       <a:srgbClr val="000000"/>
                     </a:solidFill>
@@ -10889,7 +10897,7 @@
               </a:ln>
               <a:extLst>
                 <a:ext uri="{91240B29-F687-4f45-9708-019B960494DF}">
-                  <a14:hiddenLine xmlns="" xmlns:a14="http://schemas.microsoft.com/office/drawing/2010/main" w="9525">
+                  <a14:hiddenLine xmlns:a14="http://schemas.microsoft.com/office/drawing/2010/main" xmlns="" w="9525">
                     <a:solidFill>
                       <a:srgbClr val="000000"/>
                     </a:solidFill>
@@ -11009,7 +11017,7 @@
               </a:ln>
               <a:extLst>
                 <a:ext uri="{91240B29-F687-4f45-9708-019B960494DF}">
-                  <a14:hiddenLine xmlns="" xmlns:a14="http://schemas.microsoft.com/office/drawing/2010/main" w="9525">
+                  <a14:hiddenLine xmlns:a14="http://schemas.microsoft.com/office/drawing/2010/main" xmlns="" w="9525">
                     <a:solidFill>
                       <a:srgbClr val="000000"/>
                     </a:solidFill>
@@ -11090,7 +11098,7 @@
               </a:ln>
               <a:extLst>
                 <a:ext uri="{91240B29-F687-4f45-9708-019B960494DF}">
-                  <a14:hiddenLine xmlns="" xmlns:a14="http://schemas.microsoft.com/office/drawing/2010/main" w="9525">
+                  <a14:hiddenLine xmlns:a14="http://schemas.microsoft.com/office/drawing/2010/main" xmlns="" w="9525">
                     <a:solidFill>
                       <a:srgbClr val="000000"/>
                     </a:solidFill>
@@ -11205,7 +11213,7 @@
               </a:ln>
               <a:extLst>
                 <a:ext uri="{91240B29-F687-4f45-9708-019B960494DF}">
-                  <a14:hiddenLine xmlns="" xmlns:a14="http://schemas.microsoft.com/office/drawing/2010/main" w="9525">
+                  <a14:hiddenLine xmlns:a14="http://schemas.microsoft.com/office/drawing/2010/main" xmlns="" w="9525">
                     <a:solidFill>
                       <a:srgbClr val="000000"/>
                     </a:solidFill>
@@ -11295,7 +11303,7 @@
               </a:ln>
               <a:extLst>
                 <a:ext uri="{91240B29-F687-4f45-9708-019B960494DF}">
-                  <a14:hiddenLine xmlns="" xmlns:a14="http://schemas.microsoft.com/office/drawing/2010/main" w="9525">
+                  <a14:hiddenLine xmlns:a14="http://schemas.microsoft.com/office/drawing/2010/main" xmlns="" w="9525">
                     <a:solidFill>
                       <a:srgbClr val="000000"/>
                     </a:solidFill>
@@ -11360,7 +11368,7 @@
               </a:ln>
               <a:extLst>
                 <a:ext uri="{91240B29-F687-4f45-9708-019B960494DF}">
-                  <a14:hiddenLine xmlns="" xmlns:a14="http://schemas.microsoft.com/office/drawing/2010/main" w="9525">
+                  <a14:hiddenLine xmlns:a14="http://schemas.microsoft.com/office/drawing/2010/main" xmlns="" w="9525">
                     <a:solidFill>
                       <a:srgbClr val="000000"/>
                     </a:solidFill>
@@ -11450,7 +11458,7 @@
               </a:ln>
               <a:extLst>
                 <a:ext uri="{91240B29-F687-4f45-9708-019B960494DF}">
-                  <a14:hiddenLine xmlns="" xmlns:a14="http://schemas.microsoft.com/office/drawing/2010/main" w="9525">
+                  <a14:hiddenLine xmlns:a14="http://schemas.microsoft.com/office/drawing/2010/main" xmlns="" w="9525">
                     <a:solidFill>
                       <a:srgbClr val="000000"/>
                     </a:solidFill>
@@ -11518,7 +11526,7 @@
               </a:ln>
               <a:extLst>
                 <a:ext uri="{91240B29-F687-4f45-9708-019B960494DF}">
-                  <a14:hiddenLine xmlns="" xmlns:a14="http://schemas.microsoft.com/office/drawing/2010/main" w="9525">
+                  <a14:hiddenLine xmlns:a14="http://schemas.microsoft.com/office/drawing/2010/main" xmlns="" w="9525">
                     <a:solidFill>
                       <a:srgbClr val="000000"/>
                     </a:solidFill>
@@ -11608,7 +11616,7 @@
               </a:ln>
               <a:extLst>
                 <a:ext uri="{91240B29-F687-4f45-9708-019B960494DF}">
-                  <a14:hiddenLine xmlns="" xmlns:a14="http://schemas.microsoft.com/office/drawing/2010/main" w="9525">
+                  <a14:hiddenLine xmlns:a14="http://schemas.microsoft.com/office/drawing/2010/main" xmlns="" w="9525">
                     <a:solidFill>
                       <a:srgbClr val="000000"/>
                     </a:solidFill>
@@ -11676,7 +11684,7 @@
               </a:ln>
               <a:extLst>
                 <a:ext uri="{91240B29-F687-4f45-9708-019B960494DF}">
-                  <a14:hiddenLine xmlns="" xmlns:a14="http://schemas.microsoft.com/office/drawing/2010/main" w="9525">
+                  <a14:hiddenLine xmlns:a14="http://schemas.microsoft.com/office/drawing/2010/main" xmlns="" w="9525">
                     <a:solidFill>
                       <a:srgbClr val="000000"/>
                     </a:solidFill>
@@ -11766,7 +11774,7 @@
               </a:ln>
               <a:extLst>
                 <a:ext uri="{91240B29-F687-4f45-9708-019B960494DF}">
-                  <a14:hiddenLine xmlns="" xmlns:a14="http://schemas.microsoft.com/office/drawing/2010/main" w="9525">
+                  <a14:hiddenLine xmlns:a14="http://schemas.microsoft.com/office/drawing/2010/main" xmlns="" w="9525">
                     <a:solidFill>
                       <a:srgbClr val="000000"/>
                     </a:solidFill>
@@ -11800,7 +11808,7 @@
               </a:ln>
               <a:extLst>
                 <a:ext uri="{91240B29-F687-4f45-9708-019B960494DF}">
-                  <a14:hiddenLine xmlns="" xmlns:a14="http://schemas.microsoft.com/office/drawing/2010/main" w="9525">
+                  <a14:hiddenLine xmlns:a14="http://schemas.microsoft.com/office/drawing/2010/main" xmlns="" w="9525">
                     <a:solidFill>
                       <a:srgbClr val="000000"/>
                     </a:solidFill>
@@ -12742,7 +12750,7 @@
           <a:noFill/>
           <a:extLst>
             <a:ext uri="{909E8E84-426E-40dd-AFC4-6F175D3DCCD1}">
-              <a14:hiddenFill xmlns="" xmlns:a16="http://schemas.microsoft.com/office/drawing/2014/main" xmlns:a14="http://schemas.microsoft.com/office/drawing/2010/main" xmlns:p14="http://schemas.microsoft.com/office/powerpoint/2010/main">
+              <a14:hiddenFill xmlns:p14="http://schemas.microsoft.com/office/powerpoint/2010/main" xmlns:a14="http://schemas.microsoft.com/office/drawing/2010/main" xmlns:a16="http://schemas.microsoft.com/office/drawing/2014/main" xmlns="">
                 <a:solidFill>
                   <a:srgbClr val="FFFFFF"/>
                 </a:solidFill>
@@ -12833,7 +12841,7 @@
             </a:ln>
             <a:extLst>
               <a:ext uri="{91240B29-F687-4f45-9708-019B960494DF}">
-                <a14:hiddenLine xmlns="" xmlns:a16="http://schemas.microsoft.com/office/drawing/2014/main" xmlns:a14="http://schemas.microsoft.com/office/drawing/2010/main" xmlns:p14="http://schemas.microsoft.com/office/powerpoint/2010/main" w="9525">
+                <a14:hiddenLine xmlns:p14="http://schemas.microsoft.com/office/powerpoint/2010/main" xmlns:a14="http://schemas.microsoft.com/office/drawing/2010/main" xmlns:a16="http://schemas.microsoft.com/office/drawing/2014/main" xmlns="" w="9525">
                   <a:solidFill>
                     <a:srgbClr val="000000"/>
                   </a:solidFill>
@@ -12938,7 +12946,7 @@
             </a:ln>
             <a:extLst>
               <a:ext uri="{91240B29-F687-4f45-9708-019B960494DF}">
-                <a14:hiddenLine xmlns="" xmlns:a16="http://schemas.microsoft.com/office/drawing/2014/main" xmlns:a14="http://schemas.microsoft.com/office/drawing/2010/main" xmlns:p14="http://schemas.microsoft.com/office/powerpoint/2010/main" w="9525">
+                <a14:hiddenLine xmlns:p14="http://schemas.microsoft.com/office/powerpoint/2010/main" xmlns:a14="http://schemas.microsoft.com/office/drawing/2010/main" xmlns:a16="http://schemas.microsoft.com/office/drawing/2014/main" xmlns="" w="9525">
                   <a:solidFill>
                     <a:srgbClr val="000000"/>
                   </a:solidFill>
@@ -13043,7 +13051,7 @@
             </a:ln>
             <a:extLst>
               <a:ext uri="{91240B29-F687-4f45-9708-019B960494DF}">
-                <a14:hiddenLine xmlns="" xmlns:a16="http://schemas.microsoft.com/office/drawing/2014/main" xmlns:a14="http://schemas.microsoft.com/office/drawing/2010/main" xmlns:p14="http://schemas.microsoft.com/office/powerpoint/2010/main" w="9525">
+                <a14:hiddenLine xmlns:p14="http://schemas.microsoft.com/office/powerpoint/2010/main" xmlns:a14="http://schemas.microsoft.com/office/drawing/2010/main" xmlns:a16="http://schemas.microsoft.com/office/drawing/2014/main" xmlns="" w="9525">
                   <a:solidFill>
                     <a:srgbClr val="000000"/>
                   </a:solidFill>
@@ -13092,7 +13100,7 @@
             </a:ln>
             <a:extLst>
               <a:ext uri="{91240B29-F687-4f45-9708-019B960494DF}">
-                <a14:hiddenLine xmlns="" xmlns:a16="http://schemas.microsoft.com/office/drawing/2014/main" xmlns:a14="http://schemas.microsoft.com/office/drawing/2010/main" xmlns:p14="http://schemas.microsoft.com/office/powerpoint/2010/main" w="9525">
+                <a14:hiddenLine xmlns:p14="http://schemas.microsoft.com/office/powerpoint/2010/main" xmlns:a14="http://schemas.microsoft.com/office/drawing/2010/main" xmlns:a16="http://schemas.microsoft.com/office/drawing/2014/main" xmlns="" w="9525">
                   <a:solidFill>
                     <a:srgbClr val="000000"/>
                   </a:solidFill>
@@ -13197,7 +13205,7 @@
             </a:ln>
             <a:extLst>
               <a:ext uri="{91240B29-F687-4f45-9708-019B960494DF}">
-                <a14:hiddenLine xmlns="" xmlns:a16="http://schemas.microsoft.com/office/drawing/2014/main" xmlns:a14="http://schemas.microsoft.com/office/drawing/2010/main" xmlns:p14="http://schemas.microsoft.com/office/powerpoint/2010/main" w="9525">
+                <a14:hiddenLine xmlns:p14="http://schemas.microsoft.com/office/powerpoint/2010/main" xmlns:a14="http://schemas.microsoft.com/office/drawing/2010/main" xmlns:a16="http://schemas.microsoft.com/office/drawing/2014/main" xmlns="" w="9525">
                   <a:solidFill>
                     <a:srgbClr val="000000"/>
                   </a:solidFill>
@@ -13274,7 +13282,7 @@
             </a:ln>
             <a:extLst>
               <a:ext uri="{91240B29-F687-4f45-9708-019B960494DF}">
-                <a14:hiddenLine xmlns="" xmlns:a16="http://schemas.microsoft.com/office/drawing/2014/main" xmlns:a14="http://schemas.microsoft.com/office/drawing/2010/main" xmlns:p14="http://schemas.microsoft.com/office/powerpoint/2010/main" w="9525">
+                <a14:hiddenLine xmlns:p14="http://schemas.microsoft.com/office/powerpoint/2010/main" xmlns:a14="http://schemas.microsoft.com/office/drawing/2010/main" xmlns:a16="http://schemas.microsoft.com/office/drawing/2014/main" xmlns="" w="9525">
                   <a:solidFill>
                     <a:srgbClr val="000000"/>
                   </a:solidFill>
@@ -13351,7 +13359,7 @@
             </a:ln>
             <a:extLst>
               <a:ext uri="{91240B29-F687-4f45-9708-019B960494DF}">
-                <a14:hiddenLine xmlns="" xmlns:a16="http://schemas.microsoft.com/office/drawing/2014/main" xmlns:a14="http://schemas.microsoft.com/office/drawing/2010/main" xmlns:p14="http://schemas.microsoft.com/office/powerpoint/2010/main" w="9525">
+                <a14:hiddenLine xmlns:p14="http://schemas.microsoft.com/office/powerpoint/2010/main" xmlns:a14="http://schemas.microsoft.com/office/drawing/2010/main" xmlns:a16="http://schemas.microsoft.com/office/drawing/2014/main" xmlns="" w="9525">
                   <a:solidFill>
                     <a:srgbClr val="000000"/>
                   </a:solidFill>
@@ -13456,7 +13464,7 @@
             </a:ln>
             <a:extLst>
               <a:ext uri="{91240B29-F687-4f45-9708-019B960494DF}">
-                <a14:hiddenLine xmlns="" xmlns:a16="http://schemas.microsoft.com/office/drawing/2014/main" xmlns:a14="http://schemas.microsoft.com/office/drawing/2010/main" xmlns:p14="http://schemas.microsoft.com/office/powerpoint/2010/main" w="9525">
+                <a14:hiddenLine xmlns:p14="http://schemas.microsoft.com/office/powerpoint/2010/main" xmlns:a14="http://schemas.microsoft.com/office/drawing/2010/main" xmlns:a16="http://schemas.microsoft.com/office/drawing/2014/main" xmlns="" w="9525">
                   <a:solidFill>
                     <a:srgbClr val="000000"/>
                   </a:solidFill>
@@ -13533,7 +13541,7 @@
             </a:ln>
             <a:extLst>
               <a:ext uri="{91240B29-F687-4f45-9708-019B960494DF}">
-                <a14:hiddenLine xmlns="" xmlns:a16="http://schemas.microsoft.com/office/drawing/2014/main" xmlns:a14="http://schemas.microsoft.com/office/drawing/2010/main" xmlns:p14="http://schemas.microsoft.com/office/powerpoint/2010/main" w="9525">
+                <a14:hiddenLine xmlns:p14="http://schemas.microsoft.com/office/powerpoint/2010/main" xmlns:a14="http://schemas.microsoft.com/office/drawing/2010/main" xmlns:a16="http://schemas.microsoft.com/office/drawing/2014/main" xmlns="" w="9525">
                   <a:solidFill>
                     <a:srgbClr val="000000"/>
                   </a:solidFill>
@@ -13610,7 +13618,7 @@
             </a:ln>
             <a:extLst>
               <a:ext uri="{91240B29-F687-4f45-9708-019B960494DF}">
-                <a14:hiddenLine xmlns="" xmlns:a16="http://schemas.microsoft.com/office/drawing/2014/main" xmlns:a14="http://schemas.microsoft.com/office/drawing/2010/main" xmlns:p14="http://schemas.microsoft.com/office/powerpoint/2010/main" w="9525">
+                <a14:hiddenLine xmlns:p14="http://schemas.microsoft.com/office/powerpoint/2010/main" xmlns:a14="http://schemas.microsoft.com/office/drawing/2010/main" xmlns:a16="http://schemas.microsoft.com/office/drawing/2014/main" xmlns="" w="9525">
                   <a:solidFill>
                     <a:srgbClr val="000000"/>
                   </a:solidFill>
@@ -13715,7 +13723,7 @@
             </a:ln>
             <a:extLst>
               <a:ext uri="{91240B29-F687-4f45-9708-019B960494DF}">
-                <a14:hiddenLine xmlns="" xmlns:a16="http://schemas.microsoft.com/office/drawing/2014/main" xmlns:a14="http://schemas.microsoft.com/office/drawing/2010/main" xmlns:p14="http://schemas.microsoft.com/office/powerpoint/2010/main" w="9525">
+                <a14:hiddenLine xmlns:p14="http://schemas.microsoft.com/office/powerpoint/2010/main" xmlns:a14="http://schemas.microsoft.com/office/drawing/2010/main" xmlns:a16="http://schemas.microsoft.com/office/drawing/2014/main" xmlns="" w="9525">
                   <a:solidFill>
                     <a:srgbClr val="000000"/>
                   </a:solidFill>
@@ -13820,7 +13828,7 @@
             </a:ln>
             <a:extLst>
               <a:ext uri="{91240B29-F687-4f45-9708-019B960494DF}">
-                <a14:hiddenLine xmlns="" xmlns:a16="http://schemas.microsoft.com/office/drawing/2014/main" xmlns:a14="http://schemas.microsoft.com/office/drawing/2010/main" xmlns:p14="http://schemas.microsoft.com/office/powerpoint/2010/main" w="9525">
+                <a14:hiddenLine xmlns:p14="http://schemas.microsoft.com/office/powerpoint/2010/main" xmlns:a14="http://schemas.microsoft.com/office/drawing/2010/main" xmlns:a16="http://schemas.microsoft.com/office/drawing/2014/main" xmlns="" w="9525">
                   <a:solidFill>
                     <a:srgbClr val="000000"/>
                   </a:solidFill>
@@ -13897,7 +13905,7 @@
             </a:ln>
             <a:extLst>
               <a:ext uri="{91240B29-F687-4f45-9708-019B960494DF}">
-                <a14:hiddenLine xmlns="" xmlns:a16="http://schemas.microsoft.com/office/drawing/2014/main" xmlns:a14="http://schemas.microsoft.com/office/drawing/2010/main" xmlns:p14="http://schemas.microsoft.com/office/powerpoint/2010/main" w="9525">
+                <a14:hiddenLine xmlns:p14="http://schemas.microsoft.com/office/powerpoint/2010/main" xmlns:a14="http://schemas.microsoft.com/office/drawing/2010/main" xmlns:a16="http://schemas.microsoft.com/office/drawing/2014/main" xmlns="" w="9525">
                   <a:solidFill>
                     <a:srgbClr val="000000"/>
                   </a:solidFill>
@@ -14022,7 +14030,7 @@
             </a:ln>
             <a:extLst>
               <a:ext uri="{91240B29-F687-4f45-9708-019B960494DF}">
-                <a14:hiddenLine xmlns="" xmlns:a16="http://schemas.microsoft.com/office/drawing/2014/main" xmlns:a14="http://schemas.microsoft.com/office/drawing/2010/main" xmlns:p14="http://schemas.microsoft.com/office/powerpoint/2010/main" w="9525">
+                <a14:hiddenLine xmlns:p14="http://schemas.microsoft.com/office/powerpoint/2010/main" xmlns:a14="http://schemas.microsoft.com/office/drawing/2010/main" xmlns:a16="http://schemas.microsoft.com/office/drawing/2014/main" xmlns="" w="9525">
                   <a:solidFill>
                     <a:srgbClr val="000000"/>
                   </a:solidFill>
@@ -14099,7 +14107,7 @@
             </a:ln>
             <a:extLst>
               <a:ext uri="{91240B29-F687-4f45-9708-019B960494DF}">
-                <a14:hiddenLine xmlns="" xmlns:a16="http://schemas.microsoft.com/office/drawing/2014/main" xmlns:a14="http://schemas.microsoft.com/office/drawing/2010/main" xmlns:p14="http://schemas.microsoft.com/office/powerpoint/2010/main" w="9525">
+                <a14:hiddenLine xmlns:p14="http://schemas.microsoft.com/office/powerpoint/2010/main" xmlns:a14="http://schemas.microsoft.com/office/drawing/2010/main" xmlns:a16="http://schemas.microsoft.com/office/drawing/2014/main" xmlns="" w="9525">
                   <a:solidFill>
                     <a:srgbClr val="000000"/>
                   </a:solidFill>
@@ -14204,7 +14212,7 @@
             </a:ln>
             <a:extLst>
               <a:ext uri="{91240B29-F687-4f45-9708-019B960494DF}">
-                <a14:hiddenLine xmlns="" xmlns:a16="http://schemas.microsoft.com/office/drawing/2014/main" xmlns:a14="http://schemas.microsoft.com/office/drawing/2010/main" xmlns:p14="http://schemas.microsoft.com/office/powerpoint/2010/main" w="9525">
+                <a14:hiddenLine xmlns:p14="http://schemas.microsoft.com/office/powerpoint/2010/main" xmlns:a14="http://schemas.microsoft.com/office/drawing/2010/main" xmlns:a16="http://schemas.microsoft.com/office/drawing/2014/main" xmlns="" w="9525">
                   <a:solidFill>
                     <a:srgbClr val="000000"/>
                   </a:solidFill>
@@ -14309,7 +14317,7 @@
             </a:ln>
             <a:extLst>
               <a:ext uri="{91240B29-F687-4f45-9708-019B960494DF}">
-                <a14:hiddenLine xmlns="" xmlns:a16="http://schemas.microsoft.com/office/drawing/2014/main" xmlns:a14="http://schemas.microsoft.com/office/drawing/2010/main" xmlns:p14="http://schemas.microsoft.com/office/powerpoint/2010/main" w="9525">
+                <a14:hiddenLine xmlns:p14="http://schemas.microsoft.com/office/powerpoint/2010/main" xmlns:a14="http://schemas.microsoft.com/office/drawing/2010/main" xmlns:a16="http://schemas.microsoft.com/office/drawing/2014/main" xmlns="" w="9525">
                   <a:solidFill>
                     <a:srgbClr val="000000"/>
                   </a:solidFill>
@@ -14386,7 +14394,7 @@
             </a:ln>
             <a:extLst>
               <a:ext uri="{91240B29-F687-4f45-9708-019B960494DF}">
-                <a14:hiddenLine xmlns="" xmlns:a16="http://schemas.microsoft.com/office/drawing/2014/main" xmlns:a14="http://schemas.microsoft.com/office/drawing/2010/main" xmlns:p14="http://schemas.microsoft.com/office/powerpoint/2010/main" w="9525">
+                <a14:hiddenLine xmlns:p14="http://schemas.microsoft.com/office/powerpoint/2010/main" xmlns:a14="http://schemas.microsoft.com/office/drawing/2010/main" xmlns:a16="http://schemas.microsoft.com/office/drawing/2014/main" xmlns="" w="9525">
                   <a:solidFill>
                     <a:srgbClr val="000000"/>
                   </a:solidFill>
@@ -14491,7 +14499,7 @@
             </a:ln>
             <a:extLst>
               <a:ext uri="{91240B29-F687-4f45-9708-019B960494DF}">
-                <a14:hiddenLine xmlns="" xmlns:a16="http://schemas.microsoft.com/office/drawing/2014/main" xmlns:a14="http://schemas.microsoft.com/office/drawing/2010/main" xmlns:p14="http://schemas.microsoft.com/office/powerpoint/2010/main" w="9525">
+                <a14:hiddenLine xmlns:p14="http://schemas.microsoft.com/office/powerpoint/2010/main" xmlns:a14="http://schemas.microsoft.com/office/drawing/2010/main" xmlns:a16="http://schemas.microsoft.com/office/drawing/2014/main" xmlns="" w="9525">
                   <a:solidFill>
                     <a:srgbClr val="000000"/>
                   </a:solidFill>
@@ -14596,7 +14604,7 @@
             </a:ln>
             <a:extLst>
               <a:ext uri="{91240B29-F687-4f45-9708-019B960494DF}">
-                <a14:hiddenLine xmlns="" xmlns:a16="http://schemas.microsoft.com/office/drawing/2014/main" xmlns:a14="http://schemas.microsoft.com/office/drawing/2010/main" xmlns:p14="http://schemas.microsoft.com/office/powerpoint/2010/main" w="9525">
+                <a14:hiddenLine xmlns:p14="http://schemas.microsoft.com/office/powerpoint/2010/main" xmlns:a14="http://schemas.microsoft.com/office/drawing/2010/main" xmlns:a16="http://schemas.microsoft.com/office/drawing/2014/main" xmlns="" w="9525">
                   <a:solidFill>
                     <a:srgbClr val="000000"/>
                   </a:solidFill>
@@ -14667,7 +14675,7 @@
             </a:ln>
             <a:extLst>
               <a:ext uri="{91240B29-F687-4f45-9708-019B960494DF}">
-                <a14:hiddenLine xmlns="" xmlns:a16="http://schemas.microsoft.com/office/drawing/2014/main" xmlns:a14="http://schemas.microsoft.com/office/drawing/2010/main" xmlns:p14="http://schemas.microsoft.com/office/powerpoint/2010/main" w="9525">
+                <a14:hiddenLine xmlns:p14="http://schemas.microsoft.com/office/powerpoint/2010/main" xmlns:a14="http://schemas.microsoft.com/office/drawing/2010/main" xmlns:a16="http://schemas.microsoft.com/office/drawing/2014/main" xmlns="" w="9525">
                   <a:solidFill>
                     <a:srgbClr val="000000"/>
                   </a:solidFill>
@@ -14772,7 +14780,7 @@
             </a:ln>
             <a:extLst>
               <a:ext uri="{91240B29-F687-4f45-9708-019B960494DF}">
-                <a14:hiddenLine xmlns="" xmlns:a16="http://schemas.microsoft.com/office/drawing/2014/main" xmlns:a14="http://schemas.microsoft.com/office/drawing/2010/main" xmlns:p14="http://schemas.microsoft.com/office/powerpoint/2010/main" w="9525">
+                <a14:hiddenLine xmlns:p14="http://schemas.microsoft.com/office/powerpoint/2010/main" xmlns:a14="http://schemas.microsoft.com/office/drawing/2010/main" xmlns:a16="http://schemas.microsoft.com/office/drawing/2014/main" xmlns="" w="9525">
                   <a:solidFill>
                     <a:srgbClr val="000000"/>
                   </a:solidFill>
@@ -14843,7 +14851,7 @@
             </a:ln>
             <a:extLst>
               <a:ext uri="{91240B29-F687-4f45-9708-019B960494DF}">
-                <a14:hiddenLine xmlns="" xmlns:a16="http://schemas.microsoft.com/office/drawing/2014/main" xmlns:a14="http://schemas.microsoft.com/office/drawing/2010/main" xmlns:p14="http://schemas.microsoft.com/office/powerpoint/2010/main" w="9525">
+                <a14:hiddenLine xmlns:p14="http://schemas.microsoft.com/office/powerpoint/2010/main" xmlns:a14="http://schemas.microsoft.com/office/drawing/2010/main" xmlns:a16="http://schemas.microsoft.com/office/drawing/2014/main" xmlns="" w="9525">
                   <a:solidFill>
                     <a:srgbClr val="000000"/>
                   </a:solidFill>
@@ -14948,7 +14956,7 @@
             </a:ln>
             <a:extLst>
               <a:ext uri="{91240B29-F687-4f45-9708-019B960494DF}">
-                <a14:hiddenLine xmlns="" xmlns:a16="http://schemas.microsoft.com/office/drawing/2014/main" xmlns:a14="http://schemas.microsoft.com/office/drawing/2010/main" xmlns:p14="http://schemas.microsoft.com/office/powerpoint/2010/main" w="9525">
+                <a14:hiddenLine xmlns:p14="http://schemas.microsoft.com/office/powerpoint/2010/main" xmlns:a14="http://schemas.microsoft.com/office/drawing/2010/main" xmlns:a16="http://schemas.microsoft.com/office/drawing/2014/main" xmlns="" w="9525">
                   <a:solidFill>
                     <a:srgbClr val="000000"/>
                   </a:solidFill>
@@ -15031,7 +15039,7 @@
             </a:ln>
             <a:extLst>
               <a:ext uri="{91240B29-F687-4f45-9708-019B960494DF}">
-                <a14:hiddenLine xmlns="" xmlns:a16="http://schemas.microsoft.com/office/drawing/2014/main" xmlns:a14="http://schemas.microsoft.com/office/drawing/2010/main" xmlns:p14="http://schemas.microsoft.com/office/powerpoint/2010/main" w="9525">
+                <a14:hiddenLine xmlns:p14="http://schemas.microsoft.com/office/powerpoint/2010/main" xmlns:a14="http://schemas.microsoft.com/office/drawing/2010/main" xmlns:a16="http://schemas.microsoft.com/office/drawing/2014/main" xmlns="" w="9525">
                   <a:solidFill>
                     <a:srgbClr val="000000"/>
                   </a:solidFill>
@@ -15136,7 +15144,7 @@
             </a:ln>
             <a:extLst>
               <a:ext uri="{91240B29-F687-4f45-9708-019B960494DF}">
-                <a14:hiddenLine xmlns="" xmlns:a16="http://schemas.microsoft.com/office/drawing/2014/main" xmlns:a14="http://schemas.microsoft.com/office/drawing/2010/main" xmlns:p14="http://schemas.microsoft.com/office/powerpoint/2010/main" w="9525">
+                <a14:hiddenLine xmlns:p14="http://schemas.microsoft.com/office/powerpoint/2010/main" xmlns:a14="http://schemas.microsoft.com/office/drawing/2010/main" xmlns:a16="http://schemas.microsoft.com/office/drawing/2014/main" xmlns="" w="9525">
                   <a:solidFill>
                     <a:srgbClr val="000000"/>
                   </a:solidFill>
@@ -15219,7 +15227,7 @@
             </a:ln>
             <a:extLst>
               <a:ext uri="{91240B29-F687-4f45-9708-019B960494DF}">
-                <a14:hiddenLine xmlns="" xmlns:a16="http://schemas.microsoft.com/office/drawing/2014/main" xmlns:a14="http://schemas.microsoft.com/office/drawing/2010/main" xmlns:p14="http://schemas.microsoft.com/office/powerpoint/2010/main" w="9525">
+                <a14:hiddenLine xmlns:p14="http://schemas.microsoft.com/office/powerpoint/2010/main" xmlns:a14="http://schemas.microsoft.com/office/drawing/2010/main" xmlns:a16="http://schemas.microsoft.com/office/drawing/2014/main" xmlns="" w="9525">
                   <a:solidFill>
                     <a:srgbClr val="000000"/>
                   </a:solidFill>
@@ -15324,7 +15332,7 @@
             </a:ln>
             <a:extLst>
               <a:ext uri="{91240B29-F687-4f45-9708-019B960494DF}">
-                <a14:hiddenLine xmlns="" xmlns:a16="http://schemas.microsoft.com/office/drawing/2014/main" xmlns:a14="http://schemas.microsoft.com/office/drawing/2010/main" xmlns:p14="http://schemas.microsoft.com/office/powerpoint/2010/main" w="9525">
+                <a14:hiddenLine xmlns:p14="http://schemas.microsoft.com/office/powerpoint/2010/main" xmlns:a14="http://schemas.microsoft.com/office/drawing/2010/main" xmlns:a16="http://schemas.microsoft.com/office/drawing/2014/main" xmlns="" w="9525">
                   <a:solidFill>
                     <a:srgbClr val="000000"/>
                   </a:solidFill>
@@ -15373,7 +15381,7 @@
             </a:ln>
             <a:extLst>
               <a:ext uri="{91240B29-F687-4f45-9708-019B960494DF}">
-                <a14:hiddenLine xmlns="" xmlns:a16="http://schemas.microsoft.com/office/drawing/2014/main" xmlns:a14="http://schemas.microsoft.com/office/drawing/2010/main" xmlns:p14="http://schemas.microsoft.com/office/powerpoint/2010/main" w="9525">
+                <a14:hiddenLine xmlns:p14="http://schemas.microsoft.com/office/powerpoint/2010/main" xmlns:a14="http://schemas.microsoft.com/office/drawing/2010/main" xmlns:a16="http://schemas.microsoft.com/office/drawing/2014/main" xmlns="" w="9525">
                   <a:solidFill>
                     <a:srgbClr val="000000"/>
                   </a:solidFill>
@@ -15478,7 +15486,7 @@
             </a:ln>
             <a:extLst>
               <a:ext uri="{91240B29-F687-4f45-9708-019B960494DF}">
-                <a14:hiddenLine xmlns="" xmlns:a16="http://schemas.microsoft.com/office/drawing/2014/main" xmlns:a14="http://schemas.microsoft.com/office/drawing/2010/main" xmlns:p14="http://schemas.microsoft.com/office/powerpoint/2010/main" w="9525">
+                <a14:hiddenLine xmlns:p14="http://schemas.microsoft.com/office/powerpoint/2010/main" xmlns:a14="http://schemas.microsoft.com/office/drawing/2010/main" xmlns:a16="http://schemas.microsoft.com/office/drawing/2014/main" xmlns="" w="9525">
                   <a:solidFill>
                     <a:srgbClr val="000000"/>
                   </a:solidFill>
@@ -15555,7 +15563,7 @@
             </a:ln>
             <a:extLst>
               <a:ext uri="{91240B29-F687-4f45-9708-019B960494DF}">
-                <a14:hiddenLine xmlns="" xmlns:a16="http://schemas.microsoft.com/office/drawing/2014/main" xmlns:a14="http://schemas.microsoft.com/office/drawing/2010/main" xmlns:p14="http://schemas.microsoft.com/office/powerpoint/2010/main" w="9525">
+                <a14:hiddenLine xmlns:p14="http://schemas.microsoft.com/office/powerpoint/2010/main" xmlns:a14="http://schemas.microsoft.com/office/drawing/2010/main" xmlns:a16="http://schemas.microsoft.com/office/drawing/2014/main" xmlns="" w="9525">
                   <a:solidFill>
                     <a:srgbClr val="000000"/>
                   </a:solidFill>
@@ -15632,7 +15640,7 @@
             </a:ln>
             <a:extLst>
               <a:ext uri="{91240B29-F687-4f45-9708-019B960494DF}">
-                <a14:hiddenLine xmlns="" xmlns:a16="http://schemas.microsoft.com/office/drawing/2014/main" xmlns:a14="http://schemas.microsoft.com/office/drawing/2010/main" xmlns:p14="http://schemas.microsoft.com/office/powerpoint/2010/main" w="9525">
+                <a14:hiddenLine xmlns:p14="http://schemas.microsoft.com/office/powerpoint/2010/main" xmlns:a14="http://schemas.microsoft.com/office/drawing/2010/main" xmlns:a16="http://schemas.microsoft.com/office/drawing/2014/main" xmlns="" w="9525">
                   <a:solidFill>
                     <a:srgbClr val="000000"/>
                   </a:solidFill>
@@ -15737,7 +15745,7 @@
             </a:ln>
             <a:extLst>
               <a:ext uri="{91240B29-F687-4f45-9708-019B960494DF}">
-                <a14:hiddenLine xmlns="" xmlns:a16="http://schemas.microsoft.com/office/drawing/2014/main" xmlns:a14="http://schemas.microsoft.com/office/drawing/2010/main" xmlns:p14="http://schemas.microsoft.com/office/powerpoint/2010/main" w="9525">
+                <a14:hiddenLine xmlns:p14="http://schemas.microsoft.com/office/powerpoint/2010/main" xmlns:a14="http://schemas.microsoft.com/office/drawing/2010/main" xmlns:a16="http://schemas.microsoft.com/office/drawing/2014/main" xmlns="" w="9525">
                   <a:solidFill>
                     <a:srgbClr val="000000"/>
                   </a:solidFill>
@@ -15820,7 +15828,7 @@
             </a:ln>
             <a:extLst>
               <a:ext uri="{91240B29-F687-4f45-9708-019B960494DF}">
-                <a14:hiddenLine xmlns="" xmlns:a16="http://schemas.microsoft.com/office/drawing/2014/main" xmlns:a14="http://schemas.microsoft.com/office/drawing/2010/main" xmlns:p14="http://schemas.microsoft.com/office/powerpoint/2010/main" w="9525">
+                <a14:hiddenLine xmlns:p14="http://schemas.microsoft.com/office/powerpoint/2010/main" xmlns:a14="http://schemas.microsoft.com/office/drawing/2010/main" xmlns:a16="http://schemas.microsoft.com/office/drawing/2014/main" xmlns="" w="9525">
                   <a:solidFill>
                     <a:srgbClr val="000000"/>
                   </a:solidFill>
@@ -15897,7 +15905,7 @@
             </a:ln>
             <a:extLst>
               <a:ext uri="{91240B29-F687-4f45-9708-019B960494DF}">
-                <a14:hiddenLine xmlns="" xmlns:a16="http://schemas.microsoft.com/office/drawing/2014/main" xmlns:a14="http://schemas.microsoft.com/office/drawing/2010/main" xmlns:p14="http://schemas.microsoft.com/office/powerpoint/2010/main" w="9525">
+                <a14:hiddenLine xmlns:p14="http://schemas.microsoft.com/office/powerpoint/2010/main" xmlns:a14="http://schemas.microsoft.com/office/drawing/2010/main" xmlns:a16="http://schemas.microsoft.com/office/drawing/2014/main" xmlns="" w="9525">
                   <a:solidFill>
                     <a:srgbClr val="000000"/>
                   </a:solidFill>
@@ -16002,7 +16010,7 @@
             </a:ln>
             <a:extLst>
               <a:ext uri="{91240B29-F687-4f45-9708-019B960494DF}">
-                <a14:hiddenLine xmlns="" xmlns:a16="http://schemas.microsoft.com/office/drawing/2014/main" xmlns:a14="http://schemas.microsoft.com/office/drawing/2010/main" xmlns:p14="http://schemas.microsoft.com/office/powerpoint/2010/main" w="9525">
+                <a14:hiddenLine xmlns:p14="http://schemas.microsoft.com/office/powerpoint/2010/main" xmlns:a14="http://schemas.microsoft.com/office/drawing/2010/main" xmlns:a16="http://schemas.microsoft.com/office/drawing/2014/main" xmlns="" w="9525">
                   <a:solidFill>
                     <a:srgbClr val="000000"/>
                   </a:solidFill>
@@ -16079,7 +16087,7 @@
             </a:ln>
             <a:extLst>
               <a:ext uri="{91240B29-F687-4f45-9708-019B960494DF}">
-                <a14:hiddenLine xmlns="" xmlns:a16="http://schemas.microsoft.com/office/drawing/2014/main" xmlns:a14="http://schemas.microsoft.com/office/drawing/2010/main" xmlns:p14="http://schemas.microsoft.com/office/powerpoint/2010/main" w="9525">
+                <a14:hiddenLine xmlns:p14="http://schemas.microsoft.com/office/powerpoint/2010/main" xmlns:a14="http://schemas.microsoft.com/office/drawing/2010/main" xmlns:a16="http://schemas.microsoft.com/office/drawing/2014/main" xmlns="" w="9525">
                   <a:solidFill>
                     <a:srgbClr val="000000"/>
                   </a:solidFill>
@@ -16184,7 +16192,7 @@
             </a:ln>
             <a:extLst>
               <a:ext uri="{91240B29-F687-4f45-9708-019B960494DF}">
-                <a14:hiddenLine xmlns="" xmlns:a16="http://schemas.microsoft.com/office/drawing/2014/main" xmlns:a14="http://schemas.microsoft.com/office/drawing/2010/main" xmlns:p14="http://schemas.microsoft.com/office/powerpoint/2010/main" w="9525">
+                <a14:hiddenLine xmlns:p14="http://schemas.microsoft.com/office/powerpoint/2010/main" xmlns:a14="http://schemas.microsoft.com/office/drawing/2010/main" xmlns:a16="http://schemas.microsoft.com/office/drawing/2014/main" xmlns="" w="9525">
                   <a:solidFill>
                     <a:srgbClr val="000000"/>
                   </a:solidFill>
@@ -16261,7 +16269,7 @@
             </a:ln>
             <a:extLst>
               <a:ext uri="{91240B29-F687-4f45-9708-019B960494DF}">
-                <a14:hiddenLine xmlns="" xmlns:a16="http://schemas.microsoft.com/office/drawing/2014/main" xmlns:a14="http://schemas.microsoft.com/office/drawing/2010/main" xmlns:p14="http://schemas.microsoft.com/office/powerpoint/2010/main" w="9525">
+                <a14:hiddenLine xmlns:p14="http://schemas.microsoft.com/office/powerpoint/2010/main" xmlns:a14="http://schemas.microsoft.com/office/drawing/2010/main" xmlns:a16="http://schemas.microsoft.com/office/drawing/2014/main" xmlns="" w="9525">
                   <a:solidFill>
                     <a:srgbClr val="000000"/>
                   </a:solidFill>
@@ -16366,7 +16374,7 @@
             </a:ln>
             <a:extLst>
               <a:ext uri="{91240B29-F687-4f45-9708-019B960494DF}">
-                <a14:hiddenLine xmlns="" xmlns:a16="http://schemas.microsoft.com/office/drawing/2014/main" xmlns:a14="http://schemas.microsoft.com/office/drawing/2010/main" xmlns:p14="http://schemas.microsoft.com/office/powerpoint/2010/main" w="9525">
+                <a14:hiddenLine xmlns:p14="http://schemas.microsoft.com/office/powerpoint/2010/main" xmlns:a14="http://schemas.microsoft.com/office/drawing/2010/main" xmlns:a16="http://schemas.microsoft.com/office/drawing/2014/main" xmlns="" w="9525">
                   <a:solidFill>
                     <a:srgbClr val="000000"/>
                   </a:solidFill>
@@ -16415,7 +16423,7 @@
             </a:ln>
             <a:extLst>
               <a:ext uri="{91240B29-F687-4f45-9708-019B960494DF}">
-                <a14:hiddenLine xmlns="" xmlns:a16="http://schemas.microsoft.com/office/drawing/2014/main" xmlns:a14="http://schemas.microsoft.com/office/drawing/2010/main" xmlns:p14="http://schemas.microsoft.com/office/powerpoint/2010/main" w="9525">
+                <a14:hiddenLine xmlns:p14="http://schemas.microsoft.com/office/powerpoint/2010/main" xmlns:a14="http://schemas.microsoft.com/office/drawing/2010/main" xmlns:a16="http://schemas.microsoft.com/office/drawing/2014/main" xmlns="" w="9525">
                   <a:solidFill>
                     <a:srgbClr val="000000"/>
                   </a:solidFill>
@@ -16495,7 +16503,7 @@
             </a:ln>
             <a:extLst>
               <a:ext uri="{91240B29-F687-4f45-9708-019B960494DF}">
-                <a14:hiddenLine xmlns="" xmlns:a16="http://schemas.microsoft.com/office/drawing/2014/main" xmlns:a14="http://schemas.microsoft.com/office/drawing/2010/main" xmlns:p14="http://schemas.microsoft.com/office/powerpoint/2010/main" w="9525">
+                <a14:hiddenLine xmlns:p14="http://schemas.microsoft.com/office/powerpoint/2010/main" xmlns:a14="http://schemas.microsoft.com/office/drawing/2010/main" xmlns:a16="http://schemas.microsoft.com/office/drawing/2014/main" xmlns="" w="9525">
                   <a:solidFill>
                     <a:srgbClr val="000000"/>
                   </a:solidFill>
@@ -16600,7 +16608,7 @@
             </a:ln>
             <a:extLst>
               <a:ext uri="{91240B29-F687-4f45-9708-019B960494DF}">
-                <a14:hiddenLine xmlns="" xmlns:a16="http://schemas.microsoft.com/office/drawing/2014/main" xmlns:a14="http://schemas.microsoft.com/office/drawing/2010/main" xmlns:p14="http://schemas.microsoft.com/office/powerpoint/2010/main" w="9525">
+                <a14:hiddenLine xmlns:p14="http://schemas.microsoft.com/office/powerpoint/2010/main" xmlns:a14="http://schemas.microsoft.com/office/drawing/2010/main" xmlns:a16="http://schemas.microsoft.com/office/drawing/2014/main" xmlns="" w="9525">
                   <a:solidFill>
                     <a:srgbClr val="000000"/>
                   </a:solidFill>
@@ -16677,7 +16685,7 @@
             </a:ln>
             <a:extLst>
               <a:ext uri="{91240B29-F687-4f45-9708-019B960494DF}">
-                <a14:hiddenLine xmlns="" xmlns:a16="http://schemas.microsoft.com/office/drawing/2014/main" xmlns:a14="http://schemas.microsoft.com/office/drawing/2010/main" xmlns:p14="http://schemas.microsoft.com/office/powerpoint/2010/main" w="9525">
+                <a14:hiddenLine xmlns:p14="http://schemas.microsoft.com/office/powerpoint/2010/main" xmlns:a14="http://schemas.microsoft.com/office/drawing/2010/main" xmlns:a16="http://schemas.microsoft.com/office/drawing/2014/main" xmlns="" w="9525">
                   <a:solidFill>
                     <a:srgbClr val="000000"/>
                   </a:solidFill>
@@ -16782,7 +16790,7 @@
             </a:ln>
             <a:extLst>
               <a:ext uri="{91240B29-F687-4f45-9708-019B960494DF}">
-                <a14:hiddenLine xmlns="" xmlns:a16="http://schemas.microsoft.com/office/drawing/2014/main" xmlns:a14="http://schemas.microsoft.com/office/drawing/2010/main" xmlns:p14="http://schemas.microsoft.com/office/powerpoint/2010/main" w="9525">
+                <a14:hiddenLine xmlns:p14="http://schemas.microsoft.com/office/powerpoint/2010/main" xmlns:a14="http://schemas.microsoft.com/office/drawing/2010/main" xmlns:a16="http://schemas.microsoft.com/office/drawing/2014/main" xmlns="" w="9525">
                   <a:solidFill>
                     <a:srgbClr val="000000"/>
                   </a:solidFill>
@@ -16887,7 +16895,7 @@
             </a:ln>
             <a:extLst>
               <a:ext uri="{91240B29-F687-4f45-9708-019B960494DF}">
-                <a14:hiddenLine xmlns="" xmlns:a16="http://schemas.microsoft.com/office/drawing/2014/main" xmlns:a14="http://schemas.microsoft.com/office/drawing/2010/main" xmlns:p14="http://schemas.microsoft.com/office/powerpoint/2010/main" w="9525">
+                <a14:hiddenLine xmlns:p14="http://schemas.microsoft.com/office/powerpoint/2010/main" xmlns:a14="http://schemas.microsoft.com/office/drawing/2010/main" xmlns:a16="http://schemas.microsoft.com/office/drawing/2014/main" xmlns="" w="9525">
                   <a:solidFill>
                     <a:srgbClr val="000000"/>
                   </a:solidFill>
@@ -16967,7 +16975,7 @@
             </a:ln>
             <a:extLst>
               <a:ext uri="{91240B29-F687-4f45-9708-019B960494DF}">
-                <a14:hiddenLine xmlns="" xmlns:a16="http://schemas.microsoft.com/office/drawing/2014/main" xmlns:a14="http://schemas.microsoft.com/office/drawing/2010/main" xmlns:p14="http://schemas.microsoft.com/office/powerpoint/2010/main" w="9525">
+                <a14:hiddenLine xmlns:p14="http://schemas.microsoft.com/office/powerpoint/2010/main" xmlns:a14="http://schemas.microsoft.com/office/drawing/2010/main" xmlns:a16="http://schemas.microsoft.com/office/drawing/2014/main" xmlns="" w="9525">
                   <a:solidFill>
                     <a:srgbClr val="000000"/>
                   </a:solidFill>
@@ -17044,7 +17052,7 @@
             </a:ln>
             <a:extLst>
               <a:ext uri="{91240B29-F687-4f45-9708-019B960494DF}">
-                <a14:hiddenLine xmlns="" xmlns:a16="http://schemas.microsoft.com/office/drawing/2014/main" xmlns:a14="http://schemas.microsoft.com/office/drawing/2010/main" xmlns:p14="http://schemas.microsoft.com/office/powerpoint/2010/main" w="9525">
+                <a14:hiddenLine xmlns:p14="http://schemas.microsoft.com/office/powerpoint/2010/main" xmlns:a14="http://schemas.microsoft.com/office/drawing/2010/main" xmlns:a16="http://schemas.microsoft.com/office/drawing/2014/main" xmlns="" w="9525">
                   <a:solidFill>
                     <a:srgbClr val="000000"/>
                   </a:solidFill>
@@ -17149,7 +17157,7 @@
             </a:ln>
             <a:extLst>
               <a:ext uri="{91240B29-F687-4f45-9708-019B960494DF}">
-                <a14:hiddenLine xmlns="" xmlns:a16="http://schemas.microsoft.com/office/drawing/2014/main" xmlns:a14="http://schemas.microsoft.com/office/drawing/2010/main" xmlns:p14="http://schemas.microsoft.com/office/powerpoint/2010/main" w="9525">
+                <a14:hiddenLine xmlns:p14="http://schemas.microsoft.com/office/powerpoint/2010/main" xmlns:a14="http://schemas.microsoft.com/office/drawing/2010/main" xmlns:a16="http://schemas.microsoft.com/office/drawing/2014/main" xmlns="" w="9525">
                   <a:solidFill>
                     <a:srgbClr val="000000"/>
                   </a:solidFill>
@@ -17254,7 +17262,7 @@
             </a:ln>
             <a:extLst>
               <a:ext uri="{91240B29-F687-4f45-9708-019B960494DF}">
-                <a14:hiddenLine xmlns="" xmlns:a16="http://schemas.microsoft.com/office/drawing/2014/main" xmlns:a14="http://schemas.microsoft.com/office/drawing/2010/main" xmlns:p14="http://schemas.microsoft.com/office/powerpoint/2010/main" w="9525">
+                <a14:hiddenLine xmlns:p14="http://schemas.microsoft.com/office/powerpoint/2010/main" xmlns:a14="http://schemas.microsoft.com/office/drawing/2010/main" xmlns:a16="http://schemas.microsoft.com/office/drawing/2014/main" xmlns="" w="9525">
                   <a:solidFill>
                     <a:srgbClr val="000000"/>
                   </a:solidFill>
@@ -17331,7 +17339,7 @@
             </a:ln>
             <a:extLst>
               <a:ext uri="{91240B29-F687-4f45-9708-019B960494DF}">
-                <a14:hiddenLine xmlns="" xmlns:a16="http://schemas.microsoft.com/office/drawing/2014/main" xmlns:a14="http://schemas.microsoft.com/office/drawing/2010/main" xmlns:p14="http://schemas.microsoft.com/office/powerpoint/2010/main" w="9525">
+                <a14:hiddenLine xmlns:p14="http://schemas.microsoft.com/office/powerpoint/2010/main" xmlns:a14="http://schemas.microsoft.com/office/drawing/2010/main" xmlns:a16="http://schemas.microsoft.com/office/drawing/2014/main" xmlns="" w="9525">
                   <a:solidFill>
                     <a:srgbClr val="000000"/>
                   </a:solidFill>
@@ -17466,7 +17474,7 @@
             </a:ln>
             <a:extLst>
               <a:ext uri="{91240B29-F687-4f45-9708-019B960494DF}">
-                <a14:hiddenLine xmlns="" xmlns:a16="http://schemas.microsoft.com/office/drawing/2014/main" xmlns:a14="http://schemas.microsoft.com/office/drawing/2010/main" xmlns:p14="http://schemas.microsoft.com/office/powerpoint/2010/main" w="9525">
+                <a14:hiddenLine xmlns:p14="http://schemas.microsoft.com/office/powerpoint/2010/main" xmlns:a14="http://schemas.microsoft.com/office/drawing/2010/main" xmlns:a16="http://schemas.microsoft.com/office/drawing/2014/main" xmlns="" w="9525">
                   <a:solidFill>
                     <a:srgbClr val="000000"/>
                   </a:solidFill>
@@ -17549,7 +17557,7 @@
             </a:ln>
             <a:extLst>
               <a:ext uri="{91240B29-F687-4f45-9708-019B960494DF}">
-                <a14:hiddenLine xmlns="" xmlns:a16="http://schemas.microsoft.com/office/drawing/2014/main" xmlns:a14="http://schemas.microsoft.com/office/drawing/2010/main" xmlns:p14="http://schemas.microsoft.com/office/powerpoint/2010/main" w="9525">
+                <a14:hiddenLine xmlns:p14="http://schemas.microsoft.com/office/powerpoint/2010/main" xmlns:a14="http://schemas.microsoft.com/office/drawing/2010/main" xmlns:a16="http://schemas.microsoft.com/office/drawing/2014/main" xmlns="" w="9525">
                   <a:solidFill>
                     <a:srgbClr val="000000"/>
                   </a:solidFill>
@@ -17654,7 +17662,7 @@
             </a:ln>
             <a:extLst>
               <a:ext uri="{91240B29-F687-4f45-9708-019B960494DF}">
-                <a14:hiddenLine xmlns="" xmlns:a16="http://schemas.microsoft.com/office/drawing/2014/main" xmlns:a14="http://schemas.microsoft.com/office/drawing/2010/main" xmlns:p14="http://schemas.microsoft.com/office/powerpoint/2010/main" w="9525">
+                <a14:hiddenLine xmlns:p14="http://schemas.microsoft.com/office/powerpoint/2010/main" xmlns:a14="http://schemas.microsoft.com/office/drawing/2010/main" xmlns:a16="http://schemas.microsoft.com/office/drawing/2014/main" xmlns="" w="9525">
                   <a:solidFill>
                     <a:srgbClr val="000000"/>
                   </a:solidFill>
@@ -17811,7 +17819,7 @@
             <a:noFill/>
             <a:extLst>
               <a:ext uri="{909E8E84-426E-40dd-AFC4-6F175D3DCCD1}">
-                <a14:hiddenFill xmlns="" xmlns:a16="http://schemas.microsoft.com/office/drawing/2014/main" xmlns:a14="http://schemas.microsoft.com/office/drawing/2010/main" xmlns:p14="http://schemas.microsoft.com/office/powerpoint/2010/main">
+                <a14:hiddenFill xmlns:p14="http://schemas.microsoft.com/office/powerpoint/2010/main" xmlns:a14="http://schemas.microsoft.com/office/drawing/2010/main" xmlns:a16="http://schemas.microsoft.com/office/drawing/2014/main" xmlns="">
                   <a:solidFill>
                     <a:srgbClr val="FFFFFF"/>
                   </a:solidFill>
@@ -17890,7 +17898,7 @@
         <p:spPr>
           <a:xfrm>
             <a:off x="7919656" y="1807131"/>
-            <a:ext cx="3692061" cy="2855357"/>
+            <a:ext cx="3692061" cy="3060144"/>
           </a:xfrm>
         </p:spPr>
         <p:txBody>
@@ -17937,9 +17945,17 @@
                   <a:schemeClr val="tx2"/>
                 </a:solidFill>
               </a:rPr>
-              <a:t>z.</a:t>
+              <a:t>z</a:t>
             </a:r>
-            <a:endParaRPr lang="en-US" sz="1800" cap="all" dirty="0">
+            <a:r>
+              <a:rPr lang="en-US" sz="2000" cap="all" dirty="0" err="1">
+                <a:solidFill>
+                  <a:schemeClr val="tx2"/>
+                </a:solidFill>
+              </a:rPr>
+              <a:t>.</a:t>
+            </a:r>
+            <a:endParaRPr lang="en-US" sz="2000" cap="all" dirty="0">
               <a:solidFill>
                 <a:schemeClr val="tx2"/>
               </a:solidFill>
@@ -17947,7 +17963,7 @@
           </a:p>
           <a:p>
             <a:r>
-              <a:rPr lang="es-AR" sz="1800" cap="all" dirty="0">
+              <a:rPr lang="es-AR" sz="2000" cap="all" dirty="0">
                 <a:solidFill>
                   <a:schemeClr val="tx2"/>
                 </a:solidFill>
@@ -17957,7 +17973,7 @@
           </a:p>
           <a:p>
             <a:r>
-              <a:rPr lang="es-AR" sz="1800" cap="all" dirty="0">
+              <a:rPr lang="es-AR" sz="2000" cap="all" dirty="0">
                 <a:solidFill>
                   <a:schemeClr val="tx2"/>
                 </a:solidFill>
@@ -17973,7 +17989,7 @@
               <a:t>A</a:t>
             </a:r>
             <a:r>
-              <a:rPr lang="es-AR" sz="1800" cap="all" dirty="0">
+              <a:rPr lang="es-AR" sz="2000" cap="all" dirty="0">
                 <a:solidFill>
                   <a:schemeClr val="tx2"/>
                 </a:solidFill>
@@ -17986,7 +18002,15 @@
                   <a:schemeClr val="tx2"/>
                 </a:solidFill>
               </a:rPr>
-              <a:t>s.</a:t>
+              <a:t>s</a:t>
+            </a:r>
+            <a:r>
+              <a:rPr lang="es-AR" sz="2000" cap="all" dirty="0">
+                <a:solidFill>
+                  <a:schemeClr val="tx2"/>
+                </a:solidFill>
+              </a:rPr>
+              <a:t>.</a:t>
             </a:r>
           </a:p>
           <a:p>
@@ -18004,12 +18028,54 @@
                   <a:schemeClr val="tx2"/>
                 </a:solidFill>
               </a:rPr>
-              <a:t>Pts.</a:t>
+              <a:t>Pts</a:t>
+            </a:r>
+            <a:r>
+              <a:rPr lang="es-AR" sz="2000" cap="all" dirty="0">
+                <a:solidFill>
+                  <a:schemeClr val="tx2"/>
+                </a:solidFill>
+              </a:rPr>
+              <a:t>.</a:t>
             </a:r>
           </a:p>
           <a:p>
             <a:r>
-              <a:rPr lang="es-AR" sz="1900" cap="all" dirty="0">
+              <a:rPr lang="es-AR" sz="2000" cap="all" dirty="0" err="1">
+                <a:solidFill>
+                  <a:schemeClr val="tx2"/>
+                </a:solidFill>
+              </a:rPr>
+              <a:t>Bandwidth</a:t>
+            </a:r>
+            <a:r>
+              <a:rPr lang="es-AR" sz="2000" cap="all" dirty="0">
+                <a:solidFill>
+                  <a:schemeClr val="tx2"/>
+                </a:solidFill>
+              </a:rPr>
+              <a:t>: 1GH</a:t>
+            </a:r>
+            <a:r>
+              <a:rPr lang="es-AR" sz="1400" cap="all" dirty="0">
+                <a:solidFill>
+                  <a:schemeClr val="tx2"/>
+                </a:solidFill>
+              </a:rPr>
+              <a:t>z</a:t>
+            </a:r>
+            <a:r>
+              <a:rPr lang="es-AR" sz="2000" cap="all" dirty="0">
+                <a:solidFill>
+                  <a:schemeClr val="tx2"/>
+                </a:solidFill>
+              </a:rPr>
+              <a:t>.</a:t>
+            </a:r>
+          </a:p>
+          <a:p>
+            <a:r>
+              <a:rPr lang="es-AR" sz="2000" cap="all" dirty="0">
                 <a:solidFill>
                   <a:schemeClr val="tx2"/>
                 </a:solidFill>
@@ -18017,7 +18083,7 @@
               <a:t>Hasta 1,000,000 </a:t>
             </a:r>
             <a:r>
-              <a:rPr lang="es-AR" sz="1900" cap="all" dirty="0" err="1">
+              <a:rPr lang="es-AR" sz="2000" cap="all" dirty="0" err="1">
                 <a:solidFill>
                   <a:schemeClr val="tx2"/>
                 </a:solidFill>
@@ -18025,7 +18091,7 @@
               <a:t>wfms</a:t>
             </a:r>
             <a:r>
-              <a:rPr lang="es-AR" sz="1900" cap="all" dirty="0">
+              <a:rPr lang="es-AR" sz="2000" cap="all" dirty="0">
                 <a:solidFill>
                   <a:schemeClr val="tx2"/>
                 </a:solidFill>
@@ -18041,7 +18107,7 @@
               <a:t>s</a:t>
             </a:r>
             <a:r>
-              <a:rPr lang="es-AR" sz="1900" cap="all" dirty="0">
+              <a:rPr lang="es-AR" sz="2000" cap="all" dirty="0">
                 <a:solidFill>
                   <a:schemeClr val="tx2"/>
                 </a:solidFill>
@@ -18050,31 +18116,7 @@
             </a:r>
           </a:p>
           <a:p>
-            <a:r>
-              <a:rPr lang="es-AR" sz="1900" cap="all" dirty="0" err="1">
-                <a:solidFill>
-                  <a:schemeClr val="tx2"/>
-                </a:solidFill>
-              </a:rPr>
-              <a:t>Bandwidth</a:t>
-            </a:r>
-            <a:r>
-              <a:rPr lang="es-AR" sz="1900" cap="all" dirty="0">
-                <a:solidFill>
-                  <a:schemeClr val="tx2"/>
-                </a:solidFill>
-              </a:rPr>
-              <a:t>: 1GH</a:t>
-            </a:r>
-            <a:r>
-              <a:rPr lang="es-AR" sz="1500" cap="all" dirty="0">
-                <a:solidFill>
-                  <a:schemeClr val="tx2"/>
-                </a:solidFill>
-              </a:rPr>
-              <a:t>z.</a:t>
-            </a:r>
-            <a:endParaRPr lang="es-AR" sz="3000" cap="all" dirty="0">
+            <a:endParaRPr lang="es-AR" sz="2000" cap="all" dirty="0">
               <a:solidFill>
                 <a:schemeClr val="tx2"/>
               </a:solidFill>
@@ -18185,7 +18227,7 @@
             </a:ln>
             <a:extLst>
               <a:ext uri="{91240B29-F687-4f45-9708-019B960494DF}">
-                <a14:hiddenLine xmlns="" xmlns:a16="http://schemas.microsoft.com/office/drawing/2014/main" xmlns:a14="http://schemas.microsoft.com/office/drawing/2010/main" xmlns:p14="http://schemas.microsoft.com/office/powerpoint/2010/main" w="9525">
+                <a14:hiddenLine xmlns:p14="http://schemas.microsoft.com/office/powerpoint/2010/main" xmlns:a14="http://schemas.microsoft.com/office/drawing/2010/main" xmlns:a16="http://schemas.microsoft.com/office/drawing/2014/main" xmlns="" w="9525">
                   <a:solidFill>
                     <a:srgbClr val="000000"/>
                   </a:solidFill>
@@ -18290,7 +18332,7 @@
             </a:ln>
             <a:extLst>
               <a:ext uri="{91240B29-F687-4f45-9708-019B960494DF}">
-                <a14:hiddenLine xmlns="" xmlns:a16="http://schemas.microsoft.com/office/drawing/2014/main" xmlns:a14="http://schemas.microsoft.com/office/drawing/2010/main" xmlns:p14="http://schemas.microsoft.com/office/powerpoint/2010/main" w="9525">
+                <a14:hiddenLine xmlns:p14="http://schemas.microsoft.com/office/powerpoint/2010/main" xmlns:a14="http://schemas.microsoft.com/office/drawing/2010/main" xmlns:a16="http://schemas.microsoft.com/office/drawing/2014/main" xmlns="" w="9525">
                   <a:solidFill>
                     <a:srgbClr val="000000"/>
                   </a:solidFill>
@@ -18395,7 +18437,7 @@
             </a:ln>
             <a:extLst>
               <a:ext uri="{91240B29-F687-4f45-9708-019B960494DF}">
-                <a14:hiddenLine xmlns="" xmlns:a16="http://schemas.microsoft.com/office/drawing/2014/main" xmlns:a14="http://schemas.microsoft.com/office/drawing/2010/main" xmlns:p14="http://schemas.microsoft.com/office/powerpoint/2010/main" w="9525">
+                <a14:hiddenLine xmlns:p14="http://schemas.microsoft.com/office/powerpoint/2010/main" xmlns:a14="http://schemas.microsoft.com/office/drawing/2010/main" xmlns:a16="http://schemas.microsoft.com/office/drawing/2014/main" xmlns="" w="9525">
                   <a:solidFill>
                     <a:srgbClr val="000000"/>
                   </a:solidFill>
@@ -18444,7 +18486,7 @@
             </a:ln>
             <a:extLst>
               <a:ext uri="{91240B29-F687-4f45-9708-019B960494DF}">
-                <a14:hiddenLine xmlns="" xmlns:a16="http://schemas.microsoft.com/office/drawing/2014/main" xmlns:a14="http://schemas.microsoft.com/office/drawing/2010/main" xmlns:p14="http://schemas.microsoft.com/office/powerpoint/2010/main" w="9525">
+                <a14:hiddenLine xmlns:p14="http://schemas.microsoft.com/office/powerpoint/2010/main" xmlns:a14="http://schemas.microsoft.com/office/drawing/2010/main" xmlns:a16="http://schemas.microsoft.com/office/drawing/2014/main" xmlns="" w="9525">
                   <a:solidFill>
                     <a:srgbClr val="000000"/>
                   </a:solidFill>
@@ -18549,7 +18591,7 @@
             </a:ln>
             <a:extLst>
               <a:ext uri="{91240B29-F687-4f45-9708-019B960494DF}">
-                <a14:hiddenLine xmlns="" xmlns:a16="http://schemas.microsoft.com/office/drawing/2014/main" xmlns:a14="http://schemas.microsoft.com/office/drawing/2010/main" xmlns:p14="http://schemas.microsoft.com/office/powerpoint/2010/main" w="9525">
+                <a14:hiddenLine xmlns:p14="http://schemas.microsoft.com/office/powerpoint/2010/main" xmlns:a14="http://schemas.microsoft.com/office/drawing/2010/main" xmlns:a16="http://schemas.microsoft.com/office/drawing/2014/main" xmlns="" w="9525">
                   <a:solidFill>
                     <a:srgbClr val="000000"/>
                   </a:solidFill>
@@ -18626,7 +18668,7 @@
             </a:ln>
             <a:extLst>
               <a:ext uri="{91240B29-F687-4f45-9708-019B960494DF}">
-                <a14:hiddenLine xmlns="" xmlns:a16="http://schemas.microsoft.com/office/drawing/2014/main" xmlns:a14="http://schemas.microsoft.com/office/drawing/2010/main" xmlns:p14="http://schemas.microsoft.com/office/powerpoint/2010/main" w="9525">
+                <a14:hiddenLine xmlns:p14="http://schemas.microsoft.com/office/powerpoint/2010/main" xmlns:a14="http://schemas.microsoft.com/office/drawing/2010/main" xmlns:a16="http://schemas.microsoft.com/office/drawing/2014/main" xmlns="" w="9525">
                   <a:solidFill>
                     <a:srgbClr val="000000"/>
                   </a:solidFill>
@@ -18703,7 +18745,7 @@
             </a:ln>
             <a:extLst>
               <a:ext uri="{91240B29-F687-4f45-9708-019B960494DF}">
-                <a14:hiddenLine xmlns="" xmlns:a16="http://schemas.microsoft.com/office/drawing/2014/main" xmlns:a14="http://schemas.microsoft.com/office/drawing/2010/main" xmlns:p14="http://schemas.microsoft.com/office/powerpoint/2010/main" w="9525">
+                <a14:hiddenLine xmlns:p14="http://schemas.microsoft.com/office/powerpoint/2010/main" xmlns:a14="http://schemas.microsoft.com/office/drawing/2010/main" xmlns:a16="http://schemas.microsoft.com/office/drawing/2014/main" xmlns="" w="9525">
                   <a:solidFill>
                     <a:srgbClr val="000000"/>
                   </a:solidFill>
@@ -18808,7 +18850,7 @@
             </a:ln>
             <a:extLst>
               <a:ext uri="{91240B29-F687-4f45-9708-019B960494DF}">
-                <a14:hiddenLine xmlns="" xmlns:a16="http://schemas.microsoft.com/office/drawing/2014/main" xmlns:a14="http://schemas.microsoft.com/office/drawing/2010/main" xmlns:p14="http://schemas.microsoft.com/office/powerpoint/2010/main" w="9525">
+                <a14:hiddenLine xmlns:p14="http://schemas.microsoft.com/office/powerpoint/2010/main" xmlns:a14="http://schemas.microsoft.com/office/drawing/2010/main" xmlns:a16="http://schemas.microsoft.com/office/drawing/2014/main" xmlns="" w="9525">
                   <a:solidFill>
                     <a:srgbClr val="000000"/>
                   </a:solidFill>
@@ -18885,7 +18927,7 @@
             </a:ln>
             <a:extLst>
               <a:ext uri="{91240B29-F687-4f45-9708-019B960494DF}">
-                <a14:hiddenLine xmlns="" xmlns:a16="http://schemas.microsoft.com/office/drawing/2014/main" xmlns:a14="http://schemas.microsoft.com/office/drawing/2010/main" xmlns:p14="http://schemas.microsoft.com/office/powerpoint/2010/main" w="9525">
+                <a14:hiddenLine xmlns:p14="http://schemas.microsoft.com/office/powerpoint/2010/main" xmlns:a14="http://schemas.microsoft.com/office/drawing/2010/main" xmlns:a16="http://schemas.microsoft.com/office/drawing/2014/main" xmlns="" w="9525">
                   <a:solidFill>
                     <a:srgbClr val="000000"/>
                   </a:solidFill>
@@ -18962,7 +19004,7 @@
             </a:ln>
             <a:extLst>
               <a:ext uri="{91240B29-F687-4f45-9708-019B960494DF}">
-                <a14:hiddenLine xmlns="" xmlns:a16="http://schemas.microsoft.com/office/drawing/2014/main" xmlns:a14="http://schemas.microsoft.com/office/drawing/2010/main" xmlns:p14="http://schemas.microsoft.com/office/powerpoint/2010/main" w="9525">
+                <a14:hiddenLine xmlns:p14="http://schemas.microsoft.com/office/powerpoint/2010/main" xmlns:a14="http://schemas.microsoft.com/office/drawing/2010/main" xmlns:a16="http://schemas.microsoft.com/office/drawing/2014/main" xmlns="" w="9525">
                   <a:solidFill>
                     <a:srgbClr val="000000"/>
                   </a:solidFill>
@@ -19067,7 +19109,7 @@
             </a:ln>
             <a:extLst>
               <a:ext uri="{91240B29-F687-4f45-9708-019B960494DF}">
-                <a14:hiddenLine xmlns="" xmlns:a16="http://schemas.microsoft.com/office/drawing/2014/main" xmlns:a14="http://schemas.microsoft.com/office/drawing/2010/main" xmlns:p14="http://schemas.microsoft.com/office/powerpoint/2010/main" w="9525">
+                <a14:hiddenLine xmlns:p14="http://schemas.microsoft.com/office/powerpoint/2010/main" xmlns:a14="http://schemas.microsoft.com/office/drawing/2010/main" xmlns:a16="http://schemas.microsoft.com/office/drawing/2014/main" xmlns="" w="9525">
                   <a:solidFill>
                     <a:srgbClr val="000000"/>
                   </a:solidFill>
@@ -19172,7 +19214,7 @@
             </a:ln>
             <a:extLst>
               <a:ext uri="{91240B29-F687-4f45-9708-019B960494DF}">
-                <a14:hiddenLine xmlns="" xmlns:a16="http://schemas.microsoft.com/office/drawing/2014/main" xmlns:a14="http://schemas.microsoft.com/office/drawing/2010/main" xmlns:p14="http://schemas.microsoft.com/office/powerpoint/2010/main" w="9525">
+                <a14:hiddenLine xmlns:p14="http://schemas.microsoft.com/office/powerpoint/2010/main" xmlns:a14="http://schemas.microsoft.com/office/drawing/2010/main" xmlns:a16="http://schemas.microsoft.com/office/drawing/2014/main" xmlns="" w="9525">
                   <a:solidFill>
                     <a:srgbClr val="000000"/>
                   </a:solidFill>
@@ -19249,7 +19291,7 @@
             </a:ln>
             <a:extLst>
               <a:ext uri="{91240B29-F687-4f45-9708-019B960494DF}">
-                <a14:hiddenLine xmlns="" xmlns:a16="http://schemas.microsoft.com/office/drawing/2014/main" xmlns:a14="http://schemas.microsoft.com/office/drawing/2010/main" xmlns:p14="http://schemas.microsoft.com/office/powerpoint/2010/main" w="9525">
+                <a14:hiddenLine xmlns:p14="http://schemas.microsoft.com/office/powerpoint/2010/main" xmlns:a14="http://schemas.microsoft.com/office/drawing/2010/main" xmlns:a16="http://schemas.microsoft.com/office/drawing/2014/main" xmlns="" w="9525">
                   <a:solidFill>
                     <a:srgbClr val="000000"/>
                   </a:solidFill>
@@ -19374,7 +19416,7 @@
             </a:ln>
             <a:extLst>
               <a:ext uri="{91240B29-F687-4f45-9708-019B960494DF}">
-                <a14:hiddenLine xmlns="" xmlns:a16="http://schemas.microsoft.com/office/drawing/2014/main" xmlns:a14="http://schemas.microsoft.com/office/drawing/2010/main" xmlns:p14="http://schemas.microsoft.com/office/powerpoint/2010/main" w="9525">
+                <a14:hiddenLine xmlns:p14="http://schemas.microsoft.com/office/powerpoint/2010/main" xmlns:a14="http://schemas.microsoft.com/office/drawing/2010/main" xmlns:a16="http://schemas.microsoft.com/office/drawing/2014/main" xmlns="" w="9525">
                   <a:solidFill>
                     <a:srgbClr val="000000"/>
                   </a:solidFill>
@@ -19451,7 +19493,7 @@
             </a:ln>
             <a:extLst>
               <a:ext uri="{91240B29-F687-4f45-9708-019B960494DF}">
-                <a14:hiddenLine xmlns="" xmlns:a16="http://schemas.microsoft.com/office/drawing/2014/main" xmlns:a14="http://schemas.microsoft.com/office/drawing/2010/main" xmlns:p14="http://schemas.microsoft.com/office/powerpoint/2010/main" w="9525">
+                <a14:hiddenLine xmlns:p14="http://schemas.microsoft.com/office/powerpoint/2010/main" xmlns:a14="http://schemas.microsoft.com/office/drawing/2010/main" xmlns:a16="http://schemas.microsoft.com/office/drawing/2014/main" xmlns="" w="9525">
                   <a:solidFill>
                     <a:srgbClr val="000000"/>
                   </a:solidFill>
@@ -19556,7 +19598,7 @@
             </a:ln>
             <a:extLst>
               <a:ext uri="{91240B29-F687-4f45-9708-019B960494DF}">
-                <a14:hiddenLine xmlns="" xmlns:a16="http://schemas.microsoft.com/office/drawing/2014/main" xmlns:a14="http://schemas.microsoft.com/office/drawing/2010/main" xmlns:p14="http://schemas.microsoft.com/office/powerpoint/2010/main" w="9525">
+                <a14:hiddenLine xmlns:p14="http://schemas.microsoft.com/office/powerpoint/2010/main" xmlns:a14="http://schemas.microsoft.com/office/drawing/2010/main" xmlns:a16="http://schemas.microsoft.com/office/drawing/2014/main" xmlns="" w="9525">
                   <a:solidFill>
                     <a:srgbClr val="000000"/>
                   </a:solidFill>
@@ -19661,7 +19703,7 @@
             </a:ln>
             <a:extLst>
               <a:ext uri="{91240B29-F687-4f45-9708-019B960494DF}">
-                <a14:hiddenLine xmlns="" xmlns:a16="http://schemas.microsoft.com/office/drawing/2014/main" xmlns:a14="http://schemas.microsoft.com/office/drawing/2010/main" xmlns:p14="http://schemas.microsoft.com/office/powerpoint/2010/main" w="9525">
+                <a14:hiddenLine xmlns:p14="http://schemas.microsoft.com/office/powerpoint/2010/main" xmlns:a14="http://schemas.microsoft.com/office/drawing/2010/main" xmlns:a16="http://schemas.microsoft.com/office/drawing/2014/main" xmlns="" w="9525">
                   <a:solidFill>
                     <a:srgbClr val="000000"/>
                   </a:solidFill>
@@ -19738,7 +19780,7 @@
             </a:ln>
             <a:extLst>
               <a:ext uri="{91240B29-F687-4f45-9708-019B960494DF}">
-                <a14:hiddenLine xmlns="" xmlns:a16="http://schemas.microsoft.com/office/drawing/2014/main" xmlns:a14="http://schemas.microsoft.com/office/drawing/2010/main" xmlns:p14="http://schemas.microsoft.com/office/powerpoint/2010/main" w="9525">
+                <a14:hiddenLine xmlns:p14="http://schemas.microsoft.com/office/powerpoint/2010/main" xmlns:a14="http://schemas.microsoft.com/office/drawing/2010/main" xmlns:a16="http://schemas.microsoft.com/office/drawing/2014/main" xmlns="" w="9525">
                   <a:solidFill>
                     <a:srgbClr val="000000"/>
                   </a:solidFill>
@@ -19843,7 +19885,7 @@
             </a:ln>
             <a:extLst>
               <a:ext uri="{91240B29-F687-4f45-9708-019B960494DF}">
-                <a14:hiddenLine xmlns="" xmlns:a16="http://schemas.microsoft.com/office/drawing/2014/main" xmlns:a14="http://schemas.microsoft.com/office/drawing/2010/main" xmlns:p14="http://schemas.microsoft.com/office/powerpoint/2010/main" w="9525">
+                <a14:hiddenLine xmlns:p14="http://schemas.microsoft.com/office/powerpoint/2010/main" xmlns:a14="http://schemas.microsoft.com/office/drawing/2010/main" xmlns:a16="http://schemas.microsoft.com/office/drawing/2014/main" xmlns="" w="9525">
                   <a:solidFill>
                     <a:srgbClr val="000000"/>
                   </a:solidFill>
@@ -19948,7 +19990,7 @@
             </a:ln>
             <a:extLst>
               <a:ext uri="{91240B29-F687-4f45-9708-019B960494DF}">
-                <a14:hiddenLine xmlns="" xmlns:a16="http://schemas.microsoft.com/office/drawing/2014/main" xmlns:a14="http://schemas.microsoft.com/office/drawing/2010/main" xmlns:p14="http://schemas.microsoft.com/office/powerpoint/2010/main" w="9525">
+                <a14:hiddenLine xmlns:p14="http://schemas.microsoft.com/office/powerpoint/2010/main" xmlns:a14="http://schemas.microsoft.com/office/drawing/2010/main" xmlns:a16="http://schemas.microsoft.com/office/drawing/2014/main" xmlns="" w="9525">
                   <a:solidFill>
                     <a:srgbClr val="000000"/>
                   </a:solidFill>
@@ -20019,7 +20061,7 @@
             </a:ln>
             <a:extLst>
               <a:ext uri="{91240B29-F687-4f45-9708-019B960494DF}">
-                <a14:hiddenLine xmlns="" xmlns:a16="http://schemas.microsoft.com/office/drawing/2014/main" xmlns:a14="http://schemas.microsoft.com/office/drawing/2010/main" xmlns:p14="http://schemas.microsoft.com/office/powerpoint/2010/main" w="9525">
+                <a14:hiddenLine xmlns:p14="http://schemas.microsoft.com/office/powerpoint/2010/main" xmlns:a14="http://schemas.microsoft.com/office/drawing/2010/main" xmlns:a16="http://schemas.microsoft.com/office/drawing/2014/main" xmlns="" w="9525">
                   <a:solidFill>
                     <a:srgbClr val="000000"/>
                   </a:solidFill>
@@ -20124,7 +20166,7 @@
             </a:ln>
             <a:extLst>
               <a:ext uri="{91240B29-F687-4f45-9708-019B960494DF}">
-                <a14:hiddenLine xmlns="" xmlns:a16="http://schemas.microsoft.com/office/drawing/2014/main" xmlns:a14="http://schemas.microsoft.com/office/drawing/2010/main" xmlns:p14="http://schemas.microsoft.com/office/powerpoint/2010/main" w="9525">
+                <a14:hiddenLine xmlns:p14="http://schemas.microsoft.com/office/powerpoint/2010/main" xmlns:a14="http://schemas.microsoft.com/office/drawing/2010/main" xmlns:a16="http://schemas.microsoft.com/office/drawing/2014/main" xmlns="" w="9525">
                   <a:solidFill>
                     <a:srgbClr val="000000"/>
                   </a:solidFill>
@@ -20195,7 +20237,7 @@
             </a:ln>
             <a:extLst>
               <a:ext uri="{91240B29-F687-4f45-9708-019B960494DF}">
-                <a14:hiddenLine xmlns="" xmlns:a16="http://schemas.microsoft.com/office/drawing/2014/main" xmlns:a14="http://schemas.microsoft.com/office/drawing/2010/main" xmlns:p14="http://schemas.microsoft.com/office/powerpoint/2010/main" w="9525">
+                <a14:hiddenLine xmlns:p14="http://schemas.microsoft.com/office/powerpoint/2010/main" xmlns:a14="http://schemas.microsoft.com/office/drawing/2010/main" xmlns:a16="http://schemas.microsoft.com/office/drawing/2014/main" xmlns="" w="9525">
                   <a:solidFill>
                     <a:srgbClr val="000000"/>
                   </a:solidFill>
@@ -20300,7 +20342,7 @@
             </a:ln>
             <a:extLst>
               <a:ext uri="{91240B29-F687-4f45-9708-019B960494DF}">
-                <a14:hiddenLine xmlns="" xmlns:a16="http://schemas.microsoft.com/office/drawing/2014/main" xmlns:a14="http://schemas.microsoft.com/office/drawing/2010/main" xmlns:p14="http://schemas.microsoft.com/office/powerpoint/2010/main" w="9525">
+                <a14:hiddenLine xmlns:p14="http://schemas.microsoft.com/office/powerpoint/2010/main" xmlns:a14="http://schemas.microsoft.com/office/drawing/2010/main" xmlns:a16="http://schemas.microsoft.com/office/drawing/2014/main" xmlns="" w="9525">
                   <a:solidFill>
                     <a:srgbClr val="000000"/>
                   </a:solidFill>
@@ -20383,7 +20425,7 @@
             </a:ln>
             <a:extLst>
               <a:ext uri="{91240B29-F687-4f45-9708-019B960494DF}">
-                <a14:hiddenLine xmlns="" xmlns:a16="http://schemas.microsoft.com/office/drawing/2014/main" xmlns:a14="http://schemas.microsoft.com/office/drawing/2010/main" xmlns:p14="http://schemas.microsoft.com/office/powerpoint/2010/main" w="9525">
+                <a14:hiddenLine xmlns:p14="http://schemas.microsoft.com/office/powerpoint/2010/main" xmlns:a14="http://schemas.microsoft.com/office/drawing/2010/main" xmlns:a16="http://schemas.microsoft.com/office/drawing/2014/main" xmlns="" w="9525">
                   <a:solidFill>
                     <a:srgbClr val="000000"/>
                   </a:solidFill>
@@ -20488,7 +20530,7 @@
             </a:ln>
             <a:extLst>
               <a:ext uri="{91240B29-F687-4f45-9708-019B960494DF}">
-                <a14:hiddenLine xmlns="" xmlns:a16="http://schemas.microsoft.com/office/drawing/2014/main" xmlns:a14="http://schemas.microsoft.com/office/drawing/2010/main" xmlns:p14="http://schemas.microsoft.com/office/powerpoint/2010/main" w="9525">
+                <a14:hiddenLine xmlns:p14="http://schemas.microsoft.com/office/powerpoint/2010/main" xmlns:a14="http://schemas.microsoft.com/office/drawing/2010/main" xmlns:a16="http://schemas.microsoft.com/office/drawing/2014/main" xmlns="" w="9525">
                   <a:solidFill>
                     <a:srgbClr val="000000"/>
                   </a:solidFill>
@@ -20571,7 +20613,7 @@
             </a:ln>
             <a:extLst>
               <a:ext uri="{91240B29-F687-4f45-9708-019B960494DF}">
-                <a14:hiddenLine xmlns="" xmlns:a16="http://schemas.microsoft.com/office/drawing/2014/main" xmlns:a14="http://schemas.microsoft.com/office/drawing/2010/main" xmlns:p14="http://schemas.microsoft.com/office/powerpoint/2010/main" w="9525">
+                <a14:hiddenLine xmlns:p14="http://schemas.microsoft.com/office/powerpoint/2010/main" xmlns:a14="http://schemas.microsoft.com/office/drawing/2010/main" xmlns:a16="http://schemas.microsoft.com/office/drawing/2014/main" xmlns="" w="9525">
                   <a:solidFill>
                     <a:srgbClr val="000000"/>
                   </a:solidFill>
@@ -20676,7 +20718,7 @@
             </a:ln>
             <a:extLst>
               <a:ext uri="{91240B29-F687-4f45-9708-019B960494DF}">
-                <a14:hiddenLine xmlns="" xmlns:a16="http://schemas.microsoft.com/office/drawing/2014/main" xmlns:a14="http://schemas.microsoft.com/office/drawing/2010/main" xmlns:p14="http://schemas.microsoft.com/office/powerpoint/2010/main" w="9525">
+                <a14:hiddenLine xmlns:p14="http://schemas.microsoft.com/office/powerpoint/2010/main" xmlns:a14="http://schemas.microsoft.com/office/drawing/2010/main" xmlns:a16="http://schemas.microsoft.com/office/drawing/2014/main" xmlns="" w="9525">
                   <a:solidFill>
                     <a:srgbClr val="000000"/>
                   </a:solidFill>
@@ -20725,7 +20767,7 @@
             </a:ln>
             <a:extLst>
               <a:ext uri="{91240B29-F687-4f45-9708-019B960494DF}">
-                <a14:hiddenLine xmlns="" xmlns:a16="http://schemas.microsoft.com/office/drawing/2014/main" xmlns:a14="http://schemas.microsoft.com/office/drawing/2010/main" xmlns:p14="http://schemas.microsoft.com/office/powerpoint/2010/main" w="9525">
+                <a14:hiddenLine xmlns:p14="http://schemas.microsoft.com/office/powerpoint/2010/main" xmlns:a14="http://schemas.microsoft.com/office/drawing/2010/main" xmlns:a16="http://schemas.microsoft.com/office/drawing/2014/main" xmlns="" w="9525">
                   <a:solidFill>
                     <a:srgbClr val="000000"/>
                   </a:solidFill>
@@ -20830,7 +20872,7 @@
             </a:ln>
             <a:extLst>
               <a:ext uri="{91240B29-F687-4f45-9708-019B960494DF}">
-                <a14:hiddenLine xmlns="" xmlns:a16="http://schemas.microsoft.com/office/drawing/2014/main" xmlns:a14="http://schemas.microsoft.com/office/drawing/2010/main" xmlns:p14="http://schemas.microsoft.com/office/powerpoint/2010/main" w="9525">
+                <a14:hiddenLine xmlns:p14="http://schemas.microsoft.com/office/powerpoint/2010/main" xmlns:a14="http://schemas.microsoft.com/office/drawing/2010/main" xmlns:a16="http://schemas.microsoft.com/office/drawing/2014/main" xmlns="" w="9525">
                   <a:solidFill>
                     <a:srgbClr val="000000"/>
                   </a:solidFill>
@@ -20907,7 +20949,7 @@
             </a:ln>
             <a:extLst>
               <a:ext uri="{91240B29-F687-4f45-9708-019B960494DF}">
-                <a14:hiddenLine xmlns="" xmlns:a16="http://schemas.microsoft.com/office/drawing/2014/main" xmlns:a14="http://schemas.microsoft.com/office/drawing/2010/main" xmlns:p14="http://schemas.microsoft.com/office/powerpoint/2010/main" w="9525">
+                <a14:hiddenLine xmlns:p14="http://schemas.microsoft.com/office/powerpoint/2010/main" xmlns:a14="http://schemas.microsoft.com/office/drawing/2010/main" xmlns:a16="http://schemas.microsoft.com/office/drawing/2014/main" xmlns="" w="9525">
                   <a:solidFill>
                     <a:srgbClr val="000000"/>
                   </a:solidFill>
@@ -20984,7 +21026,7 @@
             </a:ln>
             <a:extLst>
               <a:ext uri="{91240B29-F687-4f45-9708-019B960494DF}">
-                <a14:hiddenLine xmlns="" xmlns:a16="http://schemas.microsoft.com/office/drawing/2014/main" xmlns:a14="http://schemas.microsoft.com/office/drawing/2010/main" xmlns:p14="http://schemas.microsoft.com/office/powerpoint/2010/main" w="9525">
+                <a14:hiddenLine xmlns:p14="http://schemas.microsoft.com/office/powerpoint/2010/main" xmlns:a14="http://schemas.microsoft.com/office/drawing/2010/main" xmlns:a16="http://schemas.microsoft.com/office/drawing/2014/main" xmlns="" w="9525">
                   <a:solidFill>
                     <a:srgbClr val="000000"/>
                   </a:solidFill>
@@ -21089,7 +21131,7 @@
             </a:ln>
             <a:extLst>
               <a:ext uri="{91240B29-F687-4f45-9708-019B960494DF}">
-                <a14:hiddenLine xmlns="" xmlns:a16="http://schemas.microsoft.com/office/drawing/2014/main" xmlns:a14="http://schemas.microsoft.com/office/drawing/2010/main" xmlns:p14="http://schemas.microsoft.com/office/powerpoint/2010/main" w="9525">
+                <a14:hiddenLine xmlns:p14="http://schemas.microsoft.com/office/powerpoint/2010/main" xmlns:a14="http://schemas.microsoft.com/office/drawing/2010/main" xmlns:a16="http://schemas.microsoft.com/office/drawing/2014/main" xmlns="" w="9525">
                   <a:solidFill>
                     <a:srgbClr val="000000"/>
                   </a:solidFill>
@@ -21172,7 +21214,7 @@
             </a:ln>
             <a:extLst>
               <a:ext uri="{91240B29-F687-4f45-9708-019B960494DF}">
-                <a14:hiddenLine xmlns="" xmlns:a16="http://schemas.microsoft.com/office/drawing/2014/main" xmlns:a14="http://schemas.microsoft.com/office/drawing/2010/main" xmlns:p14="http://schemas.microsoft.com/office/powerpoint/2010/main" w="9525">
+                <a14:hiddenLine xmlns:p14="http://schemas.microsoft.com/office/powerpoint/2010/main" xmlns:a14="http://schemas.microsoft.com/office/drawing/2010/main" xmlns:a16="http://schemas.microsoft.com/office/drawing/2014/main" xmlns="" w="9525">
                   <a:solidFill>
                     <a:srgbClr val="000000"/>
                   </a:solidFill>
@@ -21249,7 +21291,7 @@
             </a:ln>
             <a:extLst>
               <a:ext uri="{91240B29-F687-4f45-9708-019B960494DF}">
-                <a14:hiddenLine xmlns="" xmlns:a16="http://schemas.microsoft.com/office/drawing/2014/main" xmlns:a14="http://schemas.microsoft.com/office/drawing/2010/main" xmlns:p14="http://schemas.microsoft.com/office/powerpoint/2010/main" w="9525">
+                <a14:hiddenLine xmlns:p14="http://schemas.microsoft.com/office/powerpoint/2010/main" xmlns:a14="http://schemas.microsoft.com/office/drawing/2010/main" xmlns:a16="http://schemas.microsoft.com/office/drawing/2014/main" xmlns="" w="9525">
                   <a:solidFill>
                     <a:srgbClr val="000000"/>
                   </a:solidFill>
@@ -21354,7 +21396,7 @@
             </a:ln>
             <a:extLst>
               <a:ext uri="{91240B29-F687-4f45-9708-019B960494DF}">
-                <a14:hiddenLine xmlns="" xmlns:a16="http://schemas.microsoft.com/office/drawing/2014/main" xmlns:a14="http://schemas.microsoft.com/office/drawing/2010/main" xmlns:p14="http://schemas.microsoft.com/office/powerpoint/2010/main" w="9525">
+                <a14:hiddenLine xmlns:p14="http://schemas.microsoft.com/office/powerpoint/2010/main" xmlns:a14="http://schemas.microsoft.com/office/drawing/2010/main" xmlns:a16="http://schemas.microsoft.com/office/drawing/2014/main" xmlns="" w="9525">
                   <a:solidFill>
                     <a:srgbClr val="000000"/>
                   </a:solidFill>
@@ -21431,7 +21473,7 @@
             </a:ln>
             <a:extLst>
               <a:ext uri="{91240B29-F687-4f45-9708-019B960494DF}">
-                <a14:hiddenLine xmlns="" xmlns:a16="http://schemas.microsoft.com/office/drawing/2014/main" xmlns:a14="http://schemas.microsoft.com/office/drawing/2010/main" xmlns:p14="http://schemas.microsoft.com/office/powerpoint/2010/main" w="9525">
+                <a14:hiddenLine xmlns:p14="http://schemas.microsoft.com/office/powerpoint/2010/main" xmlns:a14="http://schemas.microsoft.com/office/drawing/2010/main" xmlns:a16="http://schemas.microsoft.com/office/drawing/2014/main" xmlns="" w="9525">
                   <a:solidFill>
                     <a:srgbClr val="000000"/>
                   </a:solidFill>
@@ -21536,7 +21578,7 @@
             </a:ln>
             <a:extLst>
               <a:ext uri="{91240B29-F687-4f45-9708-019B960494DF}">
-                <a14:hiddenLine xmlns="" xmlns:a16="http://schemas.microsoft.com/office/drawing/2014/main" xmlns:a14="http://schemas.microsoft.com/office/drawing/2010/main" xmlns:p14="http://schemas.microsoft.com/office/powerpoint/2010/main" w="9525">
+                <a14:hiddenLine xmlns:p14="http://schemas.microsoft.com/office/powerpoint/2010/main" xmlns:a14="http://schemas.microsoft.com/office/drawing/2010/main" xmlns:a16="http://schemas.microsoft.com/office/drawing/2014/main" xmlns="" w="9525">
                   <a:solidFill>
                     <a:srgbClr val="000000"/>
                   </a:solidFill>
@@ -21613,7 +21655,7 @@
             </a:ln>
             <a:extLst>
               <a:ext uri="{91240B29-F687-4f45-9708-019B960494DF}">
-                <a14:hiddenLine xmlns="" xmlns:a16="http://schemas.microsoft.com/office/drawing/2014/main" xmlns:a14="http://schemas.microsoft.com/office/drawing/2010/main" xmlns:p14="http://schemas.microsoft.com/office/powerpoint/2010/main" w="9525">
+                <a14:hiddenLine xmlns:p14="http://schemas.microsoft.com/office/powerpoint/2010/main" xmlns:a14="http://schemas.microsoft.com/office/drawing/2010/main" xmlns:a16="http://schemas.microsoft.com/office/drawing/2014/main" xmlns="" w="9525">
                   <a:solidFill>
                     <a:srgbClr val="000000"/>
                   </a:solidFill>
@@ -21718,7 +21760,7 @@
             </a:ln>
             <a:extLst>
               <a:ext uri="{91240B29-F687-4f45-9708-019B960494DF}">
-                <a14:hiddenLine xmlns="" xmlns:a16="http://schemas.microsoft.com/office/drawing/2014/main" xmlns:a14="http://schemas.microsoft.com/office/drawing/2010/main" xmlns:p14="http://schemas.microsoft.com/office/powerpoint/2010/main" w="9525">
+                <a14:hiddenLine xmlns:p14="http://schemas.microsoft.com/office/powerpoint/2010/main" xmlns:a14="http://schemas.microsoft.com/office/drawing/2010/main" xmlns:a16="http://schemas.microsoft.com/office/drawing/2014/main" xmlns="" w="9525">
                   <a:solidFill>
                     <a:srgbClr val="000000"/>
                   </a:solidFill>
@@ -21767,7 +21809,7 @@
             </a:ln>
             <a:extLst>
               <a:ext uri="{91240B29-F687-4f45-9708-019B960494DF}">
-                <a14:hiddenLine xmlns="" xmlns:a16="http://schemas.microsoft.com/office/drawing/2014/main" xmlns:a14="http://schemas.microsoft.com/office/drawing/2010/main" xmlns:p14="http://schemas.microsoft.com/office/powerpoint/2010/main" w="9525">
+                <a14:hiddenLine xmlns:p14="http://schemas.microsoft.com/office/powerpoint/2010/main" xmlns:a14="http://schemas.microsoft.com/office/drawing/2010/main" xmlns:a16="http://schemas.microsoft.com/office/drawing/2014/main" xmlns="" w="9525">
                   <a:solidFill>
                     <a:srgbClr val="000000"/>
                   </a:solidFill>
@@ -21847,7 +21889,7 @@
             </a:ln>
             <a:extLst>
               <a:ext uri="{91240B29-F687-4f45-9708-019B960494DF}">
-                <a14:hiddenLine xmlns="" xmlns:a16="http://schemas.microsoft.com/office/drawing/2014/main" xmlns:a14="http://schemas.microsoft.com/office/drawing/2010/main" xmlns:p14="http://schemas.microsoft.com/office/powerpoint/2010/main" w="9525">
+                <a14:hiddenLine xmlns:p14="http://schemas.microsoft.com/office/powerpoint/2010/main" xmlns:a14="http://schemas.microsoft.com/office/drawing/2010/main" xmlns:a16="http://schemas.microsoft.com/office/drawing/2014/main" xmlns="" w="9525">
                   <a:solidFill>
                     <a:srgbClr val="000000"/>
                   </a:solidFill>
@@ -21952,7 +21994,7 @@
             </a:ln>
             <a:extLst>
               <a:ext uri="{91240B29-F687-4f45-9708-019B960494DF}">
-                <a14:hiddenLine xmlns="" xmlns:a16="http://schemas.microsoft.com/office/drawing/2014/main" xmlns:a14="http://schemas.microsoft.com/office/drawing/2010/main" xmlns:p14="http://schemas.microsoft.com/office/powerpoint/2010/main" w="9525">
+                <a14:hiddenLine xmlns:p14="http://schemas.microsoft.com/office/powerpoint/2010/main" xmlns:a14="http://schemas.microsoft.com/office/drawing/2010/main" xmlns:a16="http://schemas.microsoft.com/office/drawing/2014/main" xmlns="" w="9525">
                   <a:solidFill>
                     <a:srgbClr val="000000"/>
                   </a:solidFill>
@@ -22029,7 +22071,7 @@
             </a:ln>
             <a:extLst>
               <a:ext uri="{91240B29-F687-4f45-9708-019B960494DF}">
-                <a14:hiddenLine xmlns="" xmlns:a16="http://schemas.microsoft.com/office/drawing/2014/main" xmlns:a14="http://schemas.microsoft.com/office/drawing/2010/main" xmlns:p14="http://schemas.microsoft.com/office/powerpoint/2010/main" w="9525">
+                <a14:hiddenLine xmlns:p14="http://schemas.microsoft.com/office/powerpoint/2010/main" xmlns:a14="http://schemas.microsoft.com/office/drawing/2010/main" xmlns:a16="http://schemas.microsoft.com/office/drawing/2014/main" xmlns="" w="9525">
                   <a:solidFill>
                     <a:srgbClr val="000000"/>
                   </a:solidFill>
@@ -22134,7 +22176,7 @@
             </a:ln>
             <a:extLst>
               <a:ext uri="{91240B29-F687-4f45-9708-019B960494DF}">
-                <a14:hiddenLine xmlns="" xmlns:a16="http://schemas.microsoft.com/office/drawing/2014/main" xmlns:a14="http://schemas.microsoft.com/office/drawing/2010/main" xmlns:p14="http://schemas.microsoft.com/office/powerpoint/2010/main" w="9525">
+                <a14:hiddenLine xmlns:p14="http://schemas.microsoft.com/office/powerpoint/2010/main" xmlns:a14="http://schemas.microsoft.com/office/drawing/2010/main" xmlns:a16="http://schemas.microsoft.com/office/drawing/2014/main" xmlns="" w="9525">
                   <a:solidFill>
                     <a:srgbClr val="000000"/>
                   </a:solidFill>
@@ -22239,7 +22281,7 @@
             </a:ln>
             <a:extLst>
               <a:ext uri="{91240B29-F687-4f45-9708-019B960494DF}">
-                <a14:hiddenLine xmlns="" xmlns:a16="http://schemas.microsoft.com/office/drawing/2014/main" xmlns:a14="http://schemas.microsoft.com/office/drawing/2010/main" xmlns:p14="http://schemas.microsoft.com/office/powerpoint/2010/main" w="9525">
+                <a14:hiddenLine xmlns:p14="http://schemas.microsoft.com/office/powerpoint/2010/main" xmlns:a14="http://schemas.microsoft.com/office/drawing/2010/main" xmlns:a16="http://schemas.microsoft.com/office/drawing/2014/main" xmlns="" w="9525">
                   <a:solidFill>
                     <a:srgbClr val="000000"/>
                   </a:solidFill>
@@ -22319,7 +22361,7 @@
             </a:ln>
             <a:extLst>
               <a:ext uri="{91240B29-F687-4f45-9708-019B960494DF}">
-                <a14:hiddenLine xmlns="" xmlns:a16="http://schemas.microsoft.com/office/drawing/2014/main" xmlns:a14="http://schemas.microsoft.com/office/drawing/2010/main" xmlns:p14="http://schemas.microsoft.com/office/powerpoint/2010/main" w="9525">
+                <a14:hiddenLine xmlns:p14="http://schemas.microsoft.com/office/powerpoint/2010/main" xmlns:a14="http://schemas.microsoft.com/office/drawing/2010/main" xmlns:a16="http://schemas.microsoft.com/office/drawing/2014/main" xmlns="" w="9525">
                   <a:solidFill>
                     <a:srgbClr val="000000"/>
                   </a:solidFill>
@@ -22396,7 +22438,7 @@
             </a:ln>
             <a:extLst>
               <a:ext uri="{91240B29-F687-4f45-9708-019B960494DF}">
-                <a14:hiddenLine xmlns="" xmlns:a16="http://schemas.microsoft.com/office/drawing/2014/main" xmlns:a14="http://schemas.microsoft.com/office/drawing/2010/main" xmlns:p14="http://schemas.microsoft.com/office/powerpoint/2010/main" w="9525">
+                <a14:hiddenLine xmlns:p14="http://schemas.microsoft.com/office/powerpoint/2010/main" xmlns:a14="http://schemas.microsoft.com/office/drawing/2010/main" xmlns:a16="http://schemas.microsoft.com/office/drawing/2014/main" xmlns="" w="9525">
                   <a:solidFill>
                     <a:srgbClr val="000000"/>
                   </a:solidFill>
@@ -22501,7 +22543,7 @@
             </a:ln>
             <a:extLst>
               <a:ext uri="{91240B29-F687-4f45-9708-019B960494DF}">
-                <a14:hiddenLine xmlns="" xmlns:a16="http://schemas.microsoft.com/office/drawing/2014/main" xmlns:a14="http://schemas.microsoft.com/office/drawing/2010/main" xmlns:p14="http://schemas.microsoft.com/office/powerpoint/2010/main" w="9525">
+                <a14:hiddenLine xmlns:p14="http://schemas.microsoft.com/office/powerpoint/2010/main" xmlns:a14="http://schemas.microsoft.com/office/drawing/2010/main" xmlns:a16="http://schemas.microsoft.com/office/drawing/2014/main" xmlns="" w="9525">
                   <a:solidFill>
                     <a:srgbClr val="000000"/>
                   </a:solidFill>
@@ -22606,7 +22648,7 @@
             </a:ln>
             <a:extLst>
               <a:ext uri="{91240B29-F687-4f45-9708-019B960494DF}">
-                <a14:hiddenLine xmlns="" xmlns:a16="http://schemas.microsoft.com/office/drawing/2014/main" xmlns:a14="http://schemas.microsoft.com/office/drawing/2010/main" xmlns:p14="http://schemas.microsoft.com/office/powerpoint/2010/main" w="9525">
+                <a14:hiddenLine xmlns:p14="http://schemas.microsoft.com/office/powerpoint/2010/main" xmlns:a14="http://schemas.microsoft.com/office/drawing/2010/main" xmlns:a16="http://schemas.microsoft.com/office/drawing/2014/main" xmlns="" w="9525">
                   <a:solidFill>
                     <a:srgbClr val="000000"/>
                   </a:solidFill>
@@ -22683,7 +22725,7 @@
             </a:ln>
             <a:extLst>
               <a:ext uri="{91240B29-F687-4f45-9708-019B960494DF}">
-                <a14:hiddenLine xmlns="" xmlns:a16="http://schemas.microsoft.com/office/drawing/2014/main" xmlns:a14="http://schemas.microsoft.com/office/drawing/2010/main" xmlns:p14="http://schemas.microsoft.com/office/powerpoint/2010/main" w="9525">
+                <a14:hiddenLine xmlns:p14="http://schemas.microsoft.com/office/powerpoint/2010/main" xmlns:a14="http://schemas.microsoft.com/office/drawing/2010/main" xmlns:a16="http://schemas.microsoft.com/office/drawing/2014/main" xmlns="" w="9525">
                   <a:solidFill>
                     <a:srgbClr val="000000"/>
                   </a:solidFill>
@@ -22818,7 +22860,7 @@
             </a:ln>
             <a:extLst>
               <a:ext uri="{91240B29-F687-4f45-9708-019B960494DF}">
-                <a14:hiddenLine xmlns="" xmlns:a16="http://schemas.microsoft.com/office/drawing/2014/main" xmlns:a14="http://schemas.microsoft.com/office/drawing/2010/main" xmlns:p14="http://schemas.microsoft.com/office/powerpoint/2010/main" w="9525">
+                <a14:hiddenLine xmlns:p14="http://schemas.microsoft.com/office/powerpoint/2010/main" xmlns:a14="http://schemas.microsoft.com/office/drawing/2010/main" xmlns:a16="http://schemas.microsoft.com/office/drawing/2014/main" xmlns="" w="9525">
                   <a:solidFill>
                     <a:srgbClr val="000000"/>
                   </a:solidFill>
@@ -22901,7 +22943,7 @@
             </a:ln>
             <a:extLst>
               <a:ext uri="{91240B29-F687-4f45-9708-019B960494DF}">
-                <a14:hiddenLine xmlns="" xmlns:a16="http://schemas.microsoft.com/office/drawing/2014/main" xmlns:a14="http://schemas.microsoft.com/office/drawing/2010/main" xmlns:p14="http://schemas.microsoft.com/office/powerpoint/2010/main" w="9525">
+                <a14:hiddenLine xmlns:p14="http://schemas.microsoft.com/office/powerpoint/2010/main" xmlns:a14="http://schemas.microsoft.com/office/drawing/2010/main" xmlns:a16="http://schemas.microsoft.com/office/drawing/2014/main" xmlns="" w="9525">
                   <a:solidFill>
                     <a:srgbClr val="000000"/>
                   </a:solidFill>
@@ -23006,7 +23048,7 @@
             </a:ln>
             <a:extLst>
               <a:ext uri="{91240B29-F687-4f45-9708-019B960494DF}">
-                <a14:hiddenLine xmlns="" xmlns:a16="http://schemas.microsoft.com/office/drawing/2014/main" xmlns:a14="http://schemas.microsoft.com/office/drawing/2010/main" xmlns:p14="http://schemas.microsoft.com/office/powerpoint/2010/main" w="9525">
+                <a14:hiddenLine xmlns:p14="http://schemas.microsoft.com/office/powerpoint/2010/main" xmlns:a14="http://schemas.microsoft.com/office/drawing/2010/main" xmlns:a16="http://schemas.microsoft.com/office/drawing/2014/main" xmlns="" w="9525">
                   <a:solidFill>
                     <a:srgbClr val="000000"/>
                   </a:solidFill>
@@ -23136,7 +23178,7 @@
             </a:ln>
             <a:extLst>
               <a:ext uri="{91240B29-F687-4f45-9708-019B960494DF}">
-                <a14:hiddenLine xmlns="" xmlns:a16="http://schemas.microsoft.com/office/drawing/2014/main" xmlns:a14="http://schemas.microsoft.com/office/drawing/2010/main" xmlns:p14="http://schemas.microsoft.com/office/powerpoint/2010/main" w="9525">
+                <a14:hiddenLine xmlns:p14="http://schemas.microsoft.com/office/powerpoint/2010/main" xmlns:a14="http://schemas.microsoft.com/office/drawing/2010/main" xmlns:a16="http://schemas.microsoft.com/office/drawing/2014/main" xmlns="" w="9525">
                   <a:solidFill>
                     <a:srgbClr val="000000"/>
                   </a:solidFill>
@@ -23266,7 +23308,7 @@
             </a:ln>
             <a:extLst>
               <a:ext uri="{91240B29-F687-4f45-9708-019B960494DF}">
-                <a14:hiddenLine xmlns="" xmlns:a16="http://schemas.microsoft.com/office/drawing/2014/main" xmlns:a14="http://schemas.microsoft.com/office/drawing/2010/main" xmlns:p14="http://schemas.microsoft.com/office/powerpoint/2010/main" w="9525">
+                <a14:hiddenLine xmlns:p14="http://schemas.microsoft.com/office/powerpoint/2010/main" xmlns:a14="http://schemas.microsoft.com/office/drawing/2010/main" xmlns:a16="http://schemas.microsoft.com/office/drawing/2014/main" xmlns="" w="9525">
                   <a:solidFill>
                     <a:srgbClr val="000000"/>
                   </a:solidFill>
@@ -23371,7 +23413,7 @@
             </a:ln>
             <a:extLst>
               <a:ext uri="{91240B29-F687-4f45-9708-019B960494DF}">
-                <a14:hiddenLine xmlns="" xmlns:a16="http://schemas.microsoft.com/office/drawing/2014/main" xmlns:a14="http://schemas.microsoft.com/office/drawing/2010/main" xmlns:p14="http://schemas.microsoft.com/office/powerpoint/2010/main" w="9525">
+                <a14:hiddenLine xmlns:p14="http://schemas.microsoft.com/office/powerpoint/2010/main" xmlns:a14="http://schemas.microsoft.com/office/drawing/2010/main" xmlns:a16="http://schemas.microsoft.com/office/drawing/2014/main" xmlns="" w="9525">
                   <a:solidFill>
                     <a:srgbClr val="000000"/>
                   </a:solidFill>
@@ -23451,7 +23493,7 @@
             </a:ln>
             <a:extLst>
               <a:ext uri="{91240B29-F687-4f45-9708-019B960494DF}">
-                <a14:hiddenLine xmlns="" xmlns:a16="http://schemas.microsoft.com/office/drawing/2014/main" xmlns:a14="http://schemas.microsoft.com/office/drawing/2010/main" xmlns:p14="http://schemas.microsoft.com/office/powerpoint/2010/main" w="9525">
+                <a14:hiddenLine xmlns:p14="http://schemas.microsoft.com/office/powerpoint/2010/main" xmlns:a14="http://schemas.microsoft.com/office/drawing/2010/main" xmlns:a16="http://schemas.microsoft.com/office/drawing/2014/main" xmlns="" w="9525">
                   <a:solidFill>
                     <a:srgbClr val="000000"/>
                   </a:solidFill>
@@ -23556,7 +23598,7 @@
             </a:ln>
             <a:extLst>
               <a:ext uri="{91240B29-F687-4f45-9708-019B960494DF}">
-                <a14:hiddenLine xmlns="" xmlns:a16="http://schemas.microsoft.com/office/drawing/2014/main" xmlns:a14="http://schemas.microsoft.com/office/drawing/2010/main" xmlns:p14="http://schemas.microsoft.com/office/powerpoint/2010/main" w="9525">
+                <a14:hiddenLine xmlns:p14="http://schemas.microsoft.com/office/powerpoint/2010/main" xmlns:a14="http://schemas.microsoft.com/office/drawing/2010/main" xmlns:a16="http://schemas.microsoft.com/office/drawing/2014/main" xmlns="" w="9525">
                   <a:solidFill>
                     <a:srgbClr val="000000"/>
                   </a:solidFill>
@@ -23639,7 +23681,7 @@
             </a:ln>
             <a:extLst>
               <a:ext uri="{91240B29-F687-4f45-9708-019B960494DF}">
-                <a14:hiddenLine xmlns="" xmlns:a16="http://schemas.microsoft.com/office/drawing/2014/main" xmlns:a14="http://schemas.microsoft.com/office/drawing/2010/main" xmlns:p14="http://schemas.microsoft.com/office/powerpoint/2010/main" w="9525">
+                <a14:hiddenLine xmlns:p14="http://schemas.microsoft.com/office/powerpoint/2010/main" xmlns:a14="http://schemas.microsoft.com/office/drawing/2010/main" xmlns:a16="http://schemas.microsoft.com/office/drawing/2014/main" xmlns="" w="9525">
                   <a:solidFill>
                     <a:srgbClr val="000000"/>
                   </a:solidFill>
@@ -23744,7 +23786,7 @@
             </a:ln>
             <a:extLst>
               <a:ext uri="{91240B29-F687-4f45-9708-019B960494DF}">
-                <a14:hiddenLine xmlns="" xmlns:a16="http://schemas.microsoft.com/office/drawing/2014/main" xmlns:a14="http://schemas.microsoft.com/office/drawing/2010/main" xmlns:p14="http://schemas.microsoft.com/office/powerpoint/2010/main" w="9525">
+                <a14:hiddenLine xmlns:p14="http://schemas.microsoft.com/office/powerpoint/2010/main" xmlns:a14="http://schemas.microsoft.com/office/drawing/2010/main" xmlns:a16="http://schemas.microsoft.com/office/drawing/2014/main" xmlns="" w="9525">
                   <a:solidFill>
                     <a:srgbClr val="000000"/>
                   </a:solidFill>
@@ -23827,7 +23869,7 @@
             </a:ln>
             <a:extLst>
               <a:ext uri="{91240B29-F687-4f45-9708-019B960494DF}">
-                <a14:hiddenLine xmlns="" xmlns:a16="http://schemas.microsoft.com/office/drawing/2014/main" xmlns:a14="http://schemas.microsoft.com/office/drawing/2010/main" xmlns:p14="http://schemas.microsoft.com/office/powerpoint/2010/main" w="9525">
+                <a14:hiddenLine xmlns:p14="http://schemas.microsoft.com/office/powerpoint/2010/main" xmlns:a14="http://schemas.microsoft.com/office/drawing/2010/main" xmlns:a16="http://schemas.microsoft.com/office/drawing/2014/main" xmlns="" w="9525">
                   <a:solidFill>
                     <a:srgbClr val="000000"/>
                   </a:solidFill>
@@ -23932,7 +23974,7 @@
             </a:ln>
             <a:extLst>
               <a:ext uri="{91240B29-F687-4f45-9708-019B960494DF}">
-                <a14:hiddenLine xmlns="" xmlns:a16="http://schemas.microsoft.com/office/drawing/2014/main" xmlns:a14="http://schemas.microsoft.com/office/drawing/2010/main" xmlns:p14="http://schemas.microsoft.com/office/powerpoint/2010/main" w="9525">
+                <a14:hiddenLine xmlns:p14="http://schemas.microsoft.com/office/powerpoint/2010/main" xmlns:a14="http://schemas.microsoft.com/office/drawing/2010/main" xmlns:a16="http://schemas.microsoft.com/office/drawing/2014/main" xmlns="" w="9525">
                   <a:solidFill>
                     <a:srgbClr val="000000"/>
                   </a:solidFill>
@@ -23981,7 +24023,7 @@
             </a:ln>
             <a:extLst>
               <a:ext uri="{91240B29-F687-4f45-9708-019B960494DF}">
-                <a14:hiddenLine xmlns="" xmlns:a16="http://schemas.microsoft.com/office/drawing/2014/main" xmlns:a14="http://schemas.microsoft.com/office/drawing/2010/main" xmlns:p14="http://schemas.microsoft.com/office/powerpoint/2010/main" w="9525">
+                <a14:hiddenLine xmlns:p14="http://schemas.microsoft.com/office/powerpoint/2010/main" xmlns:a14="http://schemas.microsoft.com/office/drawing/2010/main" xmlns:a16="http://schemas.microsoft.com/office/drawing/2014/main" xmlns="" w="9525">
                   <a:solidFill>
                     <a:srgbClr val="000000"/>
                   </a:solidFill>
@@ -24072,6 +24114,66 @@
 <file path=ppt/slides/slide3.xml><?xml version="1.0" encoding="utf-8"?>
 <p:sld xmlns:a="http://schemas.openxmlformats.org/drawingml/2006/main" xmlns:r="http://schemas.openxmlformats.org/officeDocument/2006/relationships" xmlns:p="http://schemas.openxmlformats.org/presentationml/2006/main">
   <p:cSld>
+    <p:spTree>
+      <p:nvGrpSpPr>
+        <p:cNvPr id="1" name=""/>
+        <p:cNvGrpSpPr/>
+        <p:nvPr/>
+      </p:nvGrpSpPr>
+      <p:grpSpPr>
+        <a:xfrm>
+          <a:off x="0" y="0"/>
+          <a:ext cx="0" cy="0"/>
+          <a:chOff x="0" y="0"/>
+          <a:chExt cx="0" cy="0"/>
+        </a:xfrm>
+      </p:grpSpPr>
+      <p:pic>
+        <p:nvPicPr>
+          <p:cNvPr id="2" name="Imagen 1">
+            <a:extLst>
+              <a:ext uri="{FF2B5EF4-FFF2-40B4-BE49-F238E27FC236}">
+                <a16:creationId xmlns:a16="http://schemas.microsoft.com/office/drawing/2014/main" id="{15A61649-CE57-4873-ADB2-47DD6E387881}"/>
+              </a:ext>
+            </a:extLst>
+          </p:cNvPr>
+          <p:cNvPicPr>
+            <a:picLocks noChangeAspect="1"/>
+          </p:cNvPicPr>
+          <p:nvPr/>
+        </p:nvPicPr>
+        <p:blipFill>
+          <a:blip r:embed="rId2"/>
+          <a:stretch>
+            <a:fillRect/>
+          </a:stretch>
+        </p:blipFill>
+        <p:spPr>
+          <a:xfrm>
+            <a:off x="0" y="0"/>
+            <a:ext cx="12192000" cy="6858000"/>
+          </a:xfrm>
+          <a:prstGeom prst="rect">
+            <a:avLst/>
+          </a:prstGeom>
+        </p:spPr>
+      </p:pic>
+    </p:spTree>
+    <p:extLst>
+      <p:ext uri="{BB962C8B-B14F-4D97-AF65-F5344CB8AC3E}">
+        <p14:creationId xmlns:p14="http://schemas.microsoft.com/office/powerpoint/2010/main" val="3867267724"/>
+      </p:ext>
+    </p:extLst>
+  </p:cSld>
+  <p:clrMapOvr>
+    <a:masterClrMapping/>
+  </p:clrMapOvr>
+</p:sld>
+</file>
+
+<file path=ppt/slides/slide4.xml><?xml version="1.0" encoding="utf-8"?>
+<p:sld xmlns:a="http://schemas.openxmlformats.org/drawingml/2006/main" xmlns:r="http://schemas.openxmlformats.org/officeDocument/2006/relationships" xmlns:p="http://schemas.openxmlformats.org/presentationml/2006/main">
+  <p:cSld>
     <p:bg>
       <p:bgPr>
         <a:blipFill>
@@ -24129,7 +24231,7 @@
         </p:nvSpPr>
         <p:spPr>
           <a:xfrm>
-            <a:off x="1141413" y="291946"/>
+            <a:off x="1141413" y="-188779"/>
             <a:ext cx="9905998" cy="1478570"/>
           </a:xfrm>
         </p:spPr>
@@ -24141,7 +24243,7 @@
           <a:p>
             <a:pPr algn="ctr"/>
             <a:r>
-              <a:rPr lang="es-AR" b="1" cap="none" dirty="0">
+              <a:rPr lang="es-AR" sz="4400" b="1" cap="none" dirty="0">
                 <a:ln w="9525">
                   <a:solidFill>
                     <a:schemeClr val="bg1"/>
@@ -24195,7 +24297,7 @@
               </a:lnSpc>
             </a:pPr>
             <a:r>
-              <a:rPr lang="es-AR" sz="2000" dirty="0">
+              <a:rPr lang="es-AR" dirty="0">
                 <a:solidFill>
                   <a:schemeClr val="accent2"/>
                 </a:solidFill>
@@ -24210,7 +24312,7 @@
               </a:lnSpc>
             </a:pPr>
             <a:r>
-              <a:rPr lang="es-AR" sz="2000" dirty="0"/>
+              <a:rPr lang="es-AR" dirty="0"/>
               <a:t>2,5 kg. </a:t>
             </a:r>
           </a:p>
@@ -24221,7 +24323,7 @@
               </a:lnSpc>
             </a:pPr>
             <a:r>
-              <a:rPr lang="es-AR" sz="2000" dirty="0"/>
+              <a:rPr lang="es-AR" dirty="0"/>
               <a:t> 177 mm X 335 mm X 50 mm.</a:t>
             </a:r>
           </a:p>
@@ -24232,11 +24334,11 @@
               </a:lnSpc>
             </a:pPr>
             <a:r>
-              <a:rPr lang="es-AR" sz="2000" dirty="0"/>
+              <a:rPr lang="es-AR" dirty="0"/>
               <a:t> </a:t>
             </a:r>
             <a:r>
-              <a:rPr lang="es-AR" sz="2000" dirty="0">
+              <a:rPr lang="es-AR" dirty="0">
                 <a:solidFill>
                   <a:schemeClr val="accent2"/>
                 </a:solidFill>
@@ -24251,7 +24353,7 @@
               </a:lnSpc>
             </a:pPr>
             <a:r>
-              <a:rPr lang="es-AR" sz="2000" b="1" i="1" dirty="0">
+              <a:rPr lang="es-AR" b="1" i="1" dirty="0">
                 <a:solidFill>
                   <a:schemeClr val="accent6"/>
                 </a:solidFill>
@@ -24259,7 +24361,7 @@
               <a:t>Osciloscopio</a:t>
             </a:r>
             <a:r>
-              <a:rPr lang="es-AR" sz="2000" dirty="0">
+              <a:rPr lang="es-AR" dirty="0">
                 <a:solidFill>
                   <a:schemeClr val="accent6"/>
                 </a:solidFill>
@@ -24274,11 +24376,11 @@
               </a:lnSpc>
             </a:pPr>
             <a:r>
-              <a:rPr lang="en-US" sz="2000" dirty="0"/>
+              <a:rPr lang="en-US" dirty="0"/>
               <a:t>20-MHz </a:t>
             </a:r>
             <a:r>
-              <a:rPr lang="en-US" sz="2000" b="1" i="1" dirty="0">
+              <a:rPr lang="en-US" b="1" i="1" dirty="0">
                 <a:solidFill>
                   <a:schemeClr val="accent6"/>
                 </a:solidFill>
@@ -24286,7 +24388,7 @@
               <a:t>Arbitrary Waveform Generator</a:t>
             </a:r>
             <a:r>
-              <a:rPr lang="en-US" sz="2000" dirty="0">
+              <a:rPr lang="en-US" dirty="0">
                 <a:solidFill>
                   <a:schemeClr val="accent6"/>
                 </a:solidFill>
@@ -24301,11 +24403,11 @@
               </a:lnSpc>
             </a:pPr>
             <a:r>
-              <a:rPr lang="es-ES" sz="2000" dirty="0"/>
+              <a:rPr lang="es-ES" dirty="0"/>
               <a:t> </a:t>
             </a:r>
             <a:r>
-              <a:rPr lang="es-AR" sz="2000" b="1" i="1" dirty="0">
+              <a:rPr lang="es-AR" b="1" i="1" dirty="0">
                 <a:solidFill>
                   <a:schemeClr val="accent6"/>
                 </a:solidFill>
@@ -24313,7 +24415,7 @@
               <a:t>Voltímetro Digital</a:t>
             </a:r>
             <a:r>
-              <a:rPr lang="es-AR" sz="2000" dirty="0">
+              <a:rPr lang="es-AR" dirty="0">
                 <a:solidFill>
                   <a:schemeClr val="accent6"/>
                 </a:solidFill>
@@ -24321,7 +24423,7 @@
               <a:t> </a:t>
             </a:r>
             <a:r>
-              <a:rPr lang="es-AR" sz="2000" dirty="0"/>
+              <a:rPr lang="es-AR" dirty="0"/>
               <a:t>de 3 dígitos.</a:t>
             </a:r>
           </a:p>
@@ -24332,7 +24434,7 @@
               </a:lnSpc>
             </a:pPr>
             <a:r>
-              <a:rPr lang="es-AR" sz="2000" b="1" i="1" dirty="0">
+              <a:rPr lang="es-AR" b="1" i="1" dirty="0">
                 <a:solidFill>
                   <a:schemeClr val="accent6"/>
                 </a:solidFill>
@@ -24340,7 +24442,7 @@
               <a:t>Analizador de Espectros</a:t>
             </a:r>
             <a:r>
-              <a:rPr lang="es-AR" sz="2000" dirty="0">
+              <a:rPr lang="es-AR" dirty="0">
                 <a:solidFill>
                   <a:schemeClr val="accent6"/>
                 </a:solidFill>
@@ -24348,15 +24450,15 @@
               <a:t> </a:t>
             </a:r>
             <a:r>
-              <a:rPr lang="es-AR" sz="2000" dirty="0"/>
+              <a:rPr lang="es-AR" dirty="0"/>
               <a:t>(</a:t>
             </a:r>
             <a:r>
-              <a:rPr lang="en-US" sz="2000" dirty="0"/>
+              <a:rPr lang="en-US" dirty="0"/>
               <a:t>Fast Fourier Analysis</a:t>
             </a:r>
             <a:r>
-              <a:rPr lang="es-ES" sz="2000" dirty="0"/>
+              <a:rPr lang="es-ES" dirty="0"/>
               <a:t>).</a:t>
             </a:r>
           </a:p>
@@ -24367,11 +24469,11 @@
               </a:lnSpc>
             </a:pPr>
             <a:r>
-              <a:rPr lang="es-AR" sz="2000" dirty="0"/>
+              <a:rPr lang="es-AR" dirty="0"/>
               <a:t> Otros: </a:t>
             </a:r>
             <a:r>
-              <a:rPr lang="es-AR" sz="2000" dirty="0">
+              <a:rPr lang="es-AR" dirty="0">
                 <a:solidFill>
                   <a:schemeClr val="accent6"/>
                 </a:solidFill>
@@ -24379,11 +24481,11 @@
               <a:t>Analizador de Protocolos</a:t>
             </a:r>
             <a:r>
-              <a:rPr lang="es-AR" sz="2000" dirty="0"/>
+              <a:rPr lang="es-AR" dirty="0"/>
               <a:t> y </a:t>
             </a:r>
             <a:r>
-              <a:rPr lang="es-AR" sz="2000" dirty="0">
+              <a:rPr lang="es-AR" dirty="0">
                 <a:solidFill>
                   <a:schemeClr val="accent6"/>
                 </a:solidFill>
@@ -24391,7 +24493,7 @@
               <a:t>Frecuencímetro</a:t>
             </a:r>
             <a:r>
-              <a:rPr lang="es-AR" sz="2000" dirty="0"/>
+              <a:rPr lang="es-AR" dirty="0"/>
               <a:t> de 8 dígitos.</a:t>
             </a:r>
           </a:p>
@@ -24466,6 +24568,1859 @@
     <p:extLst>
       <p:ext uri="{BB962C8B-B14F-4D97-AF65-F5344CB8AC3E}">
         <p14:creationId xmlns:p14="http://schemas.microsoft.com/office/powerpoint/2010/main" val="2631007351"/>
+      </p:ext>
+    </p:extLst>
+  </p:cSld>
+  <p:clrMapOvr>
+    <a:masterClrMapping/>
+  </p:clrMapOvr>
+</p:sld>
+</file>
+
+<file path=ppt/slides/slide5.xml><?xml version="1.0" encoding="utf-8"?>
+<p:sld xmlns:a="http://schemas.openxmlformats.org/drawingml/2006/main" xmlns:r="http://schemas.openxmlformats.org/officeDocument/2006/relationships" xmlns:p="http://schemas.openxmlformats.org/presentationml/2006/main">
+  <p:cSld>
+    <p:spTree>
+      <p:nvGrpSpPr>
+        <p:cNvPr id="1" name=""/>
+        <p:cNvGrpSpPr/>
+        <p:nvPr/>
+      </p:nvGrpSpPr>
+      <p:grpSpPr>
+        <a:xfrm>
+          <a:off x="0" y="0"/>
+          <a:ext cx="0" cy="0"/>
+          <a:chOff x="0" y="0"/>
+          <a:chExt cx="0" cy="0"/>
+        </a:xfrm>
+      </p:grpSpPr>
+      <p:sp>
+        <p:nvSpPr>
+          <p:cNvPr id="2" name="Título 1">
+            <a:extLst>
+              <a:ext uri="{FF2B5EF4-FFF2-40B4-BE49-F238E27FC236}">
+                <a16:creationId xmlns:a16="http://schemas.microsoft.com/office/drawing/2014/main" id="{90DA917B-2B2F-4FDE-B920-96AE8EFC6D26}"/>
+              </a:ext>
+            </a:extLst>
+          </p:cNvPr>
+          <p:cNvSpPr>
+            <a:spLocks noGrp="1"/>
+          </p:cNvSpPr>
+          <p:nvPr>
+            <p:ph type="title"/>
+          </p:nvPr>
+        </p:nvSpPr>
+        <p:spPr>
+          <a:xfrm>
+            <a:off x="1109285" y="-223520"/>
+            <a:ext cx="9906000" cy="1477961"/>
+          </a:xfrm>
+        </p:spPr>
+        <p:txBody>
+          <a:bodyPr>
+            <a:normAutofit/>
+          </a:bodyPr>
+          <a:lstStyle/>
+          <a:p>
+            <a:pPr algn="ctr"/>
+            <a:r>
+              <a:rPr lang="es-AR" sz="4400" b="1" cap="none" dirty="0">
+                <a:ln w="9525">
+                  <a:solidFill>
+                    <a:schemeClr val="bg1"/>
+                  </a:solidFill>
+                  <a:prstDash val="solid"/>
+                </a:ln>
+                <a:effectLst>
+                  <a:outerShdw blurRad="12700" dist="38100" dir="2700000" algn="tl" rotWithShape="0">
+                    <a:schemeClr val="bg1">
+                      <a:lumMod val="50000"/>
+                    </a:schemeClr>
+                  </a:outerShdw>
+                </a:effectLst>
+              </a:rPr>
+              <a:t>Competencia</a:t>
+            </a:r>
+          </a:p>
+        </p:txBody>
+      </p:sp>
+      <p:graphicFrame>
+        <p:nvGraphicFramePr>
+          <p:cNvPr id="7" name="Marcador de contenido 6">
+            <a:extLst>
+              <a:ext uri="{FF2B5EF4-FFF2-40B4-BE49-F238E27FC236}">
+                <a16:creationId xmlns:a16="http://schemas.microsoft.com/office/drawing/2014/main" id="{70666156-6325-4E84-9F7E-7C9954255919}"/>
+              </a:ext>
+            </a:extLst>
+          </p:cNvPr>
+          <p:cNvGraphicFramePr>
+            <a:graphicFrameLocks noGrp="1"/>
+          </p:cNvGraphicFramePr>
+          <p:nvPr>
+            <p:ph sz="half" idx="2"/>
+            <p:extLst>
+              <p:ext uri="{D42A27DB-BD31-4B8C-83A1-F6EECF244321}">
+                <p14:modId xmlns:p14="http://schemas.microsoft.com/office/powerpoint/2010/main" val="2223650046"/>
+              </p:ext>
+            </p:extLst>
+          </p:nvPr>
+        </p:nvGraphicFramePr>
+        <p:xfrm>
+          <a:off x="1075570" y="924560"/>
+          <a:ext cx="9973430" cy="5740398"/>
+        </p:xfrm>
+        <a:graphic>
+          <a:graphicData uri="http://schemas.openxmlformats.org/drawingml/2006/table">
+            <a:tbl>
+              <a:tblPr firstRow="1" bandRow="1">
+                <a:tableStyleId>{E8B1032C-EA38-4F05-BA0D-38AFFFC7BED3}</a:tableStyleId>
+              </a:tblPr>
+              <a:tblGrid>
+                <a:gridCol w="1994686">
+                  <a:extLst>
+                    <a:ext uri="{9D8B030D-6E8A-4147-A177-3AD203B41FA5}">
+                      <a16:colId xmlns:a16="http://schemas.microsoft.com/office/drawing/2014/main" val="1383181985"/>
+                    </a:ext>
+                  </a:extLst>
+                </a:gridCol>
+                <a:gridCol w="3989372">
+                  <a:extLst>
+                    <a:ext uri="{9D8B030D-6E8A-4147-A177-3AD203B41FA5}">
+                      <a16:colId xmlns:a16="http://schemas.microsoft.com/office/drawing/2014/main" val="2141071849"/>
+                    </a:ext>
+                  </a:extLst>
+                </a:gridCol>
+                <a:gridCol w="3989372">
+                  <a:extLst>
+                    <a:ext uri="{9D8B030D-6E8A-4147-A177-3AD203B41FA5}">
+                      <a16:colId xmlns:a16="http://schemas.microsoft.com/office/drawing/2014/main" val="796346247"/>
+                    </a:ext>
+                  </a:extLst>
+                </a:gridCol>
+              </a:tblGrid>
+              <a:tr h="637822">
+                <a:tc>
+                  <a:txBody>
+                    <a:bodyPr/>
+                    <a:lstStyle/>
+                    <a:p>
+                      <a:pPr algn="ctr"/>
+                      <a:endParaRPr lang="es-AR" sz="2400" b="1" i="0" dirty="0"/>
+                    </a:p>
+                  </a:txBody>
+                  <a:tcPr anchor="ctr">
+                    <a:lnL w="12700" cap="flat" cmpd="sng" algn="ctr">
+                      <a:noFill/>
+                      <a:prstDash val="solid"/>
+                      <a:round/>
+                      <a:headEnd type="none" w="med" len="med"/>
+                      <a:tailEnd type="none" w="med" len="med"/>
+                    </a:lnL>
+                    <a:lnT w="12700" cap="flat" cmpd="sng" algn="ctr">
+                      <a:noFill/>
+                      <a:prstDash val="solid"/>
+                      <a:round/>
+                      <a:headEnd type="none" w="med" len="med"/>
+                      <a:tailEnd type="none" w="med" len="med"/>
+                    </a:lnT>
+                  </a:tcPr>
+                </a:tc>
+                <a:tc>
+                  <a:txBody>
+                    <a:bodyPr/>
+                    <a:lstStyle/>
+                    <a:p>
+                      <a:pPr marL="0" marR="0" lvl="0" indent="0" algn="ctr" defTabSz="914400" rtl="0" eaLnBrk="1" fontAlgn="auto" latinLnBrk="0" hangingPunct="1">
+                        <a:lnSpc>
+                          <a:spcPct val="100000"/>
+                        </a:lnSpc>
+                        <a:spcBef>
+                          <a:spcPts val="0"/>
+                        </a:spcBef>
+                        <a:spcAft>
+                          <a:spcPts val="0"/>
+                        </a:spcAft>
+                        <a:buClrTx/>
+                        <a:buSzTx/>
+                        <a:buFontTx/>
+                        <a:buNone/>
+                        <a:tabLst/>
+                        <a:defRPr/>
+                      </a:pPr>
+                      <a:r>
+                        <a:rPr lang="es-AR" sz="3200" cap="none" dirty="0" err="1">
+                          <a:ln w="9525">
+                            <a:solidFill>
+                              <a:schemeClr val="bg1"/>
+                            </a:solidFill>
+                            <a:prstDash val="solid"/>
+                          </a:ln>
+                          <a:effectLst>
+                            <a:outerShdw blurRad="12700" dist="38100" dir="2700000" algn="tl" rotWithShape="0">
+                              <a:schemeClr val="bg1">
+                                <a:lumMod val="50000"/>
+                              </a:schemeClr>
+                            </a:outerShdw>
+                          </a:effectLst>
+                        </a:rPr>
+                        <a:t>Keysight</a:t>
+                      </a:r>
+                      <a:r>
+                        <a:rPr lang="es-AR" sz="3200" cap="none" dirty="0">
+                          <a:ln w="9525">
+                            <a:solidFill>
+                              <a:schemeClr val="bg1"/>
+                            </a:solidFill>
+                            <a:prstDash val="solid"/>
+                          </a:ln>
+                          <a:effectLst>
+                            <a:outerShdw blurRad="12700" dist="38100" dir="2700000" algn="tl" rotWithShape="0">
+                              <a:schemeClr val="bg1">
+                                <a:lumMod val="50000"/>
+                              </a:schemeClr>
+                            </a:outerShdw>
+                          </a:effectLst>
+                        </a:rPr>
+                        <a:t> P9241A</a:t>
+                      </a:r>
+                      <a:endParaRPr lang="es-AR" sz="3200" b="1" cap="none" dirty="0">
+                        <a:ln w="9525">
+                          <a:solidFill>
+                            <a:schemeClr val="bg1"/>
+                          </a:solidFill>
+                          <a:prstDash val="solid"/>
+                        </a:ln>
+                        <a:effectLst>
+                          <a:outerShdw blurRad="12700" dist="38100" dir="2700000" algn="tl" rotWithShape="0">
+                            <a:schemeClr val="bg1">
+                              <a:lumMod val="50000"/>
+                            </a:schemeClr>
+                          </a:outerShdw>
+                        </a:effectLst>
+                      </a:endParaRPr>
+                    </a:p>
+                  </a:txBody>
+                  <a:tcPr anchor="ctr"/>
+                </a:tc>
+                <a:tc>
+                  <a:txBody>
+                    <a:bodyPr/>
+                    <a:lstStyle/>
+                    <a:p>
+                      <a:pPr marL="0" marR="0" lvl="0" indent="0" algn="ctr" defTabSz="914400" rtl="0" eaLnBrk="1" fontAlgn="auto" latinLnBrk="0" hangingPunct="1">
+                        <a:lnSpc>
+                          <a:spcPct val="100000"/>
+                        </a:lnSpc>
+                        <a:spcBef>
+                          <a:spcPts val="0"/>
+                        </a:spcBef>
+                        <a:spcAft>
+                          <a:spcPts val="0"/>
+                        </a:spcAft>
+                        <a:buClrTx/>
+                        <a:buSzTx/>
+                        <a:buFontTx/>
+                        <a:buNone/>
+                        <a:tabLst/>
+                        <a:defRPr/>
+                      </a:pPr>
+                      <a:r>
+                        <a:rPr lang="es-AR" sz="3200" cap="none" dirty="0" err="1">
+                          <a:ln w="9525">
+                            <a:solidFill>
+                              <a:schemeClr val="bg1"/>
+                            </a:solidFill>
+                            <a:prstDash val="solid"/>
+                          </a:ln>
+                          <a:effectLst>
+                            <a:outerShdw blurRad="12700" dist="38100" dir="2700000" algn="tl" rotWithShape="0">
+                              <a:schemeClr val="bg1">
+                                <a:lumMod val="50000"/>
+                              </a:schemeClr>
+                            </a:outerShdw>
+                          </a:effectLst>
+                        </a:rPr>
+                        <a:t>Tektronix</a:t>
+                      </a:r>
+                      <a:r>
+                        <a:rPr lang="es-AR" sz="3200" cap="none" dirty="0">
+                          <a:ln w="9525">
+                            <a:solidFill>
+                              <a:schemeClr val="bg1"/>
+                            </a:solidFill>
+                            <a:prstDash val="solid"/>
+                          </a:ln>
+                          <a:effectLst>
+                            <a:outerShdw blurRad="12700" dist="38100" dir="2700000" algn="tl" rotWithShape="0">
+                              <a:schemeClr val="bg1">
+                                <a:lumMod val="50000"/>
+                              </a:schemeClr>
+                            </a:outerShdw>
+                          </a:effectLst>
+                        </a:rPr>
+                        <a:t> TDS3032C</a:t>
+                      </a:r>
+                      <a:endParaRPr lang="es-AR" sz="3200" b="1" cap="none" dirty="0">
+                        <a:ln w="9525">
+                          <a:solidFill>
+                            <a:schemeClr val="bg1"/>
+                          </a:solidFill>
+                          <a:prstDash val="solid"/>
+                        </a:ln>
+                        <a:effectLst>
+                          <a:outerShdw blurRad="12700" dist="38100" dir="2700000" algn="tl" rotWithShape="0">
+                            <a:schemeClr val="bg1">
+                              <a:lumMod val="50000"/>
+                            </a:schemeClr>
+                          </a:outerShdw>
+                        </a:effectLst>
+                      </a:endParaRPr>
+                    </a:p>
+                  </a:txBody>
+                  <a:tcPr anchor="ctr"/>
+                </a:tc>
+                <a:extLst>
+                  <a:ext uri="{0D108BD9-81ED-4DB2-BD59-A6C34878D82A}">
+                    <a16:rowId xmlns:a16="http://schemas.microsoft.com/office/drawing/2014/main" val="3840987476"/>
+                  </a:ext>
+                </a:extLst>
+              </a:tr>
+              <a:tr h="637822">
+                <a:tc>
+                  <a:txBody>
+                    <a:bodyPr/>
+                    <a:lstStyle/>
+                    <a:p>
+                      <a:pPr algn="ctr"/>
+                      <a:r>
+                        <a:rPr lang="es-AR" sz="2000" b="1" i="0" dirty="0" err="1"/>
+                        <a:t>Bandwidth</a:t>
+                      </a:r>
+                      <a:endParaRPr lang="es-AR" sz="2000" b="1" i="0" dirty="0"/>
+                    </a:p>
+                  </a:txBody>
+                  <a:tcPr anchor="ctr"/>
+                </a:tc>
+                <a:tc>
+                  <a:txBody>
+                    <a:bodyPr/>
+                    <a:lstStyle/>
+                    <a:p>
+                      <a:pPr algn="ctr"/>
+                      <a:r>
+                        <a:rPr lang="es-AR" sz="2000" kern="1200" dirty="0">
+                          <a:solidFill>
+                            <a:schemeClr val="tx1"/>
+                          </a:solidFill>
+                          <a:latin typeface="+mn-lt"/>
+                          <a:ea typeface="+mn-ea"/>
+                          <a:cs typeface="+mn-cs"/>
+                        </a:rPr>
+                        <a:t>200 MHz</a:t>
+                      </a:r>
+                    </a:p>
+                  </a:txBody>
+                  <a:tcPr anchor="ctr"/>
+                </a:tc>
+                <a:tc>
+                  <a:txBody>
+                    <a:bodyPr/>
+                    <a:lstStyle/>
+                    <a:p>
+                      <a:pPr algn="ctr"/>
+                      <a:r>
+                        <a:rPr lang="es-AR" sz="2000" b="1" i="1" u="sng" dirty="0">
+                          <a:solidFill>
+                            <a:schemeClr val="accent6"/>
+                          </a:solidFill>
+                        </a:rPr>
+                        <a:t>300</a:t>
+                      </a:r>
+                      <a:r>
+                        <a:rPr lang="es-AR" sz="2000" b="1" i="1" u="none" dirty="0">
+                          <a:solidFill>
+                            <a:schemeClr val="accent6"/>
+                          </a:solidFill>
+                        </a:rPr>
+                        <a:t> </a:t>
+                      </a:r>
+                      <a:r>
+                        <a:rPr lang="es-AR" sz="2000" b="1" i="1" u="sng" dirty="0">
+                          <a:solidFill>
+                            <a:schemeClr val="accent6"/>
+                          </a:solidFill>
+                        </a:rPr>
+                        <a:t>MHz</a:t>
+                      </a:r>
+                    </a:p>
+                  </a:txBody>
+                  <a:tcPr anchor="ctr"/>
+                </a:tc>
+                <a:extLst>
+                  <a:ext uri="{0D108BD9-81ED-4DB2-BD59-A6C34878D82A}">
+                    <a16:rowId xmlns:a16="http://schemas.microsoft.com/office/drawing/2014/main" val="929851044"/>
+                  </a:ext>
+                </a:extLst>
+              </a:tr>
+              <a:tr h="637822">
+                <a:tc>
+                  <a:txBody>
+                    <a:bodyPr/>
+                    <a:lstStyle/>
+                    <a:p>
+                      <a:pPr algn="ctr"/>
+                      <a:r>
+                        <a:rPr lang="es-AR" sz="2000" b="1" i="0" dirty="0"/>
+                        <a:t>Sample Rate</a:t>
+                      </a:r>
+                    </a:p>
+                  </a:txBody>
+                  <a:tcPr anchor="ctr"/>
+                </a:tc>
+                <a:tc>
+                  <a:txBody>
+                    <a:bodyPr/>
+                    <a:lstStyle/>
+                    <a:p>
+                      <a:pPr algn="ctr"/>
+                      <a:r>
+                        <a:rPr lang="es-AR" sz="2000" b="1" i="1" u="sng" kern="1200" dirty="0">
+                          <a:solidFill>
+                            <a:schemeClr val="accent6"/>
+                          </a:solidFill>
+                          <a:effectLst/>
+                          <a:latin typeface="+mn-lt"/>
+                          <a:ea typeface="+mn-ea"/>
+                          <a:cs typeface="+mn-cs"/>
+                        </a:rPr>
+                        <a:t>5</a:t>
+                      </a:r>
+                      <a:r>
+                        <a:rPr lang="es-AR" sz="2000" b="1" i="1" u="none" kern="1200" dirty="0">
+                          <a:solidFill>
+                            <a:schemeClr val="accent6"/>
+                          </a:solidFill>
+                          <a:effectLst/>
+                          <a:latin typeface="+mn-lt"/>
+                          <a:ea typeface="+mn-ea"/>
+                          <a:cs typeface="+mn-cs"/>
+                        </a:rPr>
+                        <a:t> </a:t>
+                      </a:r>
+                      <a:r>
+                        <a:rPr lang="es-AR" sz="2000" b="1" i="1" u="sng" kern="1200" dirty="0" err="1">
+                          <a:solidFill>
+                            <a:schemeClr val="accent6"/>
+                          </a:solidFill>
+                          <a:effectLst/>
+                          <a:latin typeface="+mn-lt"/>
+                          <a:ea typeface="+mn-ea"/>
+                          <a:cs typeface="+mn-cs"/>
+                        </a:rPr>
+                        <a:t>GSa</a:t>
+                      </a:r>
+                      <a:r>
+                        <a:rPr lang="es-AR" sz="2000" b="1" i="1" u="sng" kern="1200" dirty="0">
+                          <a:solidFill>
+                            <a:schemeClr val="accent6"/>
+                          </a:solidFill>
+                          <a:effectLst/>
+                          <a:latin typeface="+mn-lt"/>
+                          <a:ea typeface="+mn-ea"/>
+                          <a:cs typeface="+mn-cs"/>
+                        </a:rPr>
+                        <a:t>/s</a:t>
+                      </a:r>
+                    </a:p>
+                  </a:txBody>
+                  <a:tcPr anchor="ctr"/>
+                </a:tc>
+                <a:tc>
+                  <a:txBody>
+                    <a:bodyPr/>
+                    <a:lstStyle/>
+                    <a:p>
+                      <a:pPr algn="ctr"/>
+                      <a:r>
+                        <a:rPr lang="es-AR" sz="2000" dirty="0"/>
+                        <a:t>2,5 </a:t>
+                      </a:r>
+                      <a:r>
+                        <a:rPr lang="es-AR" sz="2000" dirty="0" err="1"/>
+                        <a:t>GSa</a:t>
+                      </a:r>
+                      <a:r>
+                        <a:rPr lang="es-AR" sz="2000" dirty="0"/>
+                        <a:t>/s</a:t>
+                      </a:r>
+                    </a:p>
+                  </a:txBody>
+                  <a:tcPr anchor="ctr"/>
+                </a:tc>
+                <a:extLst>
+                  <a:ext uri="{0D108BD9-81ED-4DB2-BD59-A6C34878D82A}">
+                    <a16:rowId xmlns:a16="http://schemas.microsoft.com/office/drawing/2014/main" val="2773039620"/>
+                  </a:ext>
+                </a:extLst>
+              </a:tr>
+              <a:tr h="637822">
+                <a:tc>
+                  <a:txBody>
+                    <a:bodyPr/>
+                    <a:lstStyle/>
+                    <a:p>
+                      <a:pPr algn="ctr"/>
+                      <a:r>
+                        <a:rPr lang="es-AR" sz="2000" b="1" i="0" dirty="0"/>
+                        <a:t>Canales</a:t>
+                      </a:r>
+                    </a:p>
+                  </a:txBody>
+                  <a:tcPr anchor="ctr"/>
+                </a:tc>
+                <a:tc>
+                  <a:txBody>
+                    <a:bodyPr/>
+                    <a:lstStyle/>
+                    <a:p>
+                      <a:pPr algn="ctr"/>
+                      <a:r>
+                        <a:rPr lang="es-AR" sz="2000" kern="1200" dirty="0">
+                          <a:solidFill>
+                            <a:schemeClr val="tx1"/>
+                          </a:solidFill>
+                          <a:latin typeface="+mn-lt"/>
+                          <a:ea typeface="+mn-ea"/>
+                          <a:cs typeface="+mn-cs"/>
+                        </a:rPr>
+                        <a:t>2</a:t>
+                      </a:r>
+                    </a:p>
+                  </a:txBody>
+                  <a:tcPr anchor="ctr"/>
+                </a:tc>
+                <a:tc>
+                  <a:txBody>
+                    <a:bodyPr/>
+                    <a:lstStyle/>
+                    <a:p>
+                      <a:pPr algn="ctr"/>
+                      <a:r>
+                        <a:rPr lang="es-AR" sz="2000" dirty="0"/>
+                        <a:t>2</a:t>
+                      </a:r>
+                    </a:p>
+                  </a:txBody>
+                  <a:tcPr anchor="ctr"/>
+                </a:tc>
+                <a:extLst>
+                  <a:ext uri="{0D108BD9-81ED-4DB2-BD59-A6C34878D82A}">
+                    <a16:rowId xmlns:a16="http://schemas.microsoft.com/office/drawing/2014/main" val="1660978795"/>
+                  </a:ext>
+                </a:extLst>
+              </a:tr>
+              <a:tr h="637822">
+                <a:tc>
+                  <a:txBody>
+                    <a:bodyPr/>
+                    <a:lstStyle/>
+                    <a:p>
+                      <a:pPr algn="ctr"/>
+                      <a:r>
+                        <a:rPr lang="es-AR" sz="2000" b="1" i="0" dirty="0"/>
+                        <a:t>Memoria</a:t>
+                      </a:r>
+                    </a:p>
+                  </a:txBody>
+                  <a:tcPr anchor="ctr"/>
+                </a:tc>
+                <a:tc>
+                  <a:txBody>
+                    <a:bodyPr/>
+                    <a:lstStyle/>
+                    <a:p>
+                      <a:pPr algn="ctr"/>
+                      <a:r>
+                        <a:rPr lang="es-AR" sz="2000" b="1" i="1" u="sng" kern="1200" dirty="0">
+                          <a:solidFill>
+                            <a:schemeClr val="accent6"/>
+                          </a:solidFill>
+                          <a:latin typeface="+mn-lt"/>
+                          <a:ea typeface="+mn-ea"/>
+                          <a:cs typeface="+mn-cs"/>
+                        </a:rPr>
+                        <a:t>4</a:t>
+                      </a:r>
+                      <a:r>
+                        <a:rPr lang="es-AR" sz="2000" b="1" i="1" u="none" kern="1200" dirty="0">
+                          <a:solidFill>
+                            <a:schemeClr val="accent6"/>
+                          </a:solidFill>
+                          <a:latin typeface="+mn-lt"/>
+                          <a:ea typeface="+mn-ea"/>
+                          <a:cs typeface="+mn-cs"/>
+                        </a:rPr>
+                        <a:t> </a:t>
+                      </a:r>
+                      <a:r>
+                        <a:rPr lang="es-AR" sz="2000" b="1" i="1" u="sng" kern="1200" dirty="0" err="1">
+                          <a:solidFill>
+                            <a:schemeClr val="accent6"/>
+                          </a:solidFill>
+                          <a:latin typeface="+mn-lt"/>
+                          <a:ea typeface="+mn-ea"/>
+                          <a:cs typeface="+mn-cs"/>
+                        </a:rPr>
+                        <a:t>Mpts</a:t>
+                      </a:r>
+                      <a:endParaRPr lang="es-AR" sz="2000" b="1" i="1" u="sng" kern="1200" dirty="0">
+                        <a:solidFill>
+                          <a:schemeClr val="accent6"/>
+                        </a:solidFill>
+                        <a:latin typeface="+mn-lt"/>
+                        <a:ea typeface="+mn-ea"/>
+                        <a:cs typeface="+mn-cs"/>
+                      </a:endParaRPr>
+                    </a:p>
+                  </a:txBody>
+                  <a:tcPr anchor="ctr"/>
+                </a:tc>
+                <a:tc>
+                  <a:txBody>
+                    <a:bodyPr/>
+                    <a:lstStyle/>
+                    <a:p>
+                      <a:pPr algn="ctr"/>
+                      <a:r>
+                        <a:rPr lang="es-AR" sz="2000" dirty="0"/>
+                        <a:t>10 </a:t>
+                      </a:r>
+                      <a:r>
+                        <a:rPr lang="es-AR" sz="2000" dirty="0" err="1"/>
+                        <a:t>Kpts</a:t>
+                      </a:r>
+                      <a:endParaRPr lang="es-AR" sz="2000" dirty="0"/>
+                    </a:p>
+                  </a:txBody>
+                  <a:tcPr anchor="ctr"/>
+                </a:tc>
+                <a:extLst>
+                  <a:ext uri="{0D108BD9-81ED-4DB2-BD59-A6C34878D82A}">
+                    <a16:rowId xmlns:a16="http://schemas.microsoft.com/office/drawing/2014/main" val="2687318968"/>
+                  </a:ext>
+                </a:extLst>
+              </a:tr>
+              <a:tr h="637822">
+                <a:tc>
+                  <a:txBody>
+                    <a:bodyPr/>
+                    <a:lstStyle/>
+                    <a:p>
+                      <a:pPr algn="ctr"/>
+                      <a:r>
+                        <a:rPr lang="es-AR" sz="2000" b="1" i="0" dirty="0" err="1"/>
+                        <a:t>Waveforms</a:t>
+                      </a:r>
+                      <a:r>
+                        <a:rPr lang="es-AR" sz="2000" b="1" i="0" dirty="0"/>
+                        <a:t>/s</a:t>
+                      </a:r>
+                    </a:p>
+                  </a:txBody>
+                  <a:tcPr anchor="ctr"/>
+                </a:tc>
+                <a:tc>
+                  <a:txBody>
+                    <a:bodyPr/>
+                    <a:lstStyle/>
+                    <a:p>
+                      <a:pPr algn="ctr"/>
+                      <a:r>
+                        <a:rPr lang="es-AR" sz="2000" b="1" i="1" u="sng" kern="1200" dirty="0">
+                          <a:solidFill>
+                            <a:schemeClr val="accent6"/>
+                          </a:solidFill>
+                          <a:latin typeface="+mn-lt"/>
+                          <a:ea typeface="+mn-ea"/>
+                          <a:cs typeface="+mn-cs"/>
+                        </a:rPr>
+                        <a:t>1,000,000</a:t>
+                      </a:r>
+                    </a:p>
+                  </a:txBody>
+                  <a:tcPr anchor="ctr"/>
+                </a:tc>
+                <a:tc>
+                  <a:txBody>
+                    <a:bodyPr/>
+                    <a:lstStyle/>
+                    <a:p>
+                      <a:pPr algn="ctr"/>
+                      <a:r>
+                        <a:rPr lang="es-AR" sz="2000" dirty="0"/>
+                        <a:t>3,600</a:t>
+                      </a:r>
+                    </a:p>
+                  </a:txBody>
+                  <a:tcPr anchor="ctr"/>
+                </a:tc>
+                <a:extLst>
+                  <a:ext uri="{0D108BD9-81ED-4DB2-BD59-A6C34878D82A}">
+                    <a16:rowId xmlns:a16="http://schemas.microsoft.com/office/drawing/2014/main" val="2374478945"/>
+                  </a:ext>
+                </a:extLst>
+              </a:tr>
+              <a:tr h="637822">
+                <a:tc>
+                  <a:txBody>
+                    <a:bodyPr/>
+                    <a:lstStyle/>
+                    <a:p>
+                      <a:pPr algn="ctr"/>
+                      <a:r>
+                        <a:rPr lang="es-AR" sz="2000" b="1" i="0" dirty="0"/>
+                        <a:t>Peso</a:t>
+                      </a:r>
+                    </a:p>
+                  </a:txBody>
+                  <a:tcPr anchor="ctr"/>
+                </a:tc>
+                <a:tc>
+                  <a:txBody>
+                    <a:bodyPr/>
+                    <a:lstStyle/>
+                    <a:p>
+                      <a:pPr algn="ctr"/>
+                      <a:r>
+                        <a:rPr lang="es-AR" sz="2000" b="1" i="1" u="sng" kern="1200" dirty="0">
+                          <a:solidFill>
+                            <a:schemeClr val="accent6"/>
+                          </a:solidFill>
+                          <a:latin typeface="+mn-lt"/>
+                          <a:ea typeface="+mn-ea"/>
+                          <a:cs typeface="+mn-cs"/>
+                        </a:rPr>
+                        <a:t>2,5</a:t>
+                      </a:r>
+                      <a:r>
+                        <a:rPr lang="es-AR" sz="2000" b="1" i="1" u="none" kern="1200" dirty="0">
+                          <a:solidFill>
+                            <a:schemeClr val="accent6"/>
+                          </a:solidFill>
+                          <a:latin typeface="+mn-lt"/>
+                          <a:ea typeface="+mn-ea"/>
+                          <a:cs typeface="+mn-cs"/>
+                        </a:rPr>
+                        <a:t> </a:t>
+                      </a:r>
+                      <a:r>
+                        <a:rPr lang="es-AR" sz="2000" b="1" i="1" u="sng" kern="1200" dirty="0">
+                          <a:solidFill>
+                            <a:schemeClr val="accent6"/>
+                          </a:solidFill>
+                          <a:latin typeface="+mn-lt"/>
+                          <a:ea typeface="+mn-ea"/>
+                          <a:cs typeface="+mn-cs"/>
+                        </a:rPr>
+                        <a:t>Kg</a:t>
+                      </a:r>
+                    </a:p>
+                  </a:txBody>
+                  <a:tcPr anchor="ctr"/>
+                </a:tc>
+                <a:tc>
+                  <a:txBody>
+                    <a:bodyPr/>
+                    <a:lstStyle/>
+                    <a:p>
+                      <a:pPr algn="ctr"/>
+                      <a:r>
+                        <a:rPr lang="es-AR" sz="2000" dirty="0"/>
+                        <a:t>3,2 Kg</a:t>
+                      </a:r>
+                    </a:p>
+                  </a:txBody>
+                  <a:tcPr anchor="ctr"/>
+                </a:tc>
+                <a:extLst>
+                  <a:ext uri="{0D108BD9-81ED-4DB2-BD59-A6C34878D82A}">
+                    <a16:rowId xmlns:a16="http://schemas.microsoft.com/office/drawing/2014/main" val="3652192375"/>
+                  </a:ext>
+                </a:extLst>
+              </a:tr>
+              <a:tr h="637822">
+                <a:tc>
+                  <a:txBody>
+                    <a:bodyPr/>
+                    <a:lstStyle/>
+                    <a:p>
+                      <a:pPr algn="ctr"/>
+                      <a:r>
+                        <a:rPr lang="es-AR" sz="2000" b="1" i="0" dirty="0"/>
+                        <a:t>Display</a:t>
+                      </a:r>
+                    </a:p>
+                  </a:txBody>
+                  <a:tcPr anchor="ctr"/>
+                </a:tc>
+                <a:tc>
+                  <a:txBody>
+                    <a:bodyPr/>
+                    <a:lstStyle/>
+                    <a:p>
+                      <a:pPr algn="ctr"/>
+                      <a:r>
+                        <a:rPr lang="es-AR" sz="2000" b="0" i="0" u="none" kern="1200" dirty="0">
+                          <a:solidFill>
+                            <a:schemeClr val="tx1"/>
+                          </a:solidFill>
+                          <a:latin typeface="+mn-lt"/>
+                          <a:ea typeface="+mn-ea"/>
+                          <a:cs typeface="+mn-cs"/>
+                        </a:rPr>
+                        <a:t>No</a:t>
+                      </a:r>
+                    </a:p>
+                  </a:txBody>
+                  <a:tcPr anchor="ctr"/>
+                </a:tc>
+                <a:tc>
+                  <a:txBody>
+                    <a:bodyPr/>
+                    <a:lstStyle/>
+                    <a:p>
+                      <a:pPr algn="ctr"/>
+                      <a:r>
+                        <a:rPr lang="es-AR" sz="2000" dirty="0"/>
+                        <a:t>Sí</a:t>
+                      </a:r>
+                    </a:p>
+                  </a:txBody>
+                  <a:tcPr anchor="ctr"/>
+                </a:tc>
+                <a:extLst>
+                  <a:ext uri="{0D108BD9-81ED-4DB2-BD59-A6C34878D82A}">
+                    <a16:rowId xmlns:a16="http://schemas.microsoft.com/office/drawing/2014/main" val="1240407164"/>
+                  </a:ext>
+                </a:extLst>
+              </a:tr>
+              <a:tr h="637822">
+                <a:tc>
+                  <a:txBody>
+                    <a:bodyPr/>
+                    <a:lstStyle/>
+                    <a:p>
+                      <a:pPr algn="ctr"/>
+                      <a:r>
+                        <a:rPr lang="es-AR" sz="2000" b="1" i="0" dirty="0"/>
+                        <a:t>Precio US$</a:t>
+                      </a:r>
+                    </a:p>
+                  </a:txBody>
+                  <a:tcPr anchor="ctr"/>
+                </a:tc>
+                <a:tc>
+                  <a:txBody>
+                    <a:bodyPr/>
+                    <a:lstStyle/>
+                    <a:p>
+                      <a:pPr algn="ctr"/>
+                      <a:r>
+                        <a:rPr lang="es-AR" sz="2000" b="1" i="1" u="sng" kern="1200" dirty="0">
+                          <a:solidFill>
+                            <a:schemeClr val="accent6"/>
+                          </a:solidFill>
+                          <a:latin typeface="+mn-lt"/>
+                          <a:ea typeface="+mn-ea"/>
+                          <a:cs typeface="+mn-cs"/>
+                        </a:rPr>
+                        <a:t>5809</a:t>
+                      </a:r>
+                    </a:p>
+                  </a:txBody>
+                  <a:tcPr anchor="ctr"/>
+                </a:tc>
+                <a:tc>
+                  <a:txBody>
+                    <a:bodyPr/>
+                    <a:lstStyle/>
+                    <a:p>
+                      <a:pPr algn="ctr"/>
+                      <a:r>
+                        <a:rPr lang="es-AR" sz="2000" dirty="0"/>
+                        <a:t>11,100</a:t>
+                      </a:r>
+                    </a:p>
+                  </a:txBody>
+                  <a:tcPr anchor="ctr"/>
+                </a:tc>
+                <a:extLst>
+                  <a:ext uri="{0D108BD9-81ED-4DB2-BD59-A6C34878D82A}">
+                    <a16:rowId xmlns:a16="http://schemas.microsoft.com/office/drawing/2014/main" val="2430882575"/>
+                  </a:ext>
+                </a:extLst>
+              </a:tr>
+            </a:tbl>
+          </a:graphicData>
+        </a:graphic>
+      </p:graphicFrame>
+    </p:spTree>
+    <p:extLst>
+      <p:ext uri="{BB962C8B-B14F-4D97-AF65-F5344CB8AC3E}">
+        <p14:creationId xmlns:p14="http://schemas.microsoft.com/office/powerpoint/2010/main" val="1394710433"/>
+      </p:ext>
+    </p:extLst>
+  </p:cSld>
+  <p:clrMapOvr>
+    <a:masterClrMapping/>
+  </p:clrMapOvr>
+</p:sld>
+</file>
+
+<file path=ppt/slides/slide6.xml><?xml version="1.0" encoding="utf-8"?>
+<p:sld xmlns:a="http://schemas.openxmlformats.org/drawingml/2006/main" xmlns:r="http://schemas.openxmlformats.org/officeDocument/2006/relationships" xmlns:p="http://schemas.openxmlformats.org/presentationml/2006/main">
+  <p:cSld>
+    <p:spTree>
+      <p:nvGrpSpPr>
+        <p:cNvPr id="1" name=""/>
+        <p:cNvGrpSpPr/>
+        <p:nvPr/>
+      </p:nvGrpSpPr>
+      <p:grpSpPr>
+        <a:xfrm>
+          <a:off x="0" y="0"/>
+          <a:ext cx="0" cy="0"/>
+          <a:chOff x="0" y="0"/>
+          <a:chExt cx="0" cy="0"/>
+        </a:xfrm>
+      </p:grpSpPr>
+      <p:sp>
+        <p:nvSpPr>
+          <p:cNvPr id="2" name="Título 1">
+            <a:extLst>
+              <a:ext uri="{FF2B5EF4-FFF2-40B4-BE49-F238E27FC236}">
+                <a16:creationId xmlns:a16="http://schemas.microsoft.com/office/drawing/2014/main" id="{90DA917B-2B2F-4FDE-B920-96AE8EFC6D26}"/>
+              </a:ext>
+            </a:extLst>
+          </p:cNvPr>
+          <p:cNvSpPr>
+            <a:spLocks noGrp="1"/>
+          </p:cNvSpPr>
+          <p:nvPr>
+            <p:ph type="title"/>
+          </p:nvPr>
+        </p:nvSpPr>
+        <p:spPr>
+          <a:xfrm>
+            <a:off x="1109285" y="-223520"/>
+            <a:ext cx="9906000" cy="1477961"/>
+          </a:xfrm>
+        </p:spPr>
+        <p:txBody>
+          <a:bodyPr>
+            <a:normAutofit/>
+          </a:bodyPr>
+          <a:lstStyle/>
+          <a:p>
+            <a:pPr algn="ctr"/>
+            <a:r>
+              <a:rPr lang="es-AR" sz="4400" b="1" cap="none" dirty="0">
+                <a:ln w="9525">
+                  <a:solidFill>
+                    <a:schemeClr val="bg1"/>
+                  </a:solidFill>
+                  <a:prstDash val="solid"/>
+                </a:ln>
+                <a:effectLst>
+                  <a:outerShdw blurRad="12700" dist="38100" dir="2700000" algn="tl" rotWithShape="0">
+                    <a:schemeClr val="bg1">
+                      <a:lumMod val="50000"/>
+                    </a:schemeClr>
+                  </a:outerShdw>
+                </a:effectLst>
+              </a:rPr>
+              <a:t>Competencia</a:t>
+            </a:r>
+          </a:p>
+        </p:txBody>
+      </p:sp>
+      <p:graphicFrame>
+        <p:nvGraphicFramePr>
+          <p:cNvPr id="7" name="Marcador de contenido 6">
+            <a:extLst>
+              <a:ext uri="{FF2B5EF4-FFF2-40B4-BE49-F238E27FC236}">
+                <a16:creationId xmlns:a16="http://schemas.microsoft.com/office/drawing/2014/main" id="{70666156-6325-4E84-9F7E-7C9954255919}"/>
+              </a:ext>
+            </a:extLst>
+          </p:cNvPr>
+          <p:cNvGraphicFramePr>
+            <a:graphicFrameLocks noGrp="1"/>
+          </p:cNvGraphicFramePr>
+          <p:nvPr>
+            <p:ph sz="half" idx="2"/>
+            <p:extLst>
+              <p:ext uri="{D42A27DB-BD31-4B8C-83A1-F6EECF244321}">
+                <p14:modId xmlns:p14="http://schemas.microsoft.com/office/powerpoint/2010/main" val="2520633715"/>
+              </p:ext>
+            </p:extLst>
+          </p:nvPr>
+        </p:nvGraphicFramePr>
+        <p:xfrm>
+          <a:off x="1075570" y="924560"/>
+          <a:ext cx="9973430" cy="5740398"/>
+        </p:xfrm>
+        <a:graphic>
+          <a:graphicData uri="http://schemas.openxmlformats.org/drawingml/2006/table">
+            <a:tbl>
+              <a:tblPr firstRow="1" bandRow="1">
+                <a:tableStyleId>{E8B1032C-EA38-4F05-BA0D-38AFFFC7BED3}</a:tableStyleId>
+              </a:tblPr>
+              <a:tblGrid>
+                <a:gridCol w="1994686">
+                  <a:extLst>
+                    <a:ext uri="{9D8B030D-6E8A-4147-A177-3AD203B41FA5}">
+                      <a16:colId xmlns:a16="http://schemas.microsoft.com/office/drawing/2014/main" val="1383181985"/>
+                    </a:ext>
+                  </a:extLst>
+                </a:gridCol>
+                <a:gridCol w="3989372">
+                  <a:extLst>
+                    <a:ext uri="{9D8B030D-6E8A-4147-A177-3AD203B41FA5}">
+                      <a16:colId xmlns:a16="http://schemas.microsoft.com/office/drawing/2014/main" val="2141071849"/>
+                    </a:ext>
+                  </a:extLst>
+                </a:gridCol>
+                <a:gridCol w="3989372">
+                  <a:extLst>
+                    <a:ext uri="{9D8B030D-6E8A-4147-A177-3AD203B41FA5}">
+                      <a16:colId xmlns:a16="http://schemas.microsoft.com/office/drawing/2014/main" val="796346247"/>
+                    </a:ext>
+                  </a:extLst>
+                </a:gridCol>
+              </a:tblGrid>
+              <a:tr h="637822">
+                <a:tc>
+                  <a:txBody>
+                    <a:bodyPr/>
+                    <a:lstStyle/>
+                    <a:p>
+                      <a:pPr algn="ctr"/>
+                      <a:endParaRPr lang="es-AR" sz="2400" b="1" i="0" dirty="0"/>
+                    </a:p>
+                  </a:txBody>
+                  <a:tcPr anchor="ctr">
+                    <a:lnL w="12700" cap="flat" cmpd="sng" algn="ctr">
+                      <a:noFill/>
+                      <a:prstDash val="solid"/>
+                      <a:round/>
+                      <a:headEnd type="none" w="med" len="med"/>
+                      <a:tailEnd type="none" w="med" len="med"/>
+                    </a:lnL>
+                    <a:lnT w="12700" cap="flat" cmpd="sng" algn="ctr">
+                      <a:noFill/>
+                      <a:prstDash val="solid"/>
+                      <a:round/>
+                      <a:headEnd type="none" w="med" len="med"/>
+                      <a:tailEnd type="none" w="med" len="med"/>
+                    </a:lnT>
+                  </a:tcPr>
+                </a:tc>
+                <a:tc>
+                  <a:txBody>
+                    <a:bodyPr/>
+                    <a:lstStyle/>
+                    <a:p>
+                      <a:pPr marL="0" marR="0" lvl="0" indent="0" algn="ctr" defTabSz="914400" rtl="0" eaLnBrk="1" fontAlgn="auto" latinLnBrk="0" hangingPunct="1">
+                        <a:lnSpc>
+                          <a:spcPct val="100000"/>
+                        </a:lnSpc>
+                        <a:spcBef>
+                          <a:spcPts val="0"/>
+                        </a:spcBef>
+                        <a:spcAft>
+                          <a:spcPts val="0"/>
+                        </a:spcAft>
+                        <a:buClrTx/>
+                        <a:buSzTx/>
+                        <a:buFontTx/>
+                        <a:buNone/>
+                        <a:tabLst/>
+                        <a:defRPr/>
+                      </a:pPr>
+                      <a:r>
+                        <a:rPr lang="es-AR" sz="3200" cap="none" dirty="0" err="1">
+                          <a:ln w="9525">
+                            <a:solidFill>
+                              <a:schemeClr val="bg1"/>
+                            </a:solidFill>
+                            <a:prstDash val="solid"/>
+                          </a:ln>
+                          <a:effectLst>
+                            <a:outerShdw blurRad="12700" dist="38100" dir="2700000" algn="tl" rotWithShape="0">
+                              <a:schemeClr val="bg1">
+                                <a:lumMod val="50000"/>
+                              </a:schemeClr>
+                            </a:outerShdw>
+                          </a:effectLst>
+                        </a:rPr>
+                        <a:t>Keysight</a:t>
+                      </a:r>
+                      <a:r>
+                        <a:rPr lang="es-AR" sz="3200" cap="none" dirty="0">
+                          <a:ln w="9525">
+                            <a:solidFill>
+                              <a:schemeClr val="bg1"/>
+                            </a:solidFill>
+                            <a:prstDash val="solid"/>
+                          </a:ln>
+                          <a:effectLst>
+                            <a:outerShdw blurRad="12700" dist="38100" dir="2700000" algn="tl" rotWithShape="0">
+                              <a:schemeClr val="bg1">
+                                <a:lumMod val="50000"/>
+                              </a:schemeClr>
+                            </a:outerShdw>
+                          </a:effectLst>
+                        </a:rPr>
+                        <a:t> P9241A</a:t>
+                      </a:r>
+                      <a:endParaRPr lang="es-AR" sz="3200" b="1" cap="none" dirty="0">
+                        <a:ln w="9525">
+                          <a:solidFill>
+                            <a:schemeClr val="bg1"/>
+                          </a:solidFill>
+                          <a:prstDash val="solid"/>
+                        </a:ln>
+                        <a:effectLst>
+                          <a:outerShdw blurRad="12700" dist="38100" dir="2700000" algn="tl" rotWithShape="0">
+                            <a:schemeClr val="bg1">
+                              <a:lumMod val="50000"/>
+                            </a:schemeClr>
+                          </a:outerShdw>
+                        </a:effectLst>
+                      </a:endParaRPr>
+                    </a:p>
+                  </a:txBody>
+                  <a:tcPr anchor="ctr"/>
+                </a:tc>
+                <a:tc>
+                  <a:txBody>
+                    <a:bodyPr/>
+                    <a:lstStyle/>
+                    <a:p>
+                      <a:pPr marL="0" marR="0" lvl="0" indent="0" algn="ctr" defTabSz="914400" rtl="0" eaLnBrk="1" fontAlgn="auto" latinLnBrk="0" hangingPunct="1">
+                        <a:lnSpc>
+                          <a:spcPct val="100000"/>
+                        </a:lnSpc>
+                        <a:spcBef>
+                          <a:spcPts val="0"/>
+                        </a:spcBef>
+                        <a:spcAft>
+                          <a:spcPts val="0"/>
+                        </a:spcAft>
+                        <a:buClrTx/>
+                        <a:buSzTx/>
+                        <a:buFontTx/>
+                        <a:buNone/>
+                        <a:tabLst/>
+                        <a:defRPr/>
+                      </a:pPr>
+                      <a:r>
+                        <a:rPr lang="es-AR" sz="3200" b="1" kern="1200" cap="none" dirty="0" err="1">
+                          <a:ln w="9525">
+                            <a:solidFill>
+                              <a:schemeClr val="bg1"/>
+                            </a:solidFill>
+                            <a:prstDash val="solid"/>
+                          </a:ln>
+                          <a:solidFill>
+                            <a:schemeClr val="tx1"/>
+                          </a:solidFill>
+                          <a:effectLst>
+                            <a:outerShdw blurRad="12700" dist="38100" dir="2700000" algn="tl" rotWithShape="0">
+                              <a:schemeClr val="bg1">
+                                <a:lumMod val="50000"/>
+                              </a:schemeClr>
+                            </a:outerShdw>
+                          </a:effectLst>
+                          <a:latin typeface="+mn-lt"/>
+                          <a:ea typeface="+mn-ea"/>
+                          <a:cs typeface="+mn-cs"/>
+                        </a:rPr>
+                        <a:t>Lecroy</a:t>
+                      </a:r>
+                      <a:r>
+                        <a:rPr lang="es-AR" sz="3200" b="1" kern="1200" cap="none" dirty="0">
+                          <a:ln w="9525">
+                            <a:solidFill>
+                              <a:schemeClr val="bg1"/>
+                            </a:solidFill>
+                            <a:prstDash val="solid"/>
+                          </a:ln>
+                          <a:solidFill>
+                            <a:schemeClr val="tx1"/>
+                          </a:solidFill>
+                          <a:effectLst>
+                            <a:outerShdw blurRad="12700" dist="38100" dir="2700000" algn="tl" rotWithShape="0">
+                              <a:schemeClr val="bg1">
+                                <a:lumMod val="50000"/>
+                              </a:schemeClr>
+                            </a:outerShdw>
+                          </a:effectLst>
+                          <a:latin typeface="+mn-lt"/>
+                          <a:ea typeface="+mn-ea"/>
+                          <a:cs typeface="+mn-cs"/>
+                        </a:rPr>
+                        <a:t> </a:t>
+                      </a:r>
+                      <a:r>
+                        <a:rPr lang="es-ES" sz="3200" b="1" kern="1200" cap="none" dirty="0">
+                          <a:ln w="9525">
+                            <a:solidFill>
+                              <a:schemeClr val="bg1"/>
+                            </a:solidFill>
+                            <a:prstDash val="solid"/>
+                          </a:ln>
+                          <a:solidFill>
+                            <a:schemeClr val="tx1"/>
+                          </a:solidFill>
+                          <a:effectLst>
+                            <a:outerShdw blurRad="12700" dist="38100" dir="2700000" algn="tl" rotWithShape="0">
+                              <a:schemeClr val="bg1">
+                                <a:lumMod val="50000"/>
+                              </a:schemeClr>
+                            </a:outerShdw>
+                          </a:effectLst>
+                          <a:latin typeface="+mn-lt"/>
+                          <a:ea typeface="+mn-ea"/>
+                          <a:cs typeface="+mn-cs"/>
+                        </a:rPr>
+                        <a:t>T3DSO2102</a:t>
+                      </a:r>
+                      <a:endParaRPr lang="es-AR" sz="3200" b="1" kern="1200" cap="none" dirty="0">
+                        <a:ln w="9525">
+                          <a:solidFill>
+                            <a:schemeClr val="bg1"/>
+                          </a:solidFill>
+                          <a:prstDash val="solid"/>
+                        </a:ln>
+                        <a:solidFill>
+                          <a:schemeClr val="tx1"/>
+                        </a:solidFill>
+                        <a:effectLst>
+                          <a:outerShdw blurRad="12700" dist="38100" dir="2700000" algn="tl" rotWithShape="0">
+                            <a:schemeClr val="bg1">
+                              <a:lumMod val="50000"/>
+                            </a:schemeClr>
+                          </a:outerShdw>
+                        </a:effectLst>
+                        <a:latin typeface="+mn-lt"/>
+                        <a:ea typeface="+mn-ea"/>
+                        <a:cs typeface="+mn-cs"/>
+                      </a:endParaRPr>
+                    </a:p>
+                  </a:txBody>
+                  <a:tcPr anchor="ctr"/>
+                </a:tc>
+                <a:extLst>
+                  <a:ext uri="{0D108BD9-81ED-4DB2-BD59-A6C34878D82A}">
+                    <a16:rowId xmlns:a16="http://schemas.microsoft.com/office/drawing/2014/main" val="3840987476"/>
+                  </a:ext>
+                </a:extLst>
+              </a:tr>
+              <a:tr h="637822">
+                <a:tc>
+                  <a:txBody>
+                    <a:bodyPr/>
+                    <a:lstStyle/>
+                    <a:p>
+                      <a:pPr algn="ctr"/>
+                      <a:r>
+                        <a:rPr lang="es-AR" sz="2000" b="1" i="0" dirty="0" err="1"/>
+                        <a:t>Bandwidth</a:t>
+                      </a:r>
+                      <a:endParaRPr lang="es-AR" sz="2000" b="1" i="0" dirty="0"/>
+                    </a:p>
+                  </a:txBody>
+                  <a:tcPr anchor="ctr"/>
+                </a:tc>
+                <a:tc>
+                  <a:txBody>
+                    <a:bodyPr/>
+                    <a:lstStyle/>
+                    <a:p>
+                      <a:pPr algn="ctr"/>
+                      <a:r>
+                        <a:rPr lang="es-AR" sz="2000" b="1" i="1" u="sng" kern="1200" dirty="0">
+                          <a:solidFill>
+                            <a:schemeClr val="accent6"/>
+                          </a:solidFill>
+                          <a:latin typeface="+mn-lt"/>
+                          <a:ea typeface="+mn-ea"/>
+                          <a:cs typeface="+mn-cs"/>
+                        </a:rPr>
+                        <a:t>200</a:t>
+                      </a:r>
+                      <a:r>
+                        <a:rPr lang="es-AR" sz="2000" b="1" i="1" u="none" kern="1200" dirty="0">
+                          <a:solidFill>
+                            <a:schemeClr val="accent6"/>
+                          </a:solidFill>
+                          <a:latin typeface="+mn-lt"/>
+                          <a:ea typeface="+mn-ea"/>
+                          <a:cs typeface="+mn-cs"/>
+                        </a:rPr>
+                        <a:t> </a:t>
+                      </a:r>
+                      <a:r>
+                        <a:rPr lang="es-AR" sz="2000" b="1" i="1" u="sng" kern="1200" dirty="0">
+                          <a:solidFill>
+                            <a:schemeClr val="accent6"/>
+                          </a:solidFill>
+                          <a:latin typeface="+mn-lt"/>
+                          <a:ea typeface="+mn-ea"/>
+                          <a:cs typeface="+mn-cs"/>
+                        </a:rPr>
+                        <a:t>MHz</a:t>
+                      </a:r>
+                    </a:p>
+                  </a:txBody>
+                  <a:tcPr anchor="ctr"/>
+                </a:tc>
+                <a:tc>
+                  <a:txBody>
+                    <a:bodyPr/>
+                    <a:lstStyle/>
+                    <a:p>
+                      <a:pPr algn="ctr"/>
+                      <a:r>
+                        <a:rPr lang="es-AR" sz="2000" b="0" i="0" u="none" dirty="0">
+                          <a:solidFill>
+                            <a:schemeClr val="accent6"/>
+                          </a:solidFill>
+                        </a:rPr>
+                        <a:t>100 MHz</a:t>
+                      </a:r>
+                    </a:p>
+                  </a:txBody>
+                  <a:tcPr anchor="ctr"/>
+                </a:tc>
+                <a:extLst>
+                  <a:ext uri="{0D108BD9-81ED-4DB2-BD59-A6C34878D82A}">
+                    <a16:rowId xmlns:a16="http://schemas.microsoft.com/office/drawing/2014/main" val="929851044"/>
+                  </a:ext>
+                </a:extLst>
+              </a:tr>
+              <a:tr h="637822">
+                <a:tc>
+                  <a:txBody>
+                    <a:bodyPr/>
+                    <a:lstStyle/>
+                    <a:p>
+                      <a:pPr algn="ctr"/>
+                      <a:r>
+                        <a:rPr lang="es-AR" sz="2000" b="1" i="0" dirty="0"/>
+                        <a:t>Sample Rate</a:t>
+                      </a:r>
+                    </a:p>
+                  </a:txBody>
+                  <a:tcPr anchor="ctr"/>
+                </a:tc>
+                <a:tc>
+                  <a:txBody>
+                    <a:bodyPr/>
+                    <a:lstStyle/>
+                    <a:p>
+                      <a:pPr algn="ctr"/>
+                      <a:r>
+                        <a:rPr lang="es-AR" sz="2000" b="1" i="1" u="sng" kern="1200" dirty="0">
+                          <a:solidFill>
+                            <a:schemeClr val="accent6"/>
+                          </a:solidFill>
+                          <a:effectLst/>
+                          <a:latin typeface="+mn-lt"/>
+                          <a:ea typeface="+mn-ea"/>
+                          <a:cs typeface="+mn-cs"/>
+                        </a:rPr>
+                        <a:t>5</a:t>
+                      </a:r>
+                      <a:r>
+                        <a:rPr lang="es-AR" sz="2000" b="1" i="1" u="none" kern="1200" dirty="0">
+                          <a:solidFill>
+                            <a:schemeClr val="accent6"/>
+                          </a:solidFill>
+                          <a:effectLst/>
+                          <a:latin typeface="+mn-lt"/>
+                          <a:ea typeface="+mn-ea"/>
+                          <a:cs typeface="+mn-cs"/>
+                        </a:rPr>
+                        <a:t> </a:t>
+                      </a:r>
+                      <a:r>
+                        <a:rPr lang="es-AR" sz="2000" b="1" i="1" u="sng" kern="1200" dirty="0" err="1">
+                          <a:solidFill>
+                            <a:schemeClr val="accent6"/>
+                          </a:solidFill>
+                          <a:effectLst/>
+                          <a:latin typeface="+mn-lt"/>
+                          <a:ea typeface="+mn-ea"/>
+                          <a:cs typeface="+mn-cs"/>
+                        </a:rPr>
+                        <a:t>GSa</a:t>
+                      </a:r>
+                      <a:r>
+                        <a:rPr lang="es-AR" sz="2000" b="1" i="1" u="sng" kern="1200" dirty="0">
+                          <a:solidFill>
+                            <a:schemeClr val="accent6"/>
+                          </a:solidFill>
+                          <a:effectLst/>
+                          <a:latin typeface="+mn-lt"/>
+                          <a:ea typeface="+mn-ea"/>
+                          <a:cs typeface="+mn-cs"/>
+                        </a:rPr>
+                        <a:t>/s</a:t>
+                      </a:r>
+                    </a:p>
+                  </a:txBody>
+                  <a:tcPr anchor="ctr"/>
+                </a:tc>
+                <a:tc>
+                  <a:txBody>
+                    <a:bodyPr/>
+                    <a:lstStyle/>
+                    <a:p>
+                      <a:pPr algn="ctr"/>
+                      <a:r>
+                        <a:rPr lang="es-AR" sz="2000" dirty="0"/>
+                        <a:t>2 </a:t>
+                      </a:r>
+                      <a:r>
+                        <a:rPr lang="es-AR" sz="2000" dirty="0" err="1"/>
+                        <a:t>GSa</a:t>
+                      </a:r>
+                      <a:r>
+                        <a:rPr lang="es-AR" sz="2000" dirty="0"/>
+                        <a:t>/s</a:t>
+                      </a:r>
+                    </a:p>
+                  </a:txBody>
+                  <a:tcPr anchor="ctr"/>
+                </a:tc>
+                <a:extLst>
+                  <a:ext uri="{0D108BD9-81ED-4DB2-BD59-A6C34878D82A}">
+                    <a16:rowId xmlns:a16="http://schemas.microsoft.com/office/drawing/2014/main" val="2773039620"/>
+                  </a:ext>
+                </a:extLst>
+              </a:tr>
+              <a:tr h="637822">
+                <a:tc>
+                  <a:txBody>
+                    <a:bodyPr/>
+                    <a:lstStyle/>
+                    <a:p>
+                      <a:pPr algn="ctr"/>
+                      <a:r>
+                        <a:rPr lang="es-AR" sz="2000" b="1" i="0" dirty="0"/>
+                        <a:t>Canales</a:t>
+                      </a:r>
+                    </a:p>
+                  </a:txBody>
+                  <a:tcPr anchor="ctr"/>
+                </a:tc>
+                <a:tc>
+                  <a:txBody>
+                    <a:bodyPr/>
+                    <a:lstStyle/>
+                    <a:p>
+                      <a:pPr algn="ctr"/>
+                      <a:r>
+                        <a:rPr lang="es-AR" sz="2000" kern="1200" dirty="0">
+                          <a:solidFill>
+                            <a:schemeClr val="tx1"/>
+                          </a:solidFill>
+                          <a:latin typeface="+mn-lt"/>
+                          <a:ea typeface="+mn-ea"/>
+                          <a:cs typeface="+mn-cs"/>
+                        </a:rPr>
+                        <a:t>2</a:t>
+                      </a:r>
+                    </a:p>
+                  </a:txBody>
+                  <a:tcPr anchor="ctr"/>
+                </a:tc>
+                <a:tc>
+                  <a:txBody>
+                    <a:bodyPr/>
+                    <a:lstStyle/>
+                    <a:p>
+                      <a:pPr algn="ctr"/>
+                      <a:r>
+                        <a:rPr lang="es-AR" sz="2000" dirty="0"/>
+                        <a:t>2 </a:t>
+                      </a:r>
+                    </a:p>
+                  </a:txBody>
+                  <a:tcPr anchor="ctr"/>
+                </a:tc>
+                <a:extLst>
+                  <a:ext uri="{0D108BD9-81ED-4DB2-BD59-A6C34878D82A}">
+                    <a16:rowId xmlns:a16="http://schemas.microsoft.com/office/drawing/2014/main" val="1660978795"/>
+                  </a:ext>
+                </a:extLst>
+              </a:tr>
+              <a:tr h="637822">
+                <a:tc>
+                  <a:txBody>
+                    <a:bodyPr/>
+                    <a:lstStyle/>
+                    <a:p>
+                      <a:pPr algn="ctr"/>
+                      <a:r>
+                        <a:rPr lang="es-AR" sz="2000" b="1" i="0" dirty="0"/>
+                        <a:t>Memoria</a:t>
+                      </a:r>
+                    </a:p>
+                  </a:txBody>
+                  <a:tcPr anchor="ctr"/>
+                </a:tc>
+                <a:tc>
+                  <a:txBody>
+                    <a:bodyPr/>
+                    <a:lstStyle/>
+                    <a:p>
+                      <a:pPr algn="ctr"/>
+                      <a:r>
+                        <a:rPr lang="es-AR" sz="2000" b="0" i="0" u="none" kern="1200" dirty="0">
+                          <a:solidFill>
+                            <a:schemeClr val="tx1"/>
+                          </a:solidFill>
+                          <a:latin typeface="+mn-lt"/>
+                          <a:ea typeface="+mn-ea"/>
+                          <a:cs typeface="+mn-cs"/>
+                        </a:rPr>
+                        <a:t>4 </a:t>
+                      </a:r>
+                      <a:r>
+                        <a:rPr lang="es-AR" sz="2000" b="0" i="0" u="none" kern="1200" dirty="0" err="1">
+                          <a:solidFill>
+                            <a:schemeClr val="tx1"/>
+                          </a:solidFill>
+                          <a:latin typeface="+mn-lt"/>
+                          <a:ea typeface="+mn-ea"/>
+                          <a:cs typeface="+mn-cs"/>
+                        </a:rPr>
+                        <a:t>Mpts</a:t>
+                      </a:r>
+                      <a:endParaRPr lang="es-AR" sz="2000" b="0" i="0" u="none" kern="1200" dirty="0">
+                        <a:solidFill>
+                          <a:schemeClr val="tx1"/>
+                        </a:solidFill>
+                        <a:latin typeface="+mn-lt"/>
+                        <a:ea typeface="+mn-ea"/>
+                        <a:cs typeface="+mn-cs"/>
+                      </a:endParaRPr>
+                    </a:p>
+                  </a:txBody>
+                  <a:tcPr anchor="ctr"/>
+                </a:tc>
+                <a:tc>
+                  <a:txBody>
+                    <a:bodyPr/>
+                    <a:lstStyle/>
+                    <a:p>
+                      <a:pPr algn="ctr"/>
+                      <a:r>
+                        <a:rPr lang="es-AR" sz="2000" b="1" i="1" u="sng" dirty="0">
+                          <a:solidFill>
+                            <a:schemeClr val="accent6"/>
+                          </a:solidFill>
+                        </a:rPr>
+                        <a:t>70 </a:t>
+                      </a:r>
+                      <a:r>
+                        <a:rPr lang="es-AR" sz="2000" b="1" i="1" u="sng" dirty="0" err="1">
+                          <a:solidFill>
+                            <a:schemeClr val="accent6"/>
+                          </a:solidFill>
+                        </a:rPr>
+                        <a:t>Mpts</a:t>
+                      </a:r>
+                      <a:endParaRPr lang="es-AR" sz="2000" b="1" i="1" u="sng" dirty="0">
+                        <a:solidFill>
+                          <a:schemeClr val="accent6"/>
+                        </a:solidFill>
+                      </a:endParaRPr>
+                    </a:p>
+                  </a:txBody>
+                  <a:tcPr anchor="ctr"/>
+                </a:tc>
+                <a:extLst>
+                  <a:ext uri="{0D108BD9-81ED-4DB2-BD59-A6C34878D82A}">
+                    <a16:rowId xmlns:a16="http://schemas.microsoft.com/office/drawing/2014/main" val="2687318968"/>
+                  </a:ext>
+                </a:extLst>
+              </a:tr>
+              <a:tr h="637822">
+                <a:tc>
+                  <a:txBody>
+                    <a:bodyPr/>
+                    <a:lstStyle/>
+                    <a:p>
+                      <a:pPr algn="ctr"/>
+                      <a:r>
+                        <a:rPr lang="es-AR" sz="2000" b="1" i="0" dirty="0" err="1"/>
+                        <a:t>Waveforms</a:t>
+                      </a:r>
+                      <a:r>
+                        <a:rPr lang="es-AR" sz="2000" b="1" i="0" dirty="0"/>
+                        <a:t>/s</a:t>
+                      </a:r>
+                    </a:p>
+                  </a:txBody>
+                  <a:tcPr anchor="ctr"/>
+                </a:tc>
+                <a:tc>
+                  <a:txBody>
+                    <a:bodyPr/>
+                    <a:lstStyle/>
+                    <a:p>
+                      <a:pPr algn="ctr"/>
+                      <a:r>
+                        <a:rPr lang="es-AR" sz="2000" b="1" i="1" u="sng" kern="1200" dirty="0">
+                          <a:solidFill>
+                            <a:schemeClr val="accent6"/>
+                          </a:solidFill>
+                          <a:latin typeface="+mn-lt"/>
+                          <a:ea typeface="+mn-ea"/>
+                          <a:cs typeface="+mn-cs"/>
+                        </a:rPr>
+                        <a:t>1,000,000</a:t>
+                      </a:r>
+                    </a:p>
+                  </a:txBody>
+                  <a:tcPr anchor="ctr"/>
+                </a:tc>
+                <a:tc>
+                  <a:txBody>
+                    <a:bodyPr/>
+                    <a:lstStyle/>
+                    <a:p>
+                      <a:pPr algn="ctr"/>
+                      <a:r>
+                        <a:rPr lang="es-AR" sz="2000" dirty="0"/>
+                        <a:t>140,000</a:t>
+                      </a:r>
+                    </a:p>
+                  </a:txBody>
+                  <a:tcPr anchor="ctr"/>
+                </a:tc>
+                <a:extLst>
+                  <a:ext uri="{0D108BD9-81ED-4DB2-BD59-A6C34878D82A}">
+                    <a16:rowId xmlns:a16="http://schemas.microsoft.com/office/drawing/2014/main" val="2374478945"/>
+                  </a:ext>
+                </a:extLst>
+              </a:tr>
+              <a:tr h="637822">
+                <a:tc>
+                  <a:txBody>
+                    <a:bodyPr/>
+                    <a:lstStyle/>
+                    <a:p>
+                      <a:pPr algn="ctr"/>
+                      <a:r>
+                        <a:rPr lang="es-AR" sz="2000" b="1" i="0" dirty="0"/>
+                        <a:t>Peso</a:t>
+                      </a:r>
+                    </a:p>
+                  </a:txBody>
+                  <a:tcPr anchor="ctr"/>
+                </a:tc>
+                <a:tc>
+                  <a:txBody>
+                    <a:bodyPr/>
+                    <a:lstStyle/>
+                    <a:p>
+                      <a:pPr algn="ctr"/>
+                      <a:r>
+                        <a:rPr lang="es-AR" sz="2000" b="1" i="1" u="sng" kern="1200" dirty="0">
+                          <a:solidFill>
+                            <a:schemeClr val="accent6"/>
+                          </a:solidFill>
+                          <a:latin typeface="+mn-lt"/>
+                          <a:ea typeface="+mn-ea"/>
+                          <a:cs typeface="+mn-cs"/>
+                        </a:rPr>
+                        <a:t>2,5</a:t>
+                      </a:r>
+                      <a:r>
+                        <a:rPr lang="es-AR" sz="2000" b="1" i="1" u="none" kern="1200" dirty="0">
+                          <a:solidFill>
+                            <a:schemeClr val="accent6"/>
+                          </a:solidFill>
+                          <a:latin typeface="+mn-lt"/>
+                          <a:ea typeface="+mn-ea"/>
+                          <a:cs typeface="+mn-cs"/>
+                        </a:rPr>
+                        <a:t> </a:t>
+                      </a:r>
+                      <a:r>
+                        <a:rPr lang="es-AR" sz="2000" b="1" i="1" u="sng" kern="1200" dirty="0">
+                          <a:solidFill>
+                            <a:schemeClr val="accent6"/>
+                          </a:solidFill>
+                          <a:latin typeface="+mn-lt"/>
+                          <a:ea typeface="+mn-ea"/>
+                          <a:cs typeface="+mn-cs"/>
+                        </a:rPr>
+                        <a:t>Kg</a:t>
+                      </a:r>
+                    </a:p>
+                  </a:txBody>
+                  <a:tcPr anchor="ctr"/>
+                </a:tc>
+                <a:tc>
+                  <a:txBody>
+                    <a:bodyPr/>
+                    <a:lstStyle/>
+                    <a:p>
+                      <a:pPr algn="ctr"/>
+                      <a:r>
+                        <a:rPr lang="es-AR" sz="2000" dirty="0"/>
+                        <a:t>3,4 Kg</a:t>
+                      </a:r>
+                    </a:p>
+                  </a:txBody>
+                  <a:tcPr anchor="ctr"/>
+                </a:tc>
+                <a:extLst>
+                  <a:ext uri="{0D108BD9-81ED-4DB2-BD59-A6C34878D82A}">
+                    <a16:rowId xmlns:a16="http://schemas.microsoft.com/office/drawing/2014/main" val="3652192375"/>
+                  </a:ext>
+                </a:extLst>
+              </a:tr>
+              <a:tr h="637822">
+                <a:tc>
+                  <a:txBody>
+                    <a:bodyPr/>
+                    <a:lstStyle/>
+                    <a:p>
+                      <a:pPr algn="ctr"/>
+                      <a:r>
+                        <a:rPr lang="es-AR" sz="2000" b="1" i="0" dirty="0"/>
+                        <a:t>Display</a:t>
+                      </a:r>
+                    </a:p>
+                  </a:txBody>
+                  <a:tcPr anchor="ctr"/>
+                </a:tc>
+                <a:tc>
+                  <a:txBody>
+                    <a:bodyPr/>
+                    <a:lstStyle/>
+                    <a:p>
+                      <a:pPr algn="ctr"/>
+                      <a:r>
+                        <a:rPr lang="es-AR" sz="2000" b="0" i="0" u="none" kern="1200" dirty="0">
+                          <a:solidFill>
+                            <a:schemeClr val="tx1"/>
+                          </a:solidFill>
+                          <a:latin typeface="+mn-lt"/>
+                          <a:ea typeface="+mn-ea"/>
+                          <a:cs typeface="+mn-cs"/>
+                        </a:rPr>
+                        <a:t>No</a:t>
+                      </a:r>
+                    </a:p>
+                  </a:txBody>
+                  <a:tcPr anchor="ctr"/>
+                </a:tc>
+                <a:tc>
+                  <a:txBody>
+                    <a:bodyPr/>
+                    <a:lstStyle/>
+                    <a:p>
+                      <a:pPr algn="ctr"/>
+                      <a:r>
+                        <a:rPr lang="es-AR" sz="2000" dirty="0"/>
+                        <a:t>Sí</a:t>
+                      </a:r>
+                    </a:p>
+                  </a:txBody>
+                  <a:tcPr anchor="ctr"/>
+                </a:tc>
+                <a:extLst>
+                  <a:ext uri="{0D108BD9-81ED-4DB2-BD59-A6C34878D82A}">
+                    <a16:rowId xmlns:a16="http://schemas.microsoft.com/office/drawing/2014/main" val="1240407164"/>
+                  </a:ext>
+                </a:extLst>
+              </a:tr>
+              <a:tr h="637822">
+                <a:tc>
+                  <a:txBody>
+                    <a:bodyPr/>
+                    <a:lstStyle/>
+                    <a:p>
+                      <a:pPr algn="ctr"/>
+                      <a:r>
+                        <a:rPr lang="es-AR" sz="2000" b="1" i="0" dirty="0"/>
+                        <a:t>Precio US$</a:t>
+                      </a:r>
+                    </a:p>
+                  </a:txBody>
+                  <a:tcPr anchor="ctr"/>
+                </a:tc>
+                <a:tc>
+                  <a:txBody>
+                    <a:bodyPr/>
+                    <a:lstStyle/>
+                    <a:p>
+                      <a:pPr algn="ctr"/>
+                      <a:r>
+                        <a:rPr lang="es-AR" sz="2000" b="0" i="0" u="none" kern="1200" dirty="0">
+                          <a:solidFill>
+                            <a:schemeClr val="tx1"/>
+                          </a:solidFill>
+                          <a:latin typeface="+mn-lt"/>
+                          <a:ea typeface="+mn-ea"/>
+                          <a:cs typeface="+mn-cs"/>
+                        </a:rPr>
+                        <a:t>5809</a:t>
+                      </a:r>
+                    </a:p>
+                  </a:txBody>
+                  <a:tcPr anchor="ctr"/>
+                </a:tc>
+                <a:tc>
+                  <a:txBody>
+                    <a:bodyPr/>
+                    <a:lstStyle/>
+                    <a:p>
+                      <a:pPr algn="ctr"/>
+                      <a:r>
+                        <a:rPr lang="es-AR" sz="2000" b="1" i="1" u="sng" dirty="0">
+                          <a:solidFill>
+                            <a:schemeClr val="accent6"/>
+                          </a:solidFill>
+                        </a:rPr>
+                        <a:t>1,337</a:t>
+                      </a:r>
+                    </a:p>
+                  </a:txBody>
+                  <a:tcPr anchor="ctr"/>
+                </a:tc>
+                <a:extLst>
+                  <a:ext uri="{0D108BD9-81ED-4DB2-BD59-A6C34878D82A}">
+                    <a16:rowId xmlns:a16="http://schemas.microsoft.com/office/drawing/2014/main" val="2430882575"/>
+                  </a:ext>
+                </a:extLst>
+              </a:tr>
+            </a:tbl>
+          </a:graphicData>
+        </a:graphic>
+      </p:graphicFrame>
+    </p:spTree>
+    <p:extLst>
+      <p:ext uri="{BB962C8B-B14F-4D97-AF65-F5344CB8AC3E}">
+        <p14:creationId xmlns:p14="http://schemas.microsoft.com/office/powerpoint/2010/main" val="678619172"/>
       </p:ext>
     </p:extLst>
   </p:cSld>
